--- a/analysis/Curvature/view_angle_comparison.pptx
+++ b/analysis/Curvature/view_angle_comparison.pptx
@@ -4,8 +4,15 @@
   <p:sldMasterIdLst>
     <p:sldMasterId id="2147483648" r:id="rId1"/>
   </p:sldMasterIdLst>
+  <p:notesMasterIdLst>
+    <p:notesMasterId r:id="rId7"/>
+  </p:notesMasterIdLst>
   <p:sldIdLst>
     <p:sldId id="256" r:id="rId2"/>
+    <p:sldId id="257" r:id="rId3"/>
+    <p:sldId id="259" r:id="rId4"/>
+    <p:sldId id="258" r:id="rId5"/>
+    <p:sldId id="260" r:id="rId6"/>
   </p:sldIdLst>
   <p:sldSz cx="9144000" cy="6858000" type="screen4x3"/>
   <p:notesSz cx="6858000" cy="9144000"/>
@@ -107,6 +114,524 @@
 </p:presentation>
 </file>
 
+<file path=ppt/notesMasters/notesMaster1.xml><?xml version="1.0" encoding="utf-8"?>
+<p:notesMaster xmlns:a="http://schemas.openxmlformats.org/drawingml/2006/main" xmlns:r="http://schemas.openxmlformats.org/officeDocument/2006/relationships" xmlns:p="http://schemas.openxmlformats.org/presentationml/2006/main">
+  <p:cSld>
+    <p:bg>
+      <p:bgRef idx="1001">
+        <a:schemeClr val="bg1"/>
+      </p:bgRef>
+    </p:bg>
+    <p:spTree>
+      <p:nvGrpSpPr>
+        <p:cNvPr id="1" name=""/>
+        <p:cNvGrpSpPr/>
+        <p:nvPr/>
+      </p:nvGrpSpPr>
+      <p:grpSpPr>
+        <a:xfrm>
+          <a:off x="0" y="0"/>
+          <a:ext cx="0" cy="0"/>
+          <a:chOff x="0" y="0"/>
+          <a:chExt cx="0" cy="0"/>
+        </a:xfrm>
+      </p:grpSpPr>
+      <p:sp>
+        <p:nvSpPr>
+          <p:cNvPr id="2" name="Header Placeholder 1"/>
+          <p:cNvSpPr>
+            <a:spLocks noGrp="1"/>
+          </p:cNvSpPr>
+          <p:nvPr>
+            <p:ph type="hdr" sz="quarter"/>
+          </p:nvPr>
+        </p:nvSpPr>
+        <p:spPr>
+          <a:xfrm>
+            <a:off x="0" y="0"/>
+            <a:ext cx="2971800" cy="457200"/>
+          </a:xfrm>
+          <a:prstGeom prst="rect">
+            <a:avLst/>
+          </a:prstGeom>
+        </p:spPr>
+        <p:txBody>
+          <a:bodyPr vert="horz" lIns="91440" tIns="45720" rIns="91440" bIns="45720" rtlCol="0"/>
+          <a:lstStyle>
+            <a:lvl1pPr algn="l">
+              <a:defRPr sz="1200"/>
+            </a:lvl1pPr>
+          </a:lstStyle>
+          <a:p>
+            <a:endParaRPr lang="en-US"/>
+          </a:p>
+        </p:txBody>
+      </p:sp>
+      <p:sp>
+        <p:nvSpPr>
+          <p:cNvPr id="3" name="Date Placeholder 2"/>
+          <p:cNvSpPr>
+            <a:spLocks noGrp="1"/>
+          </p:cNvSpPr>
+          <p:nvPr>
+            <p:ph type="dt" idx="1"/>
+          </p:nvPr>
+        </p:nvSpPr>
+        <p:spPr>
+          <a:xfrm>
+            <a:off x="3884613" y="0"/>
+            <a:ext cx="2971800" cy="457200"/>
+          </a:xfrm>
+          <a:prstGeom prst="rect">
+            <a:avLst/>
+          </a:prstGeom>
+        </p:spPr>
+        <p:txBody>
+          <a:bodyPr vert="horz" lIns="91440" tIns="45720" rIns="91440" bIns="45720" rtlCol="0"/>
+          <a:lstStyle>
+            <a:lvl1pPr algn="r">
+              <a:defRPr sz="1200"/>
+            </a:lvl1pPr>
+          </a:lstStyle>
+          <a:p>
+            <a:fld id="{FC5B5707-0B84-4D63-B804-6B86878A7955}" type="datetimeFigureOut">
+              <a:rPr lang="en-US" smtClean="0"/>
+              <a:t>4/17/2016</a:t>
+            </a:fld>
+            <a:endParaRPr lang="en-US"/>
+          </a:p>
+        </p:txBody>
+      </p:sp>
+      <p:sp>
+        <p:nvSpPr>
+          <p:cNvPr id="4" name="Slide Image Placeholder 3"/>
+          <p:cNvSpPr>
+            <a:spLocks noGrp="1" noRot="1" noChangeAspect="1"/>
+          </p:cNvSpPr>
+          <p:nvPr>
+            <p:ph type="sldImg" idx="2"/>
+          </p:nvPr>
+        </p:nvSpPr>
+        <p:spPr>
+          <a:xfrm>
+            <a:off x="1143000" y="685800"/>
+            <a:ext cx="4572000" cy="3429000"/>
+          </a:xfrm>
+          <a:prstGeom prst="rect">
+            <a:avLst/>
+          </a:prstGeom>
+          <a:noFill/>
+          <a:ln w="12700">
+            <a:solidFill>
+              <a:prstClr val="black"/>
+            </a:solidFill>
+          </a:ln>
+        </p:spPr>
+        <p:txBody>
+          <a:bodyPr vert="horz" lIns="91440" tIns="45720" rIns="91440" bIns="45720" rtlCol="0" anchor="ctr"/>
+          <a:lstStyle/>
+          <a:p>
+            <a:endParaRPr lang="en-US"/>
+          </a:p>
+        </p:txBody>
+      </p:sp>
+      <p:sp>
+        <p:nvSpPr>
+          <p:cNvPr id="5" name="Notes Placeholder 4"/>
+          <p:cNvSpPr>
+            <a:spLocks noGrp="1"/>
+          </p:cNvSpPr>
+          <p:nvPr>
+            <p:ph type="body" sz="quarter" idx="3"/>
+          </p:nvPr>
+        </p:nvSpPr>
+        <p:spPr>
+          <a:xfrm>
+            <a:off x="685800" y="4343400"/>
+            <a:ext cx="5486400" cy="4114800"/>
+          </a:xfrm>
+          <a:prstGeom prst="rect">
+            <a:avLst/>
+          </a:prstGeom>
+        </p:spPr>
+        <p:txBody>
+          <a:bodyPr vert="horz" lIns="91440" tIns="45720" rIns="91440" bIns="45720" rtlCol="0"/>
+          <a:lstStyle/>
+          <a:p>
+            <a:pPr lvl="0"/>
+            <a:r>
+              <a:rPr lang="en-US" smtClean="0"/>
+              <a:t>Click to edit Master text styles</a:t>
+            </a:r>
+          </a:p>
+          <a:p>
+            <a:pPr lvl="1"/>
+            <a:r>
+              <a:rPr lang="en-US" smtClean="0"/>
+              <a:t>Second level</a:t>
+            </a:r>
+          </a:p>
+          <a:p>
+            <a:pPr lvl="2"/>
+            <a:r>
+              <a:rPr lang="en-US" smtClean="0"/>
+              <a:t>Third level</a:t>
+            </a:r>
+          </a:p>
+          <a:p>
+            <a:pPr lvl="3"/>
+            <a:r>
+              <a:rPr lang="en-US" smtClean="0"/>
+              <a:t>Fourth level</a:t>
+            </a:r>
+          </a:p>
+          <a:p>
+            <a:pPr lvl="4"/>
+            <a:r>
+              <a:rPr lang="en-US" smtClean="0"/>
+              <a:t>Fifth level</a:t>
+            </a:r>
+            <a:endParaRPr lang="en-US"/>
+          </a:p>
+        </p:txBody>
+      </p:sp>
+      <p:sp>
+        <p:nvSpPr>
+          <p:cNvPr id="6" name="Footer Placeholder 5"/>
+          <p:cNvSpPr>
+            <a:spLocks noGrp="1"/>
+          </p:cNvSpPr>
+          <p:nvPr>
+            <p:ph type="ftr" sz="quarter" idx="4"/>
+          </p:nvPr>
+        </p:nvSpPr>
+        <p:spPr>
+          <a:xfrm>
+            <a:off x="0" y="8685213"/>
+            <a:ext cx="2971800" cy="457200"/>
+          </a:xfrm>
+          <a:prstGeom prst="rect">
+            <a:avLst/>
+          </a:prstGeom>
+        </p:spPr>
+        <p:txBody>
+          <a:bodyPr vert="horz" lIns="91440" tIns="45720" rIns="91440" bIns="45720" rtlCol="0" anchor="b"/>
+          <a:lstStyle>
+            <a:lvl1pPr algn="l">
+              <a:defRPr sz="1200"/>
+            </a:lvl1pPr>
+          </a:lstStyle>
+          <a:p>
+            <a:endParaRPr lang="en-US"/>
+          </a:p>
+        </p:txBody>
+      </p:sp>
+      <p:sp>
+        <p:nvSpPr>
+          <p:cNvPr id="7" name="Slide Number Placeholder 6"/>
+          <p:cNvSpPr>
+            <a:spLocks noGrp="1"/>
+          </p:cNvSpPr>
+          <p:nvPr>
+            <p:ph type="sldNum" sz="quarter" idx="5"/>
+          </p:nvPr>
+        </p:nvSpPr>
+        <p:spPr>
+          <a:xfrm>
+            <a:off x="3884613" y="8685213"/>
+            <a:ext cx="2971800" cy="457200"/>
+          </a:xfrm>
+          <a:prstGeom prst="rect">
+            <a:avLst/>
+          </a:prstGeom>
+        </p:spPr>
+        <p:txBody>
+          <a:bodyPr vert="horz" lIns="91440" tIns="45720" rIns="91440" bIns="45720" rtlCol="0" anchor="b"/>
+          <a:lstStyle>
+            <a:lvl1pPr algn="r">
+              <a:defRPr sz="1200"/>
+            </a:lvl1pPr>
+          </a:lstStyle>
+          <a:p>
+            <a:fld id="{946AAA64-88CE-4F5A-8404-B9D42A81F40C}" type="slidenum">
+              <a:rPr lang="en-US" smtClean="0"/>
+              <a:t>‹#›</a:t>
+            </a:fld>
+            <a:endParaRPr lang="en-US"/>
+          </a:p>
+        </p:txBody>
+      </p:sp>
+    </p:spTree>
+    <p:extLst>
+      <p:ext uri="{BB962C8B-B14F-4D97-AF65-F5344CB8AC3E}">
+        <p14:creationId xmlns:p14="http://schemas.microsoft.com/office/powerpoint/2010/main" val="2084437828"/>
+      </p:ext>
+    </p:extLst>
+  </p:cSld>
+  <p:clrMap bg1="lt1" tx1="dk1" bg2="lt2" tx2="dk2" accent1="accent1" accent2="accent2" accent3="accent3" accent4="accent4" accent5="accent5" accent6="accent6" hlink="hlink" folHlink="folHlink"/>
+  <p:notesStyle>
+    <a:lvl1pPr marL="0" algn="l" defTabSz="914400" rtl="0" eaLnBrk="1" latinLnBrk="0" hangingPunct="1">
+      <a:defRPr sz="1200" kern="1200">
+        <a:solidFill>
+          <a:schemeClr val="tx1"/>
+        </a:solidFill>
+        <a:latin typeface="+mn-lt"/>
+        <a:ea typeface="+mn-ea"/>
+        <a:cs typeface="+mn-cs"/>
+      </a:defRPr>
+    </a:lvl1pPr>
+    <a:lvl2pPr marL="457200" algn="l" defTabSz="914400" rtl="0" eaLnBrk="1" latinLnBrk="0" hangingPunct="1">
+      <a:defRPr sz="1200" kern="1200">
+        <a:solidFill>
+          <a:schemeClr val="tx1"/>
+        </a:solidFill>
+        <a:latin typeface="+mn-lt"/>
+        <a:ea typeface="+mn-ea"/>
+        <a:cs typeface="+mn-cs"/>
+      </a:defRPr>
+    </a:lvl2pPr>
+    <a:lvl3pPr marL="914400" algn="l" defTabSz="914400" rtl="0" eaLnBrk="1" latinLnBrk="0" hangingPunct="1">
+      <a:defRPr sz="1200" kern="1200">
+        <a:solidFill>
+          <a:schemeClr val="tx1"/>
+        </a:solidFill>
+        <a:latin typeface="+mn-lt"/>
+        <a:ea typeface="+mn-ea"/>
+        <a:cs typeface="+mn-cs"/>
+      </a:defRPr>
+    </a:lvl3pPr>
+    <a:lvl4pPr marL="1371600" algn="l" defTabSz="914400" rtl="0" eaLnBrk="1" latinLnBrk="0" hangingPunct="1">
+      <a:defRPr sz="1200" kern="1200">
+        <a:solidFill>
+          <a:schemeClr val="tx1"/>
+        </a:solidFill>
+        <a:latin typeface="+mn-lt"/>
+        <a:ea typeface="+mn-ea"/>
+        <a:cs typeface="+mn-cs"/>
+      </a:defRPr>
+    </a:lvl4pPr>
+    <a:lvl5pPr marL="1828800" algn="l" defTabSz="914400" rtl="0" eaLnBrk="1" latinLnBrk="0" hangingPunct="1">
+      <a:defRPr sz="1200" kern="1200">
+        <a:solidFill>
+          <a:schemeClr val="tx1"/>
+        </a:solidFill>
+        <a:latin typeface="+mn-lt"/>
+        <a:ea typeface="+mn-ea"/>
+        <a:cs typeface="+mn-cs"/>
+      </a:defRPr>
+    </a:lvl5pPr>
+    <a:lvl6pPr marL="2286000" algn="l" defTabSz="914400" rtl="0" eaLnBrk="1" latinLnBrk="0" hangingPunct="1">
+      <a:defRPr sz="1200" kern="1200">
+        <a:solidFill>
+          <a:schemeClr val="tx1"/>
+        </a:solidFill>
+        <a:latin typeface="+mn-lt"/>
+        <a:ea typeface="+mn-ea"/>
+        <a:cs typeface="+mn-cs"/>
+      </a:defRPr>
+    </a:lvl6pPr>
+    <a:lvl7pPr marL="2743200" algn="l" defTabSz="914400" rtl="0" eaLnBrk="1" latinLnBrk="0" hangingPunct="1">
+      <a:defRPr sz="1200" kern="1200">
+        <a:solidFill>
+          <a:schemeClr val="tx1"/>
+        </a:solidFill>
+        <a:latin typeface="+mn-lt"/>
+        <a:ea typeface="+mn-ea"/>
+        <a:cs typeface="+mn-cs"/>
+      </a:defRPr>
+    </a:lvl7pPr>
+    <a:lvl8pPr marL="3200400" algn="l" defTabSz="914400" rtl="0" eaLnBrk="1" latinLnBrk="0" hangingPunct="1">
+      <a:defRPr sz="1200" kern="1200">
+        <a:solidFill>
+          <a:schemeClr val="tx1"/>
+        </a:solidFill>
+        <a:latin typeface="+mn-lt"/>
+        <a:ea typeface="+mn-ea"/>
+        <a:cs typeface="+mn-cs"/>
+      </a:defRPr>
+    </a:lvl8pPr>
+    <a:lvl9pPr marL="3657600" algn="l" defTabSz="914400" rtl="0" eaLnBrk="1" latinLnBrk="0" hangingPunct="1">
+      <a:defRPr sz="1200" kern="1200">
+        <a:solidFill>
+          <a:schemeClr val="tx1"/>
+        </a:solidFill>
+        <a:latin typeface="+mn-lt"/>
+        <a:ea typeface="+mn-ea"/>
+        <a:cs typeface="+mn-cs"/>
+      </a:defRPr>
+    </a:lvl9pPr>
+  </p:notesStyle>
+</p:notesMaster>
+</file>
+
+<file path=ppt/notesSlides/notesSlide1.xml><?xml version="1.0" encoding="utf-8"?>
+<p:notes xmlns:a="http://schemas.openxmlformats.org/drawingml/2006/main" xmlns:r="http://schemas.openxmlformats.org/officeDocument/2006/relationships" xmlns:p="http://schemas.openxmlformats.org/presentationml/2006/main">
+  <p:cSld>
+    <p:spTree>
+      <p:nvGrpSpPr>
+        <p:cNvPr id="1" name=""/>
+        <p:cNvGrpSpPr/>
+        <p:nvPr/>
+      </p:nvGrpSpPr>
+      <p:grpSpPr>
+        <a:xfrm>
+          <a:off x="0" y="0"/>
+          <a:ext cx="0" cy="0"/>
+          <a:chOff x="0" y="0"/>
+          <a:chExt cx="0" cy="0"/>
+        </a:xfrm>
+      </p:grpSpPr>
+      <p:sp>
+        <p:nvSpPr>
+          <p:cNvPr id="2" name="Slide Image Placeholder 1"/>
+          <p:cNvSpPr>
+            <a:spLocks noGrp="1" noRot="1" noChangeAspect="1"/>
+          </p:cNvSpPr>
+          <p:nvPr>
+            <p:ph type="sldImg"/>
+          </p:nvPr>
+        </p:nvSpPr>
+        <p:spPr/>
+      </p:sp>
+      <p:sp>
+        <p:nvSpPr>
+          <p:cNvPr id="3" name="Notes Placeholder 2"/>
+          <p:cNvSpPr>
+            <a:spLocks noGrp="1"/>
+          </p:cNvSpPr>
+          <p:nvPr>
+            <p:ph type="body" idx="1"/>
+          </p:nvPr>
+        </p:nvSpPr>
+        <p:spPr/>
+        <p:txBody>
+          <a:bodyPr/>
+          <a:lstStyle/>
+          <a:p>
+            <a:endParaRPr lang="en-US" dirty="0"/>
+          </a:p>
+        </p:txBody>
+      </p:sp>
+      <p:sp>
+        <p:nvSpPr>
+          <p:cNvPr id="4" name="Slide Number Placeholder 3"/>
+          <p:cNvSpPr>
+            <a:spLocks noGrp="1"/>
+          </p:cNvSpPr>
+          <p:nvPr>
+            <p:ph type="sldNum" sz="quarter" idx="10"/>
+          </p:nvPr>
+        </p:nvSpPr>
+        <p:spPr/>
+        <p:txBody>
+          <a:bodyPr/>
+          <a:lstStyle/>
+          <a:p>
+            <a:fld id="{946AAA64-88CE-4F5A-8404-B9D42A81F40C}" type="slidenum">
+              <a:rPr lang="en-US" smtClean="0"/>
+              <a:t>2</a:t>
+            </a:fld>
+            <a:endParaRPr lang="en-US"/>
+          </a:p>
+        </p:txBody>
+      </p:sp>
+    </p:spTree>
+    <p:extLst>
+      <p:ext uri="{BB962C8B-B14F-4D97-AF65-F5344CB8AC3E}">
+        <p14:creationId xmlns:p14="http://schemas.microsoft.com/office/powerpoint/2010/main" val="723165800"/>
+      </p:ext>
+    </p:extLst>
+  </p:cSld>
+  <p:clrMapOvr>
+    <a:masterClrMapping/>
+  </p:clrMapOvr>
+</p:notes>
+</file>
+
+<file path=ppt/notesSlides/notesSlide2.xml><?xml version="1.0" encoding="utf-8"?>
+<p:notes xmlns:a="http://schemas.openxmlformats.org/drawingml/2006/main" xmlns:r="http://schemas.openxmlformats.org/officeDocument/2006/relationships" xmlns:p="http://schemas.openxmlformats.org/presentationml/2006/main">
+  <p:cSld>
+    <p:spTree>
+      <p:nvGrpSpPr>
+        <p:cNvPr id="1" name=""/>
+        <p:cNvGrpSpPr/>
+        <p:nvPr/>
+      </p:nvGrpSpPr>
+      <p:grpSpPr>
+        <a:xfrm>
+          <a:off x="0" y="0"/>
+          <a:ext cx="0" cy="0"/>
+          <a:chOff x="0" y="0"/>
+          <a:chExt cx="0" cy="0"/>
+        </a:xfrm>
+      </p:grpSpPr>
+      <p:sp>
+        <p:nvSpPr>
+          <p:cNvPr id="2" name="Slide Image Placeholder 1"/>
+          <p:cNvSpPr>
+            <a:spLocks noGrp="1" noRot="1" noChangeAspect="1"/>
+          </p:cNvSpPr>
+          <p:nvPr>
+            <p:ph type="sldImg"/>
+          </p:nvPr>
+        </p:nvSpPr>
+        <p:spPr/>
+      </p:sp>
+      <p:sp>
+        <p:nvSpPr>
+          <p:cNvPr id="3" name="Notes Placeholder 2"/>
+          <p:cNvSpPr>
+            <a:spLocks noGrp="1"/>
+          </p:cNvSpPr>
+          <p:nvPr>
+            <p:ph type="body" idx="1"/>
+          </p:nvPr>
+        </p:nvSpPr>
+        <p:spPr/>
+        <p:txBody>
+          <a:bodyPr/>
+          <a:lstStyle/>
+          <a:p>
+            <a:endParaRPr lang="en-US" dirty="0"/>
+          </a:p>
+        </p:txBody>
+      </p:sp>
+      <p:sp>
+        <p:nvSpPr>
+          <p:cNvPr id="4" name="Slide Number Placeholder 3"/>
+          <p:cNvSpPr>
+            <a:spLocks noGrp="1"/>
+          </p:cNvSpPr>
+          <p:nvPr>
+            <p:ph type="sldNum" sz="quarter" idx="10"/>
+          </p:nvPr>
+        </p:nvSpPr>
+        <p:spPr/>
+        <p:txBody>
+          <a:bodyPr/>
+          <a:lstStyle/>
+          <a:p>
+            <a:fld id="{946AAA64-88CE-4F5A-8404-B9D42A81F40C}" type="slidenum">
+              <a:rPr lang="en-US" smtClean="0"/>
+              <a:t>4</a:t>
+            </a:fld>
+            <a:endParaRPr lang="en-US"/>
+          </a:p>
+        </p:txBody>
+      </p:sp>
+    </p:spTree>
+    <p:extLst>
+      <p:ext uri="{BB962C8B-B14F-4D97-AF65-F5344CB8AC3E}">
+        <p14:creationId xmlns:p14="http://schemas.microsoft.com/office/powerpoint/2010/main" val="723165800"/>
+      </p:ext>
+    </p:extLst>
+  </p:cSld>
+  <p:clrMapOvr>
+    <a:masterClrMapping/>
+  </p:clrMapOvr>
+</p:notes>
+</file>
+
 <file path=ppt/slideLayouts/slideLayout1.xml><?xml version="1.0" encoding="utf-8"?>
 <p:sldLayout xmlns:a="http://schemas.openxmlformats.org/drawingml/2006/main" xmlns:r="http://schemas.openxmlformats.org/officeDocument/2006/relationships" xmlns:p="http://schemas.openxmlformats.org/presentationml/2006/main" type="title" preserve="1">
   <p:cSld name="Title Slide">
@@ -288,7 +813,7 @@
           <a:p>
             <a:fld id="{0D4D5D8A-ED4C-474E-8175-61638E4DE910}" type="datetimeFigureOut">
               <a:rPr lang="en-US" smtClean="0"/>
-              <a:t>4/16/2016</a:t>
+              <a:t>4/17/2016</a:t>
             </a:fld>
             <a:endParaRPr lang="en-US"/>
           </a:p>
@@ -458,7 +983,7 @@
           <a:p>
             <a:fld id="{0D4D5D8A-ED4C-474E-8175-61638E4DE910}" type="datetimeFigureOut">
               <a:rPr lang="en-US" smtClean="0"/>
-              <a:t>4/16/2016</a:t>
+              <a:t>4/17/2016</a:t>
             </a:fld>
             <a:endParaRPr lang="en-US"/>
           </a:p>
@@ -638,7 +1163,7 @@
           <a:p>
             <a:fld id="{0D4D5D8A-ED4C-474E-8175-61638E4DE910}" type="datetimeFigureOut">
               <a:rPr lang="en-US" smtClean="0"/>
-              <a:t>4/16/2016</a:t>
+              <a:t>4/17/2016</a:t>
             </a:fld>
             <a:endParaRPr lang="en-US"/>
           </a:p>
@@ -808,7 +1333,7 @@
           <a:p>
             <a:fld id="{0D4D5D8A-ED4C-474E-8175-61638E4DE910}" type="datetimeFigureOut">
               <a:rPr lang="en-US" smtClean="0"/>
-              <a:t>4/16/2016</a:t>
+              <a:t>4/17/2016</a:t>
             </a:fld>
             <a:endParaRPr lang="en-US"/>
           </a:p>
@@ -1054,7 +1579,7 @@
           <a:p>
             <a:fld id="{0D4D5D8A-ED4C-474E-8175-61638E4DE910}" type="datetimeFigureOut">
               <a:rPr lang="en-US" smtClean="0"/>
-              <a:t>4/16/2016</a:t>
+              <a:t>4/17/2016</a:t>
             </a:fld>
             <a:endParaRPr lang="en-US"/>
           </a:p>
@@ -1342,7 +1867,7 @@
           <a:p>
             <a:fld id="{0D4D5D8A-ED4C-474E-8175-61638E4DE910}" type="datetimeFigureOut">
               <a:rPr lang="en-US" smtClean="0"/>
-              <a:t>4/16/2016</a:t>
+              <a:t>4/17/2016</a:t>
             </a:fld>
             <a:endParaRPr lang="en-US"/>
           </a:p>
@@ -1764,7 +2289,7 @@
           <a:p>
             <a:fld id="{0D4D5D8A-ED4C-474E-8175-61638E4DE910}" type="datetimeFigureOut">
               <a:rPr lang="en-US" smtClean="0"/>
-              <a:t>4/16/2016</a:t>
+              <a:t>4/17/2016</a:t>
             </a:fld>
             <a:endParaRPr lang="en-US"/>
           </a:p>
@@ -1882,7 +2407,7 @@
           <a:p>
             <a:fld id="{0D4D5D8A-ED4C-474E-8175-61638E4DE910}" type="datetimeFigureOut">
               <a:rPr lang="en-US" smtClean="0"/>
-              <a:t>4/16/2016</a:t>
+              <a:t>4/17/2016</a:t>
             </a:fld>
             <a:endParaRPr lang="en-US"/>
           </a:p>
@@ -1977,7 +2502,7 @@
           <a:p>
             <a:fld id="{0D4D5D8A-ED4C-474E-8175-61638E4DE910}" type="datetimeFigureOut">
               <a:rPr lang="en-US" smtClean="0"/>
-              <a:t>4/16/2016</a:t>
+              <a:t>4/17/2016</a:t>
             </a:fld>
             <a:endParaRPr lang="en-US"/>
           </a:p>
@@ -2254,7 +2779,7 @@
           <a:p>
             <a:fld id="{0D4D5D8A-ED4C-474E-8175-61638E4DE910}" type="datetimeFigureOut">
               <a:rPr lang="en-US" smtClean="0"/>
-              <a:t>4/16/2016</a:t>
+              <a:t>4/17/2016</a:t>
             </a:fld>
             <a:endParaRPr lang="en-US"/>
           </a:p>
@@ -2507,7 +3032,7 @@
           <a:p>
             <a:fld id="{0D4D5D8A-ED4C-474E-8175-61638E4DE910}" type="datetimeFigureOut">
               <a:rPr lang="en-US" smtClean="0"/>
-              <a:t>4/16/2016</a:t>
+              <a:t>4/17/2016</a:t>
             </a:fld>
             <a:endParaRPr lang="en-US"/>
           </a:p>
@@ -2720,7 +3245,7 @@
           <a:p>
             <a:fld id="{0D4D5D8A-ED4C-474E-8175-61638E4DE910}" type="datetimeFigureOut">
               <a:rPr lang="en-US" smtClean="0"/>
-              <a:t>4/16/2016</a:t>
+              <a:t>4/17/2016</a:t>
             </a:fld>
             <a:endParaRPr lang="en-US"/>
           </a:p>
@@ -3104,7 +3629,7 @@
           <p:nvPr/>
         </p:nvPicPr>
         <p:blipFill rotWithShape="1">
-          <a:blip r:embed="rId2">
+          <a:blip r:embed="rId2" cstate="print">
             <a:extLst>
               <a:ext uri="{28A0092B-C50C-407E-A947-70E740481C1C}">
                 <a14:useLocalDpi xmlns:a14="http://schemas.microsoft.com/office/drawing/2010/main" val="0"/>
@@ -3115,9 +3640,9 @@
           <a:stretch/>
         </p:blipFill>
         <p:spPr bwMode="auto">
-          <a:xfrm>
-            <a:off x="8957657" y="-5548311"/>
-            <a:ext cx="2300287" cy="1962150"/>
+          <a:xfrm flipH="1">
+            <a:off x="1390724" y="3471378"/>
+            <a:ext cx="802145" cy="684231"/>
           </a:xfrm>
           <a:prstGeom prst="rect">
             <a:avLst/>
@@ -3143,7 +3668,7 @@
           <p:nvPr/>
         </p:nvPicPr>
         <p:blipFill rotWithShape="1">
-          <a:blip r:embed="rId3">
+          <a:blip r:embed="rId3" cstate="print">
             <a:extLst>
               <a:ext uri="{28A0092B-C50C-407E-A947-70E740481C1C}">
                 <a14:useLocalDpi xmlns:a14="http://schemas.microsoft.com/office/drawing/2010/main" val="0"/>
@@ -3154,9 +3679,9 @@
           <a:stretch/>
         </p:blipFill>
         <p:spPr bwMode="auto">
-          <a:xfrm>
-            <a:off x="7471756" y="-6106403"/>
-            <a:ext cx="1447801" cy="2343150"/>
+          <a:xfrm flipH="1">
+            <a:off x="6825875" y="1664303"/>
+            <a:ext cx="504870" cy="817092"/>
           </a:xfrm>
           <a:prstGeom prst="rect">
             <a:avLst/>
@@ -3182,7 +3707,7 @@
           <p:nvPr/>
         </p:nvPicPr>
         <p:blipFill rotWithShape="1">
-          <a:blip r:embed="rId4">
+          <a:blip r:embed="rId4" cstate="print">
             <a:extLst>
               <a:ext uri="{28A0092B-C50C-407E-A947-70E740481C1C}">
                 <a14:useLocalDpi xmlns:a14="http://schemas.microsoft.com/office/drawing/2010/main" val="0"/>
@@ -3193,9 +3718,9 @@
           <a:stretch/>
         </p:blipFill>
         <p:spPr bwMode="auto">
-          <a:xfrm rot="20542112">
-            <a:off x="5110770" y="-6529386"/>
-            <a:ext cx="2419351" cy="2457450"/>
+          <a:xfrm rot="20542112" flipH="1">
+            <a:off x="5593793" y="1615874"/>
+            <a:ext cx="843665" cy="856950"/>
           </a:xfrm>
           <a:prstGeom prst="rect">
             <a:avLst/>
@@ -3221,7 +3746,7 @@
           <p:nvPr/>
         </p:nvPicPr>
         <p:blipFill rotWithShape="1">
-          <a:blip r:embed="rId5">
+          <a:blip r:embed="rId5" cstate="print">
             <a:extLst>
               <a:ext uri="{28A0092B-C50C-407E-A947-70E740481C1C}">
                 <a14:useLocalDpi xmlns:a14="http://schemas.microsoft.com/office/drawing/2010/main" val="0"/>
@@ -3232,9 +3757,9 @@
           <a:stretch/>
         </p:blipFill>
         <p:spPr bwMode="auto">
-          <a:xfrm rot="10800000">
-            <a:off x="2854507" y="-5129211"/>
-            <a:ext cx="2300287" cy="1123950"/>
+          <a:xfrm rot="10800000" flipH="1">
+            <a:off x="4587348" y="1766357"/>
+            <a:ext cx="802144" cy="391938"/>
           </a:xfrm>
           <a:prstGeom prst="rect">
             <a:avLst/>
@@ -3260,7 +3785,7 @@
           <p:nvPr/>
         </p:nvPicPr>
         <p:blipFill rotWithShape="1">
-          <a:blip r:embed="rId6">
+          <a:blip r:embed="rId6" cstate="print">
             <a:extLst>
               <a:ext uri="{28A0092B-C50C-407E-A947-70E740481C1C}">
                 <a14:useLocalDpi xmlns:a14="http://schemas.microsoft.com/office/drawing/2010/main" val="0"/>
@@ -3271,9 +3796,9 @@
           <a:stretch/>
         </p:blipFill>
         <p:spPr bwMode="auto">
-          <a:xfrm>
-            <a:off x="999515" y="-6300786"/>
-            <a:ext cx="1962150" cy="2266950"/>
+          <a:xfrm flipH="1">
+            <a:off x="3788966" y="1435952"/>
+            <a:ext cx="684232" cy="790520"/>
           </a:xfrm>
           <a:prstGeom prst="rect">
             <a:avLst/>
@@ -3299,7 +3824,7 @@
           <p:nvPr/>
         </p:nvPicPr>
         <p:blipFill rotWithShape="1">
-          <a:blip r:embed="rId7">
+          <a:blip r:embed="rId7" cstate="print">
             <a:extLst>
               <a:ext uri="{28A0092B-C50C-407E-A947-70E740481C1C}">
                 <a14:useLocalDpi xmlns:a14="http://schemas.microsoft.com/office/drawing/2010/main" val="0"/>
@@ -3310,9 +3835,9 @@
           <a:stretch/>
         </p:blipFill>
         <p:spPr bwMode="auto">
-          <a:xfrm>
-            <a:off x="-1310297" y="-6196011"/>
-            <a:ext cx="2309812" cy="2209800"/>
+          <a:xfrm flipH="1">
+            <a:off x="3009676" y="1308783"/>
+            <a:ext cx="805466" cy="770590"/>
           </a:xfrm>
           <a:prstGeom prst="rect">
             <a:avLst/>
@@ -3338,7 +3863,7 @@
           <p:nvPr/>
         </p:nvPicPr>
         <p:blipFill rotWithShape="1">
-          <a:blip r:embed="rId8">
+          <a:blip r:embed="rId8" cstate="print">
             <a:extLst>
               <a:ext uri="{28A0092B-C50C-407E-A947-70E740481C1C}">
                 <a14:useLocalDpi xmlns:a14="http://schemas.microsoft.com/office/drawing/2010/main" val="0"/>
@@ -3349,9 +3874,9 @@
           <a:stretch/>
         </p:blipFill>
         <p:spPr bwMode="auto">
-          <a:xfrm>
-            <a:off x="-2948598" y="-6615111"/>
-            <a:ext cx="1390651" cy="2628900"/>
+          <a:xfrm flipH="1">
+            <a:off x="2495957" y="1086841"/>
+            <a:ext cx="484941" cy="916737"/>
           </a:xfrm>
           <a:prstGeom prst="rect">
             <a:avLst/>
@@ -3377,7 +3902,7 @@
           <p:nvPr/>
         </p:nvPicPr>
         <p:blipFill rotWithShape="1">
-          <a:blip r:embed="rId9">
+          <a:blip r:embed="rId9" cstate="print">
             <a:extLst>
               <a:ext uri="{28A0092B-C50C-407E-A947-70E740481C1C}">
                 <a14:useLocalDpi xmlns:a14="http://schemas.microsoft.com/office/drawing/2010/main" val="0"/>
@@ -3388,9 +3913,9 @@
           <a:stretch/>
         </p:blipFill>
         <p:spPr bwMode="auto">
-          <a:xfrm>
-            <a:off x="-4967898" y="-6300786"/>
-            <a:ext cx="2019300" cy="2000250"/>
+          <a:xfrm flipH="1">
+            <a:off x="1791797" y="1196452"/>
+            <a:ext cx="704160" cy="697517"/>
           </a:xfrm>
           <a:prstGeom prst="rect">
             <a:avLst/>
@@ -3416,7 +3941,7 @@
           <p:nvPr/>
         </p:nvPicPr>
         <p:blipFill rotWithShape="1">
-          <a:blip r:embed="rId10">
+          <a:blip r:embed="rId10" cstate="print">
             <a:extLst>
               <a:ext uri="{28A0092B-C50C-407E-A947-70E740481C1C}">
                 <a14:useLocalDpi xmlns:a14="http://schemas.microsoft.com/office/drawing/2010/main" val="0"/>
@@ -3427,9 +3952,9 @@
           <a:stretch/>
         </p:blipFill>
         <p:spPr bwMode="auto">
-          <a:xfrm rot="16200000">
-            <a:off x="-7949219" y="-7081836"/>
-            <a:ext cx="1333501" cy="3562350"/>
+          <a:xfrm rot="16200000" flipV="1">
+            <a:off x="740040" y="893547"/>
+            <a:ext cx="465012" cy="1242245"/>
           </a:xfrm>
           <a:prstGeom prst="rect">
             <a:avLst/>
@@ -3455,7 +3980,7 @@
           <p:nvPr/>
         </p:nvPicPr>
         <p:blipFill rotWithShape="1">
-          <a:blip r:embed="rId11">
+          <a:blip r:embed="rId11" cstate="print">
             <a:extLst>
               <a:ext uri="{28A0092B-C50C-407E-A947-70E740481C1C}">
                 <a14:useLocalDpi xmlns:a14="http://schemas.microsoft.com/office/drawing/2010/main" val="0"/>
@@ -3466,9 +3991,9 @@
           <a:stretch/>
         </p:blipFill>
         <p:spPr bwMode="auto">
-          <a:xfrm>
-            <a:off x="-9387499" y="-2643186"/>
-            <a:ext cx="1809751" cy="2019300"/>
+          <a:xfrm flipH="1">
+            <a:off x="614518" y="2692904"/>
+            <a:ext cx="631087" cy="704160"/>
           </a:xfrm>
           <a:prstGeom prst="rect">
             <a:avLst/>
@@ -3494,7 +4019,7 @@
           <p:nvPr/>
         </p:nvPicPr>
         <p:blipFill rotWithShape="1">
-          <a:blip r:embed="rId12">
+          <a:blip r:embed="rId12" cstate="print">
             <a:extLst>
               <a:ext uri="{28A0092B-C50C-407E-A947-70E740481C1C}">
                 <a14:useLocalDpi xmlns:a14="http://schemas.microsoft.com/office/drawing/2010/main" val="0"/>
@@ -3505,9 +4030,9 @@
           <a:stretch/>
         </p:blipFill>
         <p:spPr bwMode="auto">
-          <a:xfrm>
-            <a:off x="-7634898" y="-2595561"/>
-            <a:ext cx="2390775" cy="1962150"/>
+          <a:xfrm flipH="1">
+            <a:off x="1606600" y="2625884"/>
+            <a:ext cx="833699" cy="684231"/>
           </a:xfrm>
           <a:prstGeom prst="rect">
             <a:avLst/>
@@ -3533,7 +4058,7 @@
           <p:nvPr/>
         </p:nvPicPr>
         <p:blipFill rotWithShape="1">
-          <a:blip r:embed="rId13">
+          <a:blip r:embed="rId13" cstate="print">
             <a:extLst>
               <a:ext uri="{28A0092B-C50C-407E-A947-70E740481C1C}">
                 <a14:useLocalDpi xmlns:a14="http://schemas.microsoft.com/office/drawing/2010/main" val="0"/>
@@ -3544,9 +4069,9 @@
           <a:stretch/>
         </p:blipFill>
         <p:spPr bwMode="auto">
-          <a:xfrm>
-            <a:off x="-5282223" y="-2176461"/>
-            <a:ext cx="2647951" cy="1543050"/>
+          <a:xfrm flipH="1">
+            <a:off x="2517268" y="2723556"/>
+            <a:ext cx="923381" cy="538085"/>
           </a:xfrm>
           <a:prstGeom prst="rect">
             <a:avLst/>
@@ -3572,7 +4097,7 @@
           <p:nvPr/>
         </p:nvPicPr>
         <p:blipFill rotWithShape="1">
-          <a:blip r:embed="rId14">
+          <a:blip r:embed="rId14" cstate="print">
             <a:extLst>
               <a:ext uri="{28A0092B-C50C-407E-A947-70E740481C1C}">
                 <a14:useLocalDpi xmlns:a14="http://schemas.microsoft.com/office/drawing/2010/main" val="0"/>
@@ -3583,9 +4108,9 @@
           <a:stretch/>
         </p:blipFill>
         <p:spPr bwMode="auto">
-          <a:xfrm>
-            <a:off x="-2634272" y="-2464596"/>
-            <a:ext cx="2647951" cy="1824038"/>
+          <a:xfrm flipH="1">
+            <a:off x="3621787" y="2568170"/>
+            <a:ext cx="923381" cy="636070"/>
           </a:xfrm>
           <a:prstGeom prst="rect">
             <a:avLst/>
@@ -3611,7 +4136,7 @@
           <p:nvPr/>
         </p:nvPicPr>
         <p:blipFill rotWithShape="1">
-          <a:blip r:embed="rId15">
+          <a:blip r:embed="rId15" cstate="print">
             <a:extLst>
               <a:ext uri="{28A0092B-C50C-407E-A947-70E740481C1C}">
                 <a14:useLocalDpi xmlns:a14="http://schemas.microsoft.com/office/drawing/2010/main" val="0"/>
@@ -3622,9 +4147,9 @@
           <a:stretch/>
         </p:blipFill>
         <p:spPr bwMode="auto">
-          <a:xfrm rot="5400000">
-            <a:off x="213704" y="-2724153"/>
-            <a:ext cx="1752601" cy="2114550"/>
+          <a:xfrm rot="5400000" flipV="1">
+            <a:off x="4810258" y="2617981"/>
+            <a:ext cx="611160" cy="737378"/>
           </a:xfrm>
           <a:prstGeom prst="rect">
             <a:avLst/>
@@ -3650,7 +4175,7 @@
           <p:nvPr/>
         </p:nvPicPr>
         <p:blipFill rotWithShape="1">
-          <a:blip r:embed="rId16">
+          <a:blip r:embed="rId16" cstate="print">
             <a:extLst>
               <a:ext uri="{28A0092B-C50C-407E-A947-70E740481C1C}">
                 <a14:useLocalDpi xmlns:a14="http://schemas.microsoft.com/office/drawing/2010/main" val="0"/>
@@ -3661,9 +4186,9 @@
           <a:stretch/>
         </p:blipFill>
         <p:spPr bwMode="auto">
-          <a:xfrm rot="16200000">
-            <a:off x="2642580" y="-2571752"/>
-            <a:ext cx="1285875" cy="2276475"/>
+          <a:xfrm rot="16200000" flipV="1">
+            <a:off x="5770264" y="2642003"/>
+            <a:ext cx="448404" cy="793841"/>
           </a:xfrm>
           <a:prstGeom prst="rect">
             <a:avLst/>
@@ -3689,7 +4214,7 @@
           <p:nvPr/>
         </p:nvPicPr>
         <p:blipFill rotWithShape="1">
-          <a:blip r:embed="rId17">
+          <a:blip r:embed="rId17" cstate="print">
             <a:extLst>
               <a:ext uri="{28A0092B-C50C-407E-A947-70E740481C1C}">
                 <a14:useLocalDpi xmlns:a14="http://schemas.microsoft.com/office/drawing/2010/main" val="0"/>
@@ -3700,9 +4225,9 @@
           <a:stretch/>
         </p:blipFill>
         <p:spPr bwMode="auto">
-          <a:xfrm rot="16200000">
-            <a:off x="4838093" y="-2576515"/>
-            <a:ext cx="1409700" cy="2238375"/>
+          <a:xfrm rot="16200000" flipV="1">
+            <a:off x="6779755" y="2601042"/>
+            <a:ext cx="491582" cy="780552"/>
           </a:xfrm>
           <a:prstGeom prst="rect">
             <a:avLst/>
@@ -3728,7 +4253,7 @@
           <p:nvPr/>
         </p:nvPicPr>
         <p:blipFill rotWithShape="1">
-          <a:blip r:embed="rId18">
+          <a:blip r:embed="rId18" cstate="print">
             <a:extLst>
               <a:ext uri="{28A0092B-C50C-407E-A947-70E740481C1C}">
                 <a14:useLocalDpi xmlns:a14="http://schemas.microsoft.com/office/drawing/2010/main" val="0"/>
@@ -3739,9 +4264,9 @@
           <a:stretch/>
         </p:blipFill>
         <p:spPr bwMode="auto">
-          <a:xfrm rot="9000000">
-            <a:off x="6729413" y="-2862263"/>
-            <a:ext cx="2390775" cy="2276475"/>
+          <a:xfrm rot="9000000" flipH="1">
+            <a:off x="2596377" y="3565735"/>
+            <a:ext cx="833699" cy="793841"/>
           </a:xfrm>
           <a:prstGeom prst="rect">
             <a:avLst/>
@@ -3767,7 +4292,7 @@
           <p:nvPr/>
         </p:nvPicPr>
         <p:blipFill rotWithShape="1">
-          <a:blip r:embed="rId19">
+          <a:blip r:embed="rId19" cstate="print">
             <a:extLst>
               <a:ext uri="{28A0092B-C50C-407E-A947-70E740481C1C}">
                 <a14:useLocalDpi xmlns:a14="http://schemas.microsoft.com/office/drawing/2010/main" val="0"/>
@@ -3778,9 +4303,9 @@
           <a:stretch/>
         </p:blipFill>
         <p:spPr bwMode="auto">
-          <a:xfrm>
-            <a:off x="9148156" y="-2867025"/>
-            <a:ext cx="1409700" cy="2286000"/>
+          <a:xfrm flipH="1">
+            <a:off x="3688386" y="3414913"/>
+            <a:ext cx="491584" cy="797163"/>
           </a:xfrm>
           <a:prstGeom prst="rect">
             <a:avLst/>
@@ -3806,7 +4331,7 @@
           <p:nvPr/>
         </p:nvPicPr>
         <p:blipFill rotWithShape="1">
-          <a:blip r:embed="rId20">
+          <a:blip r:embed="rId20" cstate="print">
             <a:extLst>
               <a:ext uri="{28A0092B-C50C-407E-A947-70E740481C1C}">
                 <a14:useLocalDpi xmlns:a14="http://schemas.microsoft.com/office/drawing/2010/main" val="0"/>
@@ -3817,9 +4342,9 @@
           <a:stretch/>
         </p:blipFill>
         <p:spPr bwMode="auto">
-          <a:xfrm>
-            <a:off x="10595956" y="-2328863"/>
-            <a:ext cx="2571750" cy="1747838"/>
+          <a:xfrm flipH="1">
+            <a:off x="4484642" y="3576006"/>
+            <a:ext cx="896809" cy="609498"/>
           </a:xfrm>
           <a:prstGeom prst="rect">
             <a:avLst/>
@@ -3845,7 +4370,7 @@
           <p:nvPr/>
         </p:nvPicPr>
         <p:blipFill rotWithShape="1">
-          <a:blip r:embed="rId21">
+          <a:blip r:embed="rId21" cstate="print">
             <a:extLst>
               <a:ext uri="{28A0092B-C50C-407E-A947-70E740481C1C}">
                 <a14:useLocalDpi xmlns:a14="http://schemas.microsoft.com/office/drawing/2010/main" val="0"/>
@@ -3856,9 +4381,9 @@
           <a:stretch/>
         </p:blipFill>
         <p:spPr bwMode="auto">
-          <a:xfrm>
-            <a:off x="13186756" y="-2376486"/>
-            <a:ext cx="2762251" cy="1743075"/>
+          <a:xfrm flipH="1">
+            <a:off x="5506394" y="3658738"/>
+            <a:ext cx="963239" cy="607837"/>
           </a:xfrm>
           <a:prstGeom prst="rect">
             <a:avLst/>
@@ -3884,7 +4409,7 @@
           <p:nvPr/>
         </p:nvPicPr>
         <p:blipFill rotWithShape="1">
-          <a:blip r:embed="rId22">
+          <a:blip r:embed="rId22" cstate="print">
             <a:extLst>
               <a:ext uri="{28A0092B-C50C-407E-A947-70E740481C1C}">
                 <a14:useLocalDpi xmlns:a14="http://schemas.microsoft.com/office/drawing/2010/main" val="0"/>
@@ -3895,828 +4420,9 @@
           <a:stretch/>
         </p:blipFill>
         <p:spPr bwMode="auto">
-          <a:xfrm>
-            <a:off x="16006156" y="-2185986"/>
-            <a:ext cx="2057400" cy="1552575"/>
-          </a:xfrm>
-          <a:prstGeom prst="rect">
-            <a:avLst/>
-          </a:prstGeom>
-          <a:noFill/>
-          <a:extLst>
-            <a:ext uri="{909E8E84-426E-40DD-AFC4-6F175D3DCCD1}">
-              <a14:hiddenFill xmlns:a14="http://schemas.microsoft.com/office/drawing/2010/main">
-                <a:solidFill>
-                  <a:srgbClr val="FFFFFF"/>
-                </a:solidFill>
-              </a14:hiddenFill>
-            </a:ext>
-          </a:extLst>
-        </p:spPr>
-      </p:pic>
-      <p:pic>
-        <p:nvPicPr>
-          <p:cNvPr id="1051" name="Picture 27" descr="C:\Users\p2admin\Documents\website\impressionist\analysis\Curvature\LEE\az398.png"/>
-          <p:cNvPicPr>
-            <a:picLocks noChangeAspect="1" noChangeArrowheads="1"/>
-          </p:cNvPicPr>
-          <p:nvPr/>
-        </p:nvPicPr>
-        <p:blipFill rotWithShape="1">
-          <a:blip r:embed="rId23">
-            <a:extLst>
-              <a:ext uri="{28A0092B-C50C-407E-A947-70E740481C1C}">
-                <a14:useLocalDpi xmlns:a14="http://schemas.microsoft.com/office/drawing/2010/main" val="0"/>
-              </a:ext>
-            </a:extLst>
-          </a:blip>
-          <a:srcRect l="32813" t="30903" r="29687" b="32986"/>
-          <a:stretch/>
-        </p:blipFill>
-        <p:spPr bwMode="auto">
-          <a:xfrm>
-            <a:off x="7924800" y="2370137"/>
-            <a:ext cx="2743200" cy="1981200"/>
-          </a:xfrm>
-          <a:prstGeom prst="rect">
-            <a:avLst/>
-          </a:prstGeom>
-          <a:noFill/>
-          <a:extLst>
-            <a:ext uri="{909E8E84-426E-40DD-AFC4-6F175D3DCCD1}">
-              <a14:hiddenFill xmlns:a14="http://schemas.microsoft.com/office/drawing/2010/main">
-                <a:solidFill>
-                  <a:srgbClr val="FFFFFF"/>
-                </a:solidFill>
-              </a14:hiddenFill>
-            </a:ext>
-          </a:extLst>
-        </p:spPr>
-      </p:pic>
-      <p:pic>
-        <p:nvPicPr>
-          <p:cNvPr id="1052" name="Picture 28" descr="C:\Users\p2admin\Documents\website\impressionist\analysis\Curvature\LEE\az17.png"/>
-          <p:cNvPicPr>
-            <a:picLocks noChangeAspect="1" noChangeArrowheads="1"/>
-          </p:cNvPicPr>
-          <p:nvPr/>
-        </p:nvPicPr>
-        <p:blipFill rotWithShape="1">
-          <a:blip r:embed="rId24">
-            <a:extLst>
-              <a:ext uri="{28A0092B-C50C-407E-A947-70E740481C1C}">
-                <a14:useLocalDpi xmlns:a14="http://schemas.microsoft.com/office/drawing/2010/main" val="0"/>
-              </a:ext>
-            </a:extLst>
-          </a:blip>
-          <a:srcRect l="42187" t="28125" r="38021" b="30208"/>
-          <a:stretch/>
-        </p:blipFill>
-        <p:spPr bwMode="auto">
-          <a:xfrm>
-            <a:off x="6262272" y="2370137"/>
-            <a:ext cx="1447800" cy="2286000"/>
-          </a:xfrm>
-          <a:prstGeom prst="rect">
-            <a:avLst/>
-          </a:prstGeom>
-          <a:noFill/>
-          <a:extLst>
-            <a:ext uri="{909E8E84-426E-40DD-AFC4-6F175D3DCCD1}">
-              <a14:hiddenFill xmlns:a14="http://schemas.microsoft.com/office/drawing/2010/main">
-                <a:solidFill>
-                  <a:srgbClr val="FFFFFF"/>
-                </a:solidFill>
-              </a14:hiddenFill>
-            </a:ext>
-          </a:extLst>
-        </p:spPr>
-      </p:pic>
-      <p:pic>
-        <p:nvPicPr>
-          <p:cNvPr id="1053" name="Picture 29" descr="C:\Users\p2admin\Documents\website\impressionist\analysis\Curvature\LEE\az26.png"/>
-          <p:cNvPicPr>
-            <a:picLocks noChangeAspect="1" noChangeArrowheads="1"/>
-          </p:cNvPicPr>
-          <p:nvPr/>
-        </p:nvPicPr>
-        <p:blipFill rotWithShape="1">
-          <a:blip r:embed="rId25">
-            <a:extLst>
-              <a:ext uri="{28A0092B-C50C-407E-A947-70E740481C1C}">
-                <a14:useLocalDpi xmlns:a14="http://schemas.microsoft.com/office/drawing/2010/main" val="0"/>
-              </a:ext>
-            </a:extLst>
-          </a:blip>
-          <a:srcRect l="36979" t="28125" r="32812" b="32986"/>
-          <a:stretch/>
-        </p:blipFill>
-        <p:spPr bwMode="auto">
-          <a:xfrm>
-            <a:off x="4071938" y="2636837"/>
-            <a:ext cx="2209800" cy="2133600"/>
-          </a:xfrm>
-          <a:prstGeom prst="rect">
-            <a:avLst/>
-          </a:prstGeom>
-          <a:noFill/>
-          <a:extLst>
-            <a:ext uri="{909E8E84-426E-40DD-AFC4-6F175D3DCCD1}">
-              <a14:hiddenFill xmlns:a14="http://schemas.microsoft.com/office/drawing/2010/main">
-                <a:solidFill>
-                  <a:srgbClr val="FFFFFF"/>
-                </a:solidFill>
-              </a14:hiddenFill>
-            </a:ext>
-          </a:extLst>
-        </p:spPr>
-      </p:pic>
-      <p:pic>
-        <p:nvPicPr>
-          <p:cNvPr id="1054" name="Picture 30" descr="C:\Users\p2admin\Documents\website\impressionist\analysis\Curvature\LEE\az57.png"/>
-          <p:cNvPicPr>
-            <a:picLocks noChangeAspect="1" noChangeArrowheads="1"/>
-          </p:cNvPicPr>
-          <p:nvPr/>
-        </p:nvPicPr>
-        <p:blipFill rotWithShape="1">
-          <a:blip r:embed="rId26">
-            <a:extLst>
-              <a:ext uri="{28A0092B-C50C-407E-A947-70E740481C1C}">
-                <a14:useLocalDpi xmlns:a14="http://schemas.microsoft.com/office/drawing/2010/main" val="0"/>
-              </a:ext>
-            </a:extLst>
-          </a:blip>
-          <a:srcRect l="36979" t="32292" r="32812" b="37153"/>
-          <a:stretch/>
-        </p:blipFill>
-        <p:spPr bwMode="auto">
-          <a:xfrm rot="10800000">
-            <a:off x="1749607" y="3124200"/>
-            <a:ext cx="2209800" cy="1676400"/>
-          </a:xfrm>
-          <a:prstGeom prst="rect">
-            <a:avLst/>
-          </a:prstGeom>
-          <a:noFill/>
-          <a:extLst>
-            <a:ext uri="{909E8E84-426E-40DD-AFC4-6F175D3DCCD1}">
-              <a14:hiddenFill xmlns:a14="http://schemas.microsoft.com/office/drawing/2010/main">
-                <a:solidFill>
-                  <a:srgbClr val="FFFFFF"/>
-                </a:solidFill>
-              </a14:hiddenFill>
-            </a:ext>
-          </a:extLst>
-        </p:spPr>
-      </p:pic>
-      <p:pic>
-        <p:nvPicPr>
-          <p:cNvPr id="1055" name="Picture 31" descr="C:\Users\p2admin\Documents\website\impressionist\analysis\Curvature\LEE\az68.png"/>
-          <p:cNvPicPr>
-            <a:picLocks noChangeAspect="1" noChangeArrowheads="1"/>
-          </p:cNvPicPr>
-          <p:nvPr/>
-        </p:nvPicPr>
-        <p:blipFill rotWithShape="1">
-          <a:blip r:embed="rId27">
-            <a:extLst>
-              <a:ext uri="{28A0092B-C50C-407E-A947-70E740481C1C}">
-                <a14:useLocalDpi xmlns:a14="http://schemas.microsoft.com/office/drawing/2010/main" val="0"/>
-              </a:ext>
-            </a:extLst>
-          </a:blip>
-          <a:srcRect l="39062" t="26736" r="34896" b="30209"/>
-          <a:stretch/>
-        </p:blipFill>
-        <p:spPr bwMode="auto">
-          <a:xfrm>
-            <a:off x="-44081" y="2362200"/>
-            <a:ext cx="1905000" cy="2362200"/>
-          </a:xfrm>
-          <a:prstGeom prst="rect">
-            <a:avLst/>
-          </a:prstGeom>
-          <a:noFill/>
-          <a:extLst>
-            <a:ext uri="{909E8E84-426E-40DD-AFC4-6F175D3DCCD1}">
-              <a14:hiddenFill xmlns:a14="http://schemas.microsoft.com/office/drawing/2010/main">
-                <a:solidFill>
-                  <a:srgbClr val="FFFFFF"/>
-                </a:solidFill>
-              </a14:hiddenFill>
-            </a:ext>
-          </a:extLst>
-        </p:spPr>
-      </p:pic>
-      <p:pic>
-        <p:nvPicPr>
-          <p:cNvPr id="1056" name="Picture 32" descr="C:\Users\p2admin\Documents\website\impressionist\analysis\Curvature\LEE\az75.png"/>
-          <p:cNvPicPr>
-            <a:picLocks noChangeAspect="1" noChangeArrowheads="1"/>
-          </p:cNvPicPr>
-          <p:nvPr/>
-        </p:nvPicPr>
-        <p:blipFill rotWithShape="1">
-          <a:blip r:embed="rId28">
-            <a:extLst>
-              <a:ext uri="{28A0092B-C50C-407E-A947-70E740481C1C}">
-                <a14:useLocalDpi xmlns:a14="http://schemas.microsoft.com/office/drawing/2010/main" val="0"/>
-              </a:ext>
-            </a:extLst>
-          </a:blip>
-          <a:srcRect l="35938" t="28125" r="31771" b="31597"/>
-          <a:stretch/>
-        </p:blipFill>
-        <p:spPr bwMode="auto">
-          <a:xfrm>
-            <a:off x="-2443773" y="2560637"/>
-            <a:ext cx="2362200" cy="2209800"/>
-          </a:xfrm>
-          <a:prstGeom prst="rect">
-            <a:avLst/>
-          </a:prstGeom>
-          <a:noFill/>
-          <a:extLst>
-            <a:ext uri="{909E8E84-426E-40DD-AFC4-6F175D3DCCD1}">
-              <a14:hiddenFill xmlns:a14="http://schemas.microsoft.com/office/drawing/2010/main">
-                <a:solidFill>
-                  <a:srgbClr val="FFFFFF"/>
-                </a:solidFill>
-              </a14:hiddenFill>
-            </a:ext>
-          </a:extLst>
-        </p:spPr>
-      </p:pic>
-      <p:pic>
-        <p:nvPicPr>
-          <p:cNvPr id="1057" name="Picture 33" descr="C:\Users\p2admin\Documents\website\impressionist\analysis\Curvature\LEE\az111.png"/>
-          <p:cNvPicPr>
-            <a:picLocks noChangeAspect="1" noChangeArrowheads="1"/>
-          </p:cNvPicPr>
-          <p:nvPr/>
-        </p:nvPicPr>
-        <p:blipFill rotWithShape="1">
-          <a:blip r:embed="rId29">
-            <a:extLst>
-              <a:ext uri="{28A0092B-C50C-407E-A947-70E740481C1C}">
-                <a14:useLocalDpi xmlns:a14="http://schemas.microsoft.com/office/drawing/2010/main" val="0"/>
-              </a:ext>
-            </a:extLst>
-          </a:blip>
-          <a:srcRect l="42187" t="26389" r="39323" b="27778"/>
-          <a:stretch/>
-        </p:blipFill>
-        <p:spPr bwMode="auto">
-          <a:xfrm>
-            <a:off x="-3796323" y="2255837"/>
-            <a:ext cx="1352550" cy="2514600"/>
-          </a:xfrm>
-          <a:prstGeom prst="rect">
-            <a:avLst/>
-          </a:prstGeom>
-          <a:noFill/>
-          <a:extLst>
-            <a:ext uri="{909E8E84-426E-40DD-AFC4-6F175D3DCCD1}">
-              <a14:hiddenFill xmlns:a14="http://schemas.microsoft.com/office/drawing/2010/main">
-                <a:solidFill>
-                  <a:srgbClr val="FFFFFF"/>
-                </a:solidFill>
-              </a14:hiddenFill>
-            </a:ext>
-          </a:extLst>
-        </p:spPr>
-      </p:pic>
-      <p:pic>
-        <p:nvPicPr>
-          <p:cNvPr id="1058" name="Picture 34" descr="C:\Users\p2admin\Documents\website\impressionist\analysis\Curvature\LEE\az170.png"/>
-          <p:cNvPicPr>
-            <a:picLocks noChangeAspect="1" noChangeArrowheads="1"/>
-          </p:cNvPicPr>
-          <p:nvPr/>
-        </p:nvPicPr>
-        <p:blipFill rotWithShape="1">
-          <a:blip r:embed="rId30">
-            <a:extLst>
-              <a:ext uri="{28A0092B-C50C-407E-A947-70E740481C1C}">
-                <a14:useLocalDpi xmlns:a14="http://schemas.microsoft.com/office/drawing/2010/main" val="0"/>
-              </a:ext>
-            </a:extLst>
-          </a:blip>
-          <a:srcRect l="37817" t="27778" r="34579" b="31250"/>
-          <a:stretch/>
-        </p:blipFill>
-        <p:spPr bwMode="auto">
-          <a:xfrm>
-            <a:off x="-5815623" y="2484437"/>
-            <a:ext cx="2019300" cy="2247900"/>
-          </a:xfrm>
-          <a:prstGeom prst="rect">
-            <a:avLst/>
-          </a:prstGeom>
-          <a:noFill/>
-          <a:extLst>
-            <a:ext uri="{909E8E84-426E-40DD-AFC4-6F175D3DCCD1}">
-              <a14:hiddenFill xmlns:a14="http://schemas.microsoft.com/office/drawing/2010/main">
-                <a:solidFill>
-                  <a:srgbClr val="FFFFFF"/>
-                </a:solidFill>
-              </a14:hiddenFill>
-            </a:ext>
-          </a:extLst>
-        </p:spPr>
-      </p:pic>
-      <p:pic>
-        <p:nvPicPr>
-          <p:cNvPr id="1059" name="Picture 35" descr="C:\Users\p2admin\Documents\website\impressionist\analysis\Curvature\LEE\az198.png"/>
-          <p:cNvPicPr>
-            <a:picLocks noChangeAspect="1" noChangeArrowheads="1"/>
-          </p:cNvPicPr>
-          <p:nvPr/>
-        </p:nvPicPr>
-        <p:blipFill rotWithShape="1">
-          <a:blip r:embed="rId31">
-            <a:extLst>
-              <a:ext uri="{28A0092B-C50C-407E-A947-70E740481C1C}">
-                <a14:useLocalDpi xmlns:a14="http://schemas.microsoft.com/office/drawing/2010/main" val="0"/>
-              </a:ext>
-            </a:extLst>
-          </a:blip>
-          <a:srcRect l="28385" t="26389" r="23437" b="32638"/>
-          <a:stretch/>
-        </p:blipFill>
-        <p:spPr bwMode="auto">
-          <a:xfrm>
-            <a:off x="-9339873" y="2484437"/>
-            <a:ext cx="3524250" cy="2247900"/>
-          </a:xfrm>
-          <a:prstGeom prst="rect">
-            <a:avLst/>
-          </a:prstGeom>
-          <a:noFill/>
-          <a:extLst>
-            <a:ext uri="{909E8E84-426E-40DD-AFC4-6F175D3DCCD1}">
-              <a14:hiddenFill xmlns:a14="http://schemas.microsoft.com/office/drawing/2010/main">
-                <a:solidFill>
-                  <a:srgbClr val="FFFFFF"/>
-                </a:solidFill>
-              </a14:hiddenFill>
-            </a:ext>
-          </a:extLst>
-        </p:spPr>
-      </p:pic>
-      <p:pic>
-        <p:nvPicPr>
-          <p:cNvPr id="1060" name="Picture 36" descr="C:\Users\p2admin\Documents\website\impressionist\analysis\Curvature\LEE\az260.png"/>
-          <p:cNvPicPr>
-            <a:picLocks noChangeAspect="1" noChangeArrowheads="1"/>
-          </p:cNvPicPr>
-          <p:nvPr/>
-        </p:nvPicPr>
-        <p:blipFill rotWithShape="1">
-          <a:blip r:embed="rId32">
-            <a:extLst>
-              <a:ext uri="{28A0092B-C50C-407E-A947-70E740481C1C}">
-                <a14:useLocalDpi xmlns:a14="http://schemas.microsoft.com/office/drawing/2010/main" val="0"/>
-              </a:ext>
-            </a:extLst>
-          </a:blip>
-          <a:srcRect l="36979" t="35069" r="35938" b="32986"/>
-          <a:stretch/>
-        </p:blipFill>
-        <p:spPr bwMode="auto">
-          <a:xfrm>
-            <a:off x="-9130038" y="4884737"/>
-            <a:ext cx="1981200" cy="1752600"/>
-          </a:xfrm>
-          <a:prstGeom prst="rect">
-            <a:avLst/>
-          </a:prstGeom>
-          <a:noFill/>
-          <a:extLst>
-            <a:ext uri="{909E8E84-426E-40DD-AFC4-6F175D3DCCD1}">
-              <a14:hiddenFill xmlns:a14="http://schemas.microsoft.com/office/drawing/2010/main">
-                <a:solidFill>
-                  <a:srgbClr val="FFFFFF"/>
-                </a:solidFill>
-              </a14:hiddenFill>
-            </a:ext>
-          </a:extLst>
-        </p:spPr>
-      </p:pic>
-      <p:pic>
-        <p:nvPicPr>
-          <p:cNvPr id="1061" name="Picture 37" descr="C:\Users\p2admin\Documents\website\impressionist\analysis\Curvature\LEE\az378.png"/>
-          <p:cNvPicPr>
-            <a:picLocks noChangeAspect="1" noChangeArrowheads="1"/>
-          </p:cNvPicPr>
-          <p:nvPr/>
-        </p:nvPicPr>
-        <p:blipFill rotWithShape="1">
-          <a:blip r:embed="rId33">
-            <a:extLst>
-              <a:ext uri="{28A0092B-C50C-407E-A947-70E740481C1C}">
-                <a14:useLocalDpi xmlns:a14="http://schemas.microsoft.com/office/drawing/2010/main" val="0"/>
-              </a:ext>
-            </a:extLst>
-          </a:blip>
-          <a:srcRect l="35938" t="32292" r="32813" b="32985"/>
-          <a:stretch/>
-        </p:blipFill>
-        <p:spPr bwMode="auto">
-          <a:xfrm>
-            <a:off x="-7148838" y="4808537"/>
-            <a:ext cx="2286000" cy="1905000"/>
-          </a:xfrm>
-          <a:prstGeom prst="rect">
-            <a:avLst/>
-          </a:prstGeom>
-          <a:noFill/>
-          <a:extLst>
-            <a:ext uri="{909E8E84-426E-40DD-AFC4-6F175D3DCCD1}">
-              <a14:hiddenFill xmlns:a14="http://schemas.microsoft.com/office/drawing/2010/main">
-                <a:solidFill>
-                  <a:srgbClr val="FFFFFF"/>
-                </a:solidFill>
-              </a14:hiddenFill>
-            </a:ext>
-          </a:extLst>
-        </p:spPr>
-      </p:pic>
-      <p:pic>
-        <p:nvPicPr>
-          <p:cNvPr id="1062" name="Picture 38" descr="C:\Users\p2admin\Documents\website\impressionist\analysis\Curvature\LEE\az379.png"/>
-          <p:cNvPicPr>
-            <a:picLocks noChangeAspect="1" noChangeArrowheads="1"/>
-          </p:cNvPicPr>
-          <p:nvPr/>
-        </p:nvPicPr>
-        <p:blipFill rotWithShape="1">
-          <a:blip r:embed="rId34">
-            <a:extLst>
-              <a:ext uri="{28A0092B-C50C-407E-A947-70E740481C1C}">
-                <a14:useLocalDpi xmlns:a14="http://schemas.microsoft.com/office/drawing/2010/main" val="0"/>
-              </a:ext>
-            </a:extLst>
-          </a:blip>
-          <a:srcRect l="33854" t="32292" r="30729" b="34375"/>
-          <a:stretch/>
-        </p:blipFill>
-        <p:spPr bwMode="auto">
-          <a:xfrm>
-            <a:off x="-4862838" y="4903787"/>
-            <a:ext cx="2590800" cy="1828800"/>
-          </a:xfrm>
-          <a:prstGeom prst="rect">
-            <a:avLst/>
-          </a:prstGeom>
-          <a:noFill/>
-          <a:extLst>
-            <a:ext uri="{909E8E84-426E-40DD-AFC4-6F175D3DCCD1}">
-              <a14:hiddenFill xmlns:a14="http://schemas.microsoft.com/office/drawing/2010/main">
-                <a:solidFill>
-                  <a:srgbClr val="FFFFFF"/>
-                </a:solidFill>
-              </a14:hiddenFill>
-            </a:ext>
-          </a:extLst>
-        </p:spPr>
-      </p:pic>
-      <p:pic>
-        <p:nvPicPr>
-          <p:cNvPr id="1063" name="Picture 39" descr="C:\Users\p2admin\Documents\website\impressionist\analysis\Curvature\LEE\az381.png"/>
-          <p:cNvPicPr>
-            <a:picLocks noChangeAspect="1" noChangeArrowheads="1"/>
-          </p:cNvPicPr>
-          <p:nvPr/>
-        </p:nvPicPr>
-        <p:blipFill rotWithShape="1">
-          <a:blip r:embed="rId35">
-            <a:extLst>
-              <a:ext uri="{28A0092B-C50C-407E-A947-70E740481C1C}">
-                <a14:useLocalDpi xmlns:a14="http://schemas.microsoft.com/office/drawing/2010/main" val="0"/>
-              </a:ext>
-            </a:extLst>
-          </a:blip>
-          <a:srcRect l="32813" t="30903" r="29687" b="34375"/>
-          <a:stretch/>
-        </p:blipFill>
-        <p:spPr bwMode="auto">
-          <a:xfrm>
-            <a:off x="-2272038" y="4903787"/>
-            <a:ext cx="2743200" cy="1905000"/>
-          </a:xfrm>
-          <a:prstGeom prst="rect">
-            <a:avLst/>
-          </a:prstGeom>
-          <a:noFill/>
-          <a:extLst>
-            <a:ext uri="{909E8E84-426E-40DD-AFC4-6F175D3DCCD1}">
-              <a14:hiddenFill xmlns:a14="http://schemas.microsoft.com/office/drawing/2010/main">
-                <a:solidFill>
-                  <a:srgbClr val="FFFFFF"/>
-                </a:solidFill>
-              </a14:hiddenFill>
-            </a:ext>
-          </a:extLst>
-        </p:spPr>
-      </p:pic>
-      <p:pic>
-        <p:nvPicPr>
-          <p:cNvPr id="1064" name="Picture 40" descr="C:\Users\p2admin\Documents\website\impressionist\analysis\Curvature\LEE\az382.png"/>
-          <p:cNvPicPr>
-            <a:picLocks noChangeAspect="1" noChangeArrowheads="1"/>
-          </p:cNvPicPr>
-          <p:nvPr/>
-        </p:nvPicPr>
-        <p:blipFill rotWithShape="1">
-          <a:blip r:embed="rId36">
-            <a:extLst>
-              <a:ext uri="{28A0092B-C50C-407E-A947-70E740481C1C}">
-                <a14:useLocalDpi xmlns:a14="http://schemas.microsoft.com/office/drawing/2010/main" val="0"/>
-              </a:ext>
-            </a:extLst>
-          </a:blip>
-          <a:srcRect l="39063" t="28125" r="35938" b="32986"/>
-          <a:stretch/>
-        </p:blipFill>
-        <p:spPr bwMode="auto">
-          <a:xfrm rot="16200000">
-            <a:off x="623562" y="4865687"/>
-            <a:ext cx="1828800" cy="2133600"/>
-          </a:xfrm>
-          <a:prstGeom prst="rect">
-            <a:avLst/>
-          </a:prstGeom>
-          <a:noFill/>
-          <a:extLst>
-            <a:ext uri="{909E8E84-426E-40DD-AFC4-6F175D3DCCD1}">
-              <a14:hiddenFill xmlns:a14="http://schemas.microsoft.com/office/drawing/2010/main">
-                <a:solidFill>
-                  <a:srgbClr val="FFFFFF"/>
-                </a:solidFill>
-              </a14:hiddenFill>
-            </a:ext>
-          </a:extLst>
-        </p:spPr>
-      </p:pic>
-      <p:pic>
-        <p:nvPicPr>
-          <p:cNvPr id="1065" name="Picture 41" descr="C:\Users\p2admin\Documents\website\impressionist\analysis\Curvature\LEE\az383.png"/>
-          <p:cNvPicPr>
-            <a:picLocks noChangeAspect="1" noChangeArrowheads="1"/>
-          </p:cNvPicPr>
-          <p:nvPr/>
-        </p:nvPicPr>
-        <p:blipFill rotWithShape="1">
-          <a:blip r:embed="rId37">
-            <a:extLst>
-              <a:ext uri="{28A0092B-C50C-407E-A947-70E740481C1C}">
-                <a14:useLocalDpi xmlns:a14="http://schemas.microsoft.com/office/drawing/2010/main" val="0"/>
-              </a:ext>
-            </a:extLst>
-          </a:blip>
-          <a:srcRect l="42187" t="26736" r="39063" b="31597"/>
-          <a:stretch/>
-        </p:blipFill>
-        <p:spPr bwMode="auto">
-          <a:xfrm rot="5400000">
-            <a:off x="3061962" y="4865687"/>
-            <a:ext cx="1371600" cy="2286000"/>
-          </a:xfrm>
-          <a:prstGeom prst="rect">
-            <a:avLst/>
-          </a:prstGeom>
-          <a:noFill/>
-          <a:extLst>
-            <a:ext uri="{909E8E84-426E-40DD-AFC4-6F175D3DCCD1}">
-              <a14:hiddenFill xmlns:a14="http://schemas.microsoft.com/office/drawing/2010/main">
-                <a:solidFill>
-                  <a:srgbClr val="FFFFFF"/>
-                </a:solidFill>
-              </a14:hiddenFill>
-            </a:ext>
-          </a:extLst>
-        </p:spPr>
-      </p:pic>
-      <p:pic>
-        <p:nvPicPr>
-          <p:cNvPr id="1066" name="Picture 42" descr="C:\Users\p2admin\Documents\website\impressionist\analysis\Curvature\LEE\az384.png"/>
-          <p:cNvPicPr>
-            <a:picLocks noChangeAspect="1" noChangeArrowheads="1"/>
-          </p:cNvPicPr>
-          <p:nvPr/>
-        </p:nvPicPr>
-        <p:blipFill rotWithShape="1">
-          <a:blip r:embed="rId38">
-            <a:extLst>
-              <a:ext uri="{28A0092B-C50C-407E-A947-70E740481C1C}">
-                <a14:useLocalDpi xmlns:a14="http://schemas.microsoft.com/office/drawing/2010/main" val="0"/>
-              </a:ext>
-            </a:extLst>
-          </a:blip>
-          <a:srcRect l="42187" t="28125" r="38021" b="31597"/>
-          <a:stretch/>
-        </p:blipFill>
-        <p:spPr bwMode="auto">
-          <a:xfrm rot="16200000">
-            <a:off x="5399934" y="4751387"/>
-            <a:ext cx="1447800" cy="2209800"/>
-          </a:xfrm>
-          <a:prstGeom prst="rect">
-            <a:avLst/>
-          </a:prstGeom>
-          <a:noFill/>
-          <a:extLst>
-            <a:ext uri="{909E8E84-426E-40DD-AFC4-6F175D3DCCD1}">
-              <a14:hiddenFill xmlns:a14="http://schemas.microsoft.com/office/drawing/2010/main">
-                <a:solidFill>
-                  <a:srgbClr val="FFFFFF"/>
-                </a:solidFill>
-              </a14:hiddenFill>
-            </a:ext>
-          </a:extLst>
-        </p:spPr>
-      </p:pic>
-      <p:pic>
-        <p:nvPicPr>
-          <p:cNvPr id="1067" name="Picture 43" descr="C:\Users\p2admin\Documents\website\impressionist\analysis\Curvature\LEE\az386.png"/>
-          <p:cNvPicPr>
-            <a:picLocks noChangeAspect="1" noChangeArrowheads="1"/>
-          </p:cNvPicPr>
-          <p:nvPr/>
-        </p:nvPicPr>
-        <p:blipFill rotWithShape="1">
-          <a:blip r:embed="rId39">
-            <a:extLst>
-              <a:ext uri="{28A0092B-C50C-407E-A947-70E740481C1C}">
-                <a14:useLocalDpi xmlns:a14="http://schemas.microsoft.com/office/drawing/2010/main" val="0"/>
-              </a:ext>
-            </a:extLst>
-          </a:blip>
-          <a:srcRect l="36980" t="26736" r="31770" b="30209"/>
-          <a:stretch/>
-        </p:blipFill>
-        <p:spPr bwMode="auto">
-          <a:xfrm rot="11700000">
-            <a:off x="7252917" y="4446586"/>
-            <a:ext cx="2286000" cy="2362200"/>
-          </a:xfrm>
-          <a:prstGeom prst="rect">
-            <a:avLst/>
-          </a:prstGeom>
-          <a:noFill/>
-          <a:extLst>
-            <a:ext uri="{909E8E84-426E-40DD-AFC4-6F175D3DCCD1}">
-              <a14:hiddenFill xmlns:a14="http://schemas.microsoft.com/office/drawing/2010/main">
-                <a:solidFill>
-                  <a:srgbClr val="FFFFFF"/>
-                </a:solidFill>
-              </a14:hiddenFill>
-            </a:ext>
-          </a:extLst>
-        </p:spPr>
-      </p:pic>
-      <p:pic>
-        <p:nvPicPr>
-          <p:cNvPr id="1068" name="Picture 44" descr="C:\Users\p2admin\Documents\website\impressionist\analysis\Curvature\LEE\az390.png"/>
-          <p:cNvPicPr>
-            <a:picLocks noChangeAspect="1" noChangeArrowheads="1"/>
-          </p:cNvPicPr>
-          <p:nvPr/>
-        </p:nvPicPr>
-        <p:blipFill rotWithShape="1">
-          <a:blip r:embed="rId40">
-            <a:extLst>
-              <a:ext uri="{28A0092B-C50C-407E-A947-70E740481C1C}">
-                <a14:useLocalDpi xmlns:a14="http://schemas.microsoft.com/office/drawing/2010/main" val="0"/>
-              </a:ext>
-            </a:extLst>
-          </a:blip>
-          <a:srcRect l="42187" t="28125" r="39063" b="30208"/>
-          <a:stretch/>
-        </p:blipFill>
-        <p:spPr bwMode="auto">
-          <a:xfrm>
-            <a:off x="9500862" y="4408487"/>
-            <a:ext cx="1371600" cy="2286000"/>
-          </a:xfrm>
-          <a:prstGeom prst="rect">
-            <a:avLst/>
-          </a:prstGeom>
-          <a:noFill/>
-          <a:extLst>
-            <a:ext uri="{909E8E84-426E-40DD-AFC4-6F175D3DCCD1}">
-              <a14:hiddenFill xmlns:a14="http://schemas.microsoft.com/office/drawing/2010/main">
-                <a:solidFill>
-                  <a:srgbClr val="FFFFFF"/>
-                </a:solidFill>
-              </a14:hiddenFill>
-            </a:ext>
-          </a:extLst>
-        </p:spPr>
-      </p:pic>
-      <p:pic>
-        <p:nvPicPr>
-          <p:cNvPr id="1069" name="Picture 45" descr="C:\Users\p2admin\Documents\website\impressionist\analysis\Curvature\LEE\az391.png"/>
-          <p:cNvPicPr>
-            <a:picLocks noChangeAspect="1" noChangeArrowheads="1"/>
-          </p:cNvPicPr>
-          <p:nvPr/>
-        </p:nvPicPr>
-        <p:blipFill rotWithShape="1">
-          <a:blip r:embed="rId41">
-            <a:extLst>
-              <a:ext uri="{28A0092B-C50C-407E-A947-70E740481C1C}">
-                <a14:useLocalDpi xmlns:a14="http://schemas.microsoft.com/office/drawing/2010/main" val="0"/>
-              </a:ext>
-            </a:extLst>
-          </a:blip>
-          <a:srcRect l="32813" t="33681" r="28645" b="35764"/>
-          <a:stretch/>
-        </p:blipFill>
-        <p:spPr bwMode="auto">
-          <a:xfrm>
-            <a:off x="10867092" y="5018087"/>
-            <a:ext cx="2819400" cy="1676400"/>
-          </a:xfrm>
-          <a:prstGeom prst="rect">
-            <a:avLst/>
-          </a:prstGeom>
-          <a:noFill/>
-          <a:extLst>
-            <a:ext uri="{909E8E84-426E-40DD-AFC4-6F175D3DCCD1}">
-              <a14:hiddenFill xmlns:a14="http://schemas.microsoft.com/office/drawing/2010/main">
-                <a:solidFill>
-                  <a:srgbClr val="FFFFFF"/>
-                </a:solidFill>
-              </a14:hiddenFill>
-            </a:ext>
-          </a:extLst>
-        </p:spPr>
-      </p:pic>
-      <p:pic>
-        <p:nvPicPr>
-          <p:cNvPr id="1070" name="Picture 46" descr="C:\Users\p2admin\Documents\website\impressionist\analysis\Curvature\LEE\az392.png"/>
-          <p:cNvPicPr>
-            <a:picLocks noChangeAspect="1" noChangeArrowheads="1"/>
-          </p:cNvPicPr>
-          <p:nvPr/>
-        </p:nvPicPr>
-        <p:blipFill rotWithShape="1">
-          <a:blip r:embed="rId42">
-            <a:extLst>
-              <a:ext uri="{28A0092B-C50C-407E-A947-70E740481C1C}">
-                <a14:useLocalDpi xmlns:a14="http://schemas.microsoft.com/office/drawing/2010/main" val="0"/>
-              </a:ext>
-            </a:extLst>
-          </a:blip>
-          <a:srcRect l="33520" t="31771" r="28385" b="36459"/>
-          <a:stretch/>
-        </p:blipFill>
-        <p:spPr bwMode="auto">
-          <a:xfrm>
-            <a:off x="13686492" y="4818062"/>
-            <a:ext cx="2786674" cy="1743075"/>
-          </a:xfrm>
-          <a:prstGeom prst="rect">
-            <a:avLst/>
-          </a:prstGeom>
-          <a:noFill/>
-          <a:extLst>
-            <a:ext uri="{909E8E84-426E-40DD-AFC4-6F175D3DCCD1}">
-              <a14:hiddenFill xmlns:a14="http://schemas.microsoft.com/office/drawing/2010/main">
-                <a:solidFill>
-                  <a:srgbClr val="FFFFFF"/>
-                </a:solidFill>
-              </a14:hiddenFill>
-            </a:ext>
-          </a:extLst>
-        </p:spPr>
-      </p:pic>
-      <p:pic>
-        <p:nvPicPr>
-          <p:cNvPr id="1071" name="Picture 47" descr="C:\Users\p2admin\Documents\website\impressionist\analysis\Curvature\LEE\az393.png"/>
-          <p:cNvPicPr>
-            <a:picLocks noChangeAspect="1" noChangeArrowheads="1"/>
-          </p:cNvPicPr>
-          <p:nvPr/>
-        </p:nvPicPr>
-        <p:blipFill rotWithShape="1">
-          <a:blip r:embed="rId43">
-            <a:extLst>
-              <a:ext uri="{28A0092B-C50C-407E-A947-70E740481C1C}">
-                <a14:useLocalDpi xmlns:a14="http://schemas.microsoft.com/office/drawing/2010/main" val="0"/>
-              </a:ext>
-            </a:extLst>
-          </a:blip>
-          <a:srcRect l="39844" t="27778" r="34579" b="31250"/>
-          <a:stretch/>
-        </p:blipFill>
-        <p:spPr bwMode="auto">
-          <a:xfrm>
-            <a:off x="16435066" y="4465637"/>
-            <a:ext cx="1871052" cy="2247900"/>
+          <a:xfrm flipH="1">
+            <a:off x="6719587" y="3658738"/>
+            <a:ext cx="717446" cy="541406"/>
           </a:xfrm>
           <a:prstGeom prst="rect">
             <a:avLst/>
@@ -4740,9 +4446,9 @@
           <p:nvPr/>
         </p:nvSpPr>
         <p:spPr>
-          <a:xfrm>
-            <a:off x="12573000" y="-5548311"/>
-            <a:ext cx="2302875" cy="1200329"/>
+          <a:xfrm flipH="1">
+            <a:off x="13311216" y="-5548310"/>
+            <a:ext cx="45719" cy="4524315"/>
           </a:xfrm>
           <a:prstGeom prst="rect">
             <a:avLst/>
@@ -4750,7 +4456,7 @@
           <a:noFill/>
         </p:spPr>
         <p:txBody>
-          <a:bodyPr wrap="none" rtlCol="0">
+          <a:bodyPr wrap="square" rtlCol="0">
             <a:spAutoFit/>
           </a:bodyPr>
           <a:lstStyle/>
@@ -4758,36 +4464,6 @@
             <a:r>
               <a:rPr lang="en-US" sz="7200" dirty="0" smtClean="0"/>
               <a:t>OURS</a:t>
-            </a:r>
-            <a:endParaRPr lang="en-US" sz="7200" dirty="0"/>
-          </a:p>
-        </p:txBody>
-      </p:sp>
-      <p:sp>
-        <p:nvSpPr>
-          <p:cNvPr id="51" name="TextBox 50"/>
-          <p:cNvSpPr txBox="1"/>
-          <p:nvPr/>
-        </p:nvSpPr>
-        <p:spPr>
-          <a:xfrm>
-            <a:off x="11663843" y="2738439"/>
-            <a:ext cx="2409634" cy="1200329"/>
-          </a:xfrm>
-          <a:prstGeom prst="rect">
-            <a:avLst/>
-          </a:prstGeom>
-          <a:noFill/>
-        </p:spPr>
-        <p:txBody>
-          <a:bodyPr wrap="none" rtlCol="0">
-            <a:spAutoFit/>
-          </a:bodyPr>
-          <a:lstStyle/>
-          <a:p>
-            <a:r>
-              <a:rPr lang="en-US" sz="7200" dirty="0" smtClean="0"/>
-              <a:t>LEE05</a:t>
             </a:r>
             <a:endParaRPr lang="en-US" sz="7200" dirty="0"/>
           </a:p>
@@ -4810,6 +4486,5435 @@
       </p:par>
     </p:tnLst>
   </p:timing>
+</p:sld>
+</file>
+
+<file path=ppt/slides/slide2.xml><?xml version="1.0" encoding="utf-8"?>
+<p:sld xmlns:a="http://schemas.openxmlformats.org/drawingml/2006/main" xmlns:r="http://schemas.openxmlformats.org/officeDocument/2006/relationships" xmlns:p="http://schemas.openxmlformats.org/presentationml/2006/main">
+  <p:cSld>
+    <p:spTree>
+      <p:nvGrpSpPr>
+        <p:cNvPr id="1" name=""/>
+        <p:cNvGrpSpPr/>
+        <p:nvPr/>
+      </p:nvGrpSpPr>
+      <p:grpSpPr>
+        <a:xfrm>
+          <a:off x="0" y="0"/>
+          <a:ext cx="0" cy="0"/>
+          <a:chOff x="0" y="0"/>
+          <a:chExt cx="0" cy="0"/>
+        </a:xfrm>
+      </p:grpSpPr>
+      <p:pic>
+        <p:nvPicPr>
+          <p:cNvPr id="4" name="Picture 27" descr="C:\Users\p2admin\Documents\website\impressionist\analysis\Curvature\LEE\az398.png"/>
+          <p:cNvPicPr>
+            <a:picLocks noChangeAspect="1" noChangeArrowheads="1"/>
+          </p:cNvPicPr>
+          <p:nvPr/>
+        </p:nvPicPr>
+        <p:blipFill rotWithShape="1">
+          <a:blip r:embed="rId3" cstate="print">
+            <a:extLst>
+              <a:ext uri="{28A0092B-C50C-407E-A947-70E740481C1C}">
+                <a14:useLocalDpi xmlns:a14="http://schemas.microsoft.com/office/drawing/2010/main" val="0"/>
+              </a:ext>
+            </a:extLst>
+          </a:blip>
+          <a:srcRect l="32813" t="30903" r="29687" b="32986"/>
+          <a:stretch/>
+        </p:blipFill>
+        <p:spPr bwMode="auto">
+          <a:xfrm>
+            <a:off x="292147" y="3092113"/>
+            <a:ext cx="1152572" cy="832413"/>
+          </a:xfrm>
+          <a:prstGeom prst="rect">
+            <a:avLst/>
+          </a:prstGeom>
+          <a:noFill/>
+          <a:extLst>
+            <a:ext uri="{909E8E84-426E-40DD-AFC4-6F175D3DCCD1}">
+              <a14:hiddenFill xmlns:a14="http://schemas.microsoft.com/office/drawing/2010/main">
+                <a:solidFill>
+                  <a:srgbClr val="FFFFFF"/>
+                </a:solidFill>
+              </a14:hiddenFill>
+            </a:ext>
+          </a:extLst>
+        </p:spPr>
+      </p:pic>
+      <p:pic>
+        <p:nvPicPr>
+          <p:cNvPr id="5" name="Picture 28" descr="C:\Users\p2admin\Documents\website\impressionist\analysis\Curvature\LEE\az17.png"/>
+          <p:cNvPicPr>
+            <a:picLocks noChangeAspect="1" noChangeArrowheads="1"/>
+          </p:cNvPicPr>
+          <p:nvPr/>
+        </p:nvPicPr>
+        <p:blipFill rotWithShape="1">
+          <a:blip r:embed="rId4" cstate="print">
+            <a:extLst>
+              <a:ext uri="{28A0092B-C50C-407E-A947-70E740481C1C}">
+                <a14:useLocalDpi xmlns:a14="http://schemas.microsoft.com/office/drawing/2010/main" val="0"/>
+              </a:ext>
+            </a:extLst>
+          </a:blip>
+          <a:srcRect l="42187" t="28125" r="38021" b="30208"/>
+          <a:stretch/>
+        </p:blipFill>
+        <p:spPr bwMode="auto">
+          <a:xfrm>
+            <a:off x="7711111" y="957302"/>
+            <a:ext cx="608302" cy="960477"/>
+          </a:xfrm>
+          <a:prstGeom prst="rect">
+            <a:avLst/>
+          </a:prstGeom>
+          <a:noFill/>
+          <a:extLst>
+            <a:ext uri="{909E8E84-426E-40DD-AFC4-6F175D3DCCD1}">
+              <a14:hiddenFill xmlns:a14="http://schemas.microsoft.com/office/drawing/2010/main">
+                <a:solidFill>
+                  <a:srgbClr val="FFFFFF"/>
+                </a:solidFill>
+              </a14:hiddenFill>
+            </a:ext>
+          </a:extLst>
+        </p:spPr>
+      </p:pic>
+      <p:pic>
+        <p:nvPicPr>
+          <p:cNvPr id="6" name="Picture 29" descr="C:\Users\p2admin\Documents\website\impressionist\analysis\Curvature\LEE\az26.png"/>
+          <p:cNvPicPr>
+            <a:picLocks noChangeAspect="1" noChangeArrowheads="1"/>
+          </p:cNvPicPr>
+          <p:nvPr/>
+        </p:nvPicPr>
+        <p:blipFill rotWithShape="1">
+          <a:blip r:embed="rId5" cstate="print">
+            <a:extLst>
+              <a:ext uri="{28A0092B-C50C-407E-A947-70E740481C1C}">
+                <a14:useLocalDpi xmlns:a14="http://schemas.microsoft.com/office/drawing/2010/main" val="0"/>
+              </a:ext>
+            </a:extLst>
+          </a:blip>
+          <a:srcRect l="36979" t="28125" r="32812" b="32986"/>
+          <a:stretch/>
+        </p:blipFill>
+        <p:spPr bwMode="auto">
+          <a:xfrm>
+            <a:off x="6553200" y="1005598"/>
+            <a:ext cx="928461" cy="896445"/>
+          </a:xfrm>
+          <a:prstGeom prst="rect">
+            <a:avLst/>
+          </a:prstGeom>
+          <a:noFill/>
+          <a:extLst>
+            <a:ext uri="{909E8E84-426E-40DD-AFC4-6F175D3DCCD1}">
+              <a14:hiddenFill xmlns:a14="http://schemas.microsoft.com/office/drawing/2010/main">
+                <a:solidFill>
+                  <a:srgbClr val="FFFFFF"/>
+                </a:solidFill>
+              </a14:hiddenFill>
+            </a:ext>
+          </a:extLst>
+        </p:spPr>
+      </p:pic>
+      <p:pic>
+        <p:nvPicPr>
+          <p:cNvPr id="7" name="Picture 30" descr="C:\Users\p2admin\Documents\website\impressionist\analysis\Curvature\LEE\az57.png"/>
+          <p:cNvPicPr>
+            <a:picLocks noChangeAspect="1" noChangeArrowheads="1"/>
+          </p:cNvPicPr>
+          <p:nvPr/>
+        </p:nvPicPr>
+        <p:blipFill rotWithShape="1">
+          <a:blip r:embed="rId6" cstate="print">
+            <a:extLst>
+              <a:ext uri="{28A0092B-C50C-407E-A947-70E740481C1C}">
+                <a14:useLocalDpi xmlns:a14="http://schemas.microsoft.com/office/drawing/2010/main" val="0"/>
+              </a:ext>
+            </a:extLst>
+          </a:blip>
+          <a:srcRect l="36979" t="32292" r="32812" b="37153"/>
+          <a:stretch/>
+        </p:blipFill>
+        <p:spPr bwMode="auto">
+          <a:xfrm rot="10800000">
+            <a:off x="5301955" y="1101647"/>
+            <a:ext cx="928461" cy="704350"/>
+          </a:xfrm>
+          <a:prstGeom prst="rect">
+            <a:avLst/>
+          </a:prstGeom>
+          <a:noFill/>
+          <a:extLst>
+            <a:ext uri="{909E8E84-426E-40DD-AFC4-6F175D3DCCD1}">
+              <a14:hiddenFill xmlns:a14="http://schemas.microsoft.com/office/drawing/2010/main">
+                <a:solidFill>
+                  <a:srgbClr val="FFFFFF"/>
+                </a:solidFill>
+              </a14:hiddenFill>
+            </a:ext>
+          </a:extLst>
+        </p:spPr>
+      </p:pic>
+      <p:pic>
+        <p:nvPicPr>
+          <p:cNvPr id="8" name="Picture 31" descr="C:\Users\p2admin\Documents\website\impressionist\analysis\Curvature\LEE\az68.png"/>
+          <p:cNvPicPr>
+            <a:picLocks noChangeAspect="1" noChangeArrowheads="1"/>
+          </p:cNvPicPr>
+          <p:nvPr/>
+        </p:nvPicPr>
+        <p:blipFill rotWithShape="1">
+          <a:blip r:embed="rId7" cstate="print">
+            <a:extLst>
+              <a:ext uri="{28A0092B-C50C-407E-A947-70E740481C1C}">
+                <a14:useLocalDpi xmlns:a14="http://schemas.microsoft.com/office/drawing/2010/main" val="0"/>
+              </a:ext>
+            </a:extLst>
+          </a:blip>
+          <a:srcRect l="39062" t="26736" r="34896" b="30209"/>
+          <a:stretch/>
+        </p:blipFill>
+        <p:spPr bwMode="auto">
+          <a:xfrm>
+            <a:off x="4439936" y="935696"/>
+            <a:ext cx="800398" cy="992493"/>
+          </a:xfrm>
+          <a:prstGeom prst="rect">
+            <a:avLst/>
+          </a:prstGeom>
+          <a:noFill/>
+          <a:extLst>
+            <a:ext uri="{909E8E84-426E-40DD-AFC4-6F175D3DCCD1}">
+              <a14:hiddenFill xmlns:a14="http://schemas.microsoft.com/office/drawing/2010/main">
+                <a:solidFill>
+                  <a:srgbClr val="FFFFFF"/>
+                </a:solidFill>
+              </a14:hiddenFill>
+            </a:ext>
+          </a:extLst>
+        </p:spPr>
+      </p:pic>
+      <p:pic>
+        <p:nvPicPr>
+          <p:cNvPr id="9" name="Picture 32" descr="C:\Users\p2admin\Documents\website\impressionist\analysis\Curvature\LEE\az75.png"/>
+          <p:cNvPicPr>
+            <a:picLocks noChangeAspect="1" noChangeArrowheads="1"/>
+          </p:cNvPicPr>
+          <p:nvPr/>
+        </p:nvPicPr>
+        <p:blipFill rotWithShape="1">
+          <a:blip r:embed="rId8" cstate="print">
+            <a:extLst>
+              <a:ext uri="{28A0092B-C50C-407E-A947-70E740481C1C}">
+                <a14:useLocalDpi xmlns:a14="http://schemas.microsoft.com/office/drawing/2010/main" val="0"/>
+              </a:ext>
+            </a:extLst>
+          </a:blip>
+          <a:srcRect l="35938" t="28125" r="31771" b="31597"/>
+          <a:stretch/>
+        </p:blipFill>
+        <p:spPr bwMode="auto">
+          <a:xfrm>
+            <a:off x="3429000" y="961747"/>
+            <a:ext cx="992493" cy="928461"/>
+          </a:xfrm>
+          <a:prstGeom prst="rect">
+            <a:avLst/>
+          </a:prstGeom>
+          <a:noFill/>
+          <a:extLst>
+            <a:ext uri="{909E8E84-426E-40DD-AFC4-6F175D3DCCD1}">
+              <a14:hiddenFill xmlns:a14="http://schemas.microsoft.com/office/drawing/2010/main">
+                <a:solidFill>
+                  <a:srgbClr val="FFFFFF"/>
+                </a:solidFill>
+              </a14:hiddenFill>
+            </a:ext>
+          </a:extLst>
+        </p:spPr>
+      </p:pic>
+      <p:pic>
+        <p:nvPicPr>
+          <p:cNvPr id="10" name="Picture 33" descr="C:\Users\p2admin\Documents\website\impressionist\analysis\Curvature\LEE\az111.png"/>
+          <p:cNvPicPr>
+            <a:picLocks noChangeAspect="1" noChangeArrowheads="1"/>
+          </p:cNvPicPr>
+          <p:nvPr/>
+        </p:nvPicPr>
+        <p:blipFill rotWithShape="1">
+          <a:blip r:embed="rId9" cstate="print">
+            <a:extLst>
+              <a:ext uri="{28A0092B-C50C-407E-A947-70E740481C1C}">
+                <a14:useLocalDpi xmlns:a14="http://schemas.microsoft.com/office/drawing/2010/main" val="0"/>
+              </a:ext>
+            </a:extLst>
+          </a:blip>
+          <a:srcRect l="42187" t="26389" r="39323" b="27778"/>
+          <a:stretch/>
+        </p:blipFill>
+        <p:spPr bwMode="auto">
+          <a:xfrm>
+            <a:off x="2590800" y="868148"/>
+            <a:ext cx="568283" cy="1056526"/>
+          </a:xfrm>
+          <a:prstGeom prst="rect">
+            <a:avLst/>
+          </a:prstGeom>
+          <a:noFill/>
+          <a:extLst>
+            <a:ext uri="{909E8E84-426E-40DD-AFC4-6F175D3DCCD1}">
+              <a14:hiddenFill xmlns:a14="http://schemas.microsoft.com/office/drawing/2010/main">
+                <a:solidFill>
+                  <a:srgbClr val="FFFFFF"/>
+                </a:solidFill>
+              </a14:hiddenFill>
+            </a:ext>
+          </a:extLst>
+        </p:spPr>
+      </p:pic>
+      <p:pic>
+        <p:nvPicPr>
+          <p:cNvPr id="11" name="Picture 34" descr="C:\Users\p2admin\Documents\website\impressionist\analysis\Curvature\LEE\az170.png"/>
+          <p:cNvPicPr>
+            <a:picLocks noChangeAspect="1" noChangeArrowheads="1"/>
+          </p:cNvPicPr>
+          <p:nvPr/>
+        </p:nvPicPr>
+        <p:blipFill rotWithShape="1">
+          <a:blip r:embed="rId10" cstate="print">
+            <a:extLst>
+              <a:ext uri="{28A0092B-C50C-407E-A947-70E740481C1C}">
+                <a14:useLocalDpi xmlns:a14="http://schemas.microsoft.com/office/drawing/2010/main" val="0"/>
+              </a:ext>
+            </a:extLst>
+          </a:blip>
+          <a:srcRect l="37817" t="27778" r="34579" b="31250"/>
+          <a:stretch/>
+        </p:blipFill>
+        <p:spPr bwMode="auto">
+          <a:xfrm>
+            <a:off x="1583451" y="908006"/>
+            <a:ext cx="848421" cy="944469"/>
+          </a:xfrm>
+          <a:prstGeom prst="rect">
+            <a:avLst/>
+          </a:prstGeom>
+          <a:noFill/>
+          <a:extLst>
+            <a:ext uri="{909E8E84-426E-40DD-AFC4-6F175D3DCCD1}">
+              <a14:hiddenFill xmlns:a14="http://schemas.microsoft.com/office/drawing/2010/main">
+                <a:solidFill>
+                  <a:srgbClr val="FFFFFF"/>
+                </a:solidFill>
+              </a14:hiddenFill>
+            </a:ext>
+          </a:extLst>
+        </p:spPr>
+      </p:pic>
+      <p:pic>
+        <p:nvPicPr>
+          <p:cNvPr id="12" name="Picture 35" descr="C:\Users\p2admin\Documents\website\impressionist\analysis\Curvature\LEE\az198.png"/>
+          <p:cNvPicPr>
+            <a:picLocks noChangeAspect="1" noChangeArrowheads="1"/>
+          </p:cNvPicPr>
+          <p:nvPr/>
+        </p:nvPicPr>
+        <p:blipFill rotWithShape="1">
+          <a:blip r:embed="rId11" cstate="print">
+            <a:extLst>
+              <a:ext uri="{28A0092B-C50C-407E-A947-70E740481C1C}">
+                <a14:useLocalDpi xmlns:a14="http://schemas.microsoft.com/office/drawing/2010/main" val="0"/>
+              </a:ext>
+            </a:extLst>
+          </a:blip>
+          <a:srcRect l="28385" t="26389" r="23437" b="32638"/>
+          <a:stretch/>
+        </p:blipFill>
+        <p:spPr bwMode="auto">
+          <a:xfrm>
+            <a:off x="130728" y="908005"/>
+            <a:ext cx="1480736" cy="944469"/>
+          </a:xfrm>
+          <a:prstGeom prst="rect">
+            <a:avLst/>
+          </a:prstGeom>
+          <a:noFill/>
+          <a:extLst>
+            <a:ext uri="{909E8E84-426E-40DD-AFC4-6F175D3DCCD1}">
+              <a14:hiddenFill xmlns:a14="http://schemas.microsoft.com/office/drawing/2010/main">
+                <a:solidFill>
+                  <a:srgbClr val="FFFFFF"/>
+                </a:solidFill>
+              </a14:hiddenFill>
+            </a:ext>
+          </a:extLst>
+        </p:spPr>
+      </p:pic>
+      <p:pic>
+        <p:nvPicPr>
+          <p:cNvPr id="13" name="Picture 36" descr="C:\Users\p2admin\Documents\website\impressionist\analysis\Curvature\LEE\az260.png"/>
+          <p:cNvPicPr>
+            <a:picLocks noChangeAspect="1" noChangeArrowheads="1"/>
+          </p:cNvPicPr>
+          <p:nvPr/>
+        </p:nvPicPr>
+        <p:blipFill rotWithShape="1">
+          <a:blip r:embed="rId12" cstate="print">
+            <a:extLst>
+              <a:ext uri="{28A0092B-C50C-407E-A947-70E740481C1C}">
+                <a14:useLocalDpi xmlns:a14="http://schemas.microsoft.com/office/drawing/2010/main" val="0"/>
+              </a:ext>
+            </a:extLst>
+          </a:blip>
+          <a:srcRect l="36979" t="35069" r="35938" b="32986"/>
+          <a:stretch/>
+        </p:blipFill>
+        <p:spPr bwMode="auto">
+          <a:xfrm>
+            <a:off x="292147" y="2147276"/>
+            <a:ext cx="832414" cy="736366"/>
+          </a:xfrm>
+          <a:prstGeom prst="rect">
+            <a:avLst/>
+          </a:prstGeom>
+          <a:noFill/>
+          <a:extLst>
+            <a:ext uri="{909E8E84-426E-40DD-AFC4-6F175D3DCCD1}">
+              <a14:hiddenFill xmlns:a14="http://schemas.microsoft.com/office/drawing/2010/main">
+                <a:solidFill>
+                  <a:srgbClr val="FFFFFF"/>
+                </a:solidFill>
+              </a14:hiddenFill>
+            </a:ext>
+          </a:extLst>
+        </p:spPr>
+      </p:pic>
+      <p:pic>
+        <p:nvPicPr>
+          <p:cNvPr id="14" name="Picture 37" descr="C:\Users\p2admin\Documents\website\impressionist\analysis\Curvature\LEE\az378.png"/>
+          <p:cNvPicPr>
+            <a:picLocks noChangeAspect="1" noChangeArrowheads="1"/>
+          </p:cNvPicPr>
+          <p:nvPr/>
+        </p:nvPicPr>
+        <p:blipFill rotWithShape="1">
+          <a:blip r:embed="rId13" cstate="print">
+            <a:extLst>
+              <a:ext uri="{28A0092B-C50C-407E-A947-70E740481C1C}">
+                <a14:useLocalDpi xmlns:a14="http://schemas.microsoft.com/office/drawing/2010/main" val="0"/>
+              </a:ext>
+            </a:extLst>
+          </a:blip>
+          <a:srcRect l="35938" t="32292" r="32813" b="32985"/>
+          <a:stretch/>
+        </p:blipFill>
+        <p:spPr bwMode="auto">
+          <a:xfrm>
+            <a:off x="1390327" y="1990636"/>
+            <a:ext cx="960477" cy="800398"/>
+          </a:xfrm>
+          <a:prstGeom prst="rect">
+            <a:avLst/>
+          </a:prstGeom>
+          <a:noFill/>
+          <a:extLst>
+            <a:ext uri="{909E8E84-426E-40DD-AFC4-6F175D3DCCD1}">
+              <a14:hiddenFill xmlns:a14="http://schemas.microsoft.com/office/drawing/2010/main">
+                <a:solidFill>
+                  <a:srgbClr val="FFFFFF"/>
+                </a:solidFill>
+              </a14:hiddenFill>
+            </a:ext>
+          </a:extLst>
+        </p:spPr>
+      </p:pic>
+      <p:pic>
+        <p:nvPicPr>
+          <p:cNvPr id="15" name="Picture 38" descr="C:\Users\p2admin\Documents\website\impressionist\analysis\Curvature\LEE\az379.png"/>
+          <p:cNvPicPr>
+            <a:picLocks noChangeAspect="1" noChangeArrowheads="1"/>
+          </p:cNvPicPr>
+          <p:nvPr/>
+        </p:nvPicPr>
+        <p:blipFill rotWithShape="1">
+          <a:blip r:embed="rId14" cstate="print">
+            <a:extLst>
+              <a:ext uri="{28A0092B-C50C-407E-A947-70E740481C1C}">
+                <a14:useLocalDpi xmlns:a14="http://schemas.microsoft.com/office/drawing/2010/main" val="0"/>
+              </a:ext>
+            </a:extLst>
+          </a:blip>
+          <a:srcRect l="33854" t="32292" r="30729" b="34375"/>
+          <a:stretch/>
+        </p:blipFill>
+        <p:spPr bwMode="auto">
+          <a:xfrm>
+            <a:off x="2431872" y="2120446"/>
+            <a:ext cx="1088541" cy="768382"/>
+          </a:xfrm>
+          <a:prstGeom prst="rect">
+            <a:avLst/>
+          </a:prstGeom>
+          <a:noFill/>
+          <a:extLst>
+            <a:ext uri="{909E8E84-426E-40DD-AFC4-6F175D3DCCD1}">
+              <a14:hiddenFill xmlns:a14="http://schemas.microsoft.com/office/drawing/2010/main">
+                <a:solidFill>
+                  <a:srgbClr val="FFFFFF"/>
+                </a:solidFill>
+              </a14:hiddenFill>
+            </a:ext>
+          </a:extLst>
+        </p:spPr>
+      </p:pic>
+      <p:pic>
+        <p:nvPicPr>
+          <p:cNvPr id="16" name="Picture 39" descr="C:\Users\p2admin\Documents\website\impressionist\analysis\Curvature\LEE\az381.png"/>
+          <p:cNvPicPr>
+            <a:picLocks noChangeAspect="1" noChangeArrowheads="1"/>
+          </p:cNvPicPr>
+          <p:nvPr/>
+        </p:nvPicPr>
+        <p:blipFill rotWithShape="1">
+          <a:blip r:embed="rId15" cstate="print">
+            <a:extLst>
+              <a:ext uri="{28A0092B-C50C-407E-A947-70E740481C1C}">
+                <a14:useLocalDpi xmlns:a14="http://schemas.microsoft.com/office/drawing/2010/main" val="0"/>
+              </a:ext>
+            </a:extLst>
+          </a:blip>
+          <a:srcRect l="32813" t="30903" r="29687" b="34375"/>
+          <a:stretch/>
+        </p:blipFill>
+        <p:spPr bwMode="auto">
+          <a:xfrm>
+            <a:off x="3594401" y="2035736"/>
+            <a:ext cx="1152573" cy="800398"/>
+          </a:xfrm>
+          <a:prstGeom prst="rect">
+            <a:avLst/>
+          </a:prstGeom>
+          <a:noFill/>
+          <a:extLst>
+            <a:ext uri="{909E8E84-426E-40DD-AFC4-6F175D3DCCD1}">
+              <a14:hiddenFill xmlns:a14="http://schemas.microsoft.com/office/drawing/2010/main">
+                <a:solidFill>
+                  <a:srgbClr val="FFFFFF"/>
+                </a:solidFill>
+              </a14:hiddenFill>
+            </a:ext>
+          </a:extLst>
+        </p:spPr>
+      </p:pic>
+      <p:pic>
+        <p:nvPicPr>
+          <p:cNvPr id="17" name="Picture 40" descr="C:\Users\p2admin\Documents\website\impressionist\analysis\Curvature\LEE\az382.png"/>
+          <p:cNvPicPr>
+            <a:picLocks noChangeAspect="1" noChangeArrowheads="1"/>
+          </p:cNvPicPr>
+          <p:nvPr/>
+        </p:nvPicPr>
+        <p:blipFill rotWithShape="1">
+          <a:blip r:embed="rId16" cstate="print">
+            <a:extLst>
+              <a:ext uri="{28A0092B-C50C-407E-A947-70E740481C1C}">
+                <a14:useLocalDpi xmlns:a14="http://schemas.microsoft.com/office/drawing/2010/main" val="0"/>
+              </a:ext>
+            </a:extLst>
+          </a:blip>
+          <a:srcRect l="39063" t="28125" r="35938" b="32986"/>
+          <a:stretch/>
+        </p:blipFill>
+        <p:spPr bwMode="auto">
+          <a:xfrm rot="16200000">
+            <a:off x="4943296" y="1996948"/>
+            <a:ext cx="768382" cy="896446"/>
+          </a:xfrm>
+          <a:prstGeom prst="rect">
+            <a:avLst/>
+          </a:prstGeom>
+          <a:noFill/>
+          <a:extLst>
+            <a:ext uri="{909E8E84-426E-40DD-AFC4-6F175D3DCCD1}">
+              <a14:hiddenFill xmlns:a14="http://schemas.microsoft.com/office/drawing/2010/main">
+                <a:solidFill>
+                  <a:srgbClr val="FFFFFF"/>
+                </a:solidFill>
+              </a14:hiddenFill>
+            </a:ext>
+          </a:extLst>
+        </p:spPr>
+      </p:pic>
+      <p:pic>
+        <p:nvPicPr>
+          <p:cNvPr id="18" name="Picture 41" descr="C:\Users\p2admin\Documents\website\impressionist\analysis\Curvature\LEE\az383.png"/>
+          <p:cNvPicPr>
+            <a:picLocks noChangeAspect="1" noChangeArrowheads="1"/>
+          </p:cNvPicPr>
+          <p:nvPr/>
+        </p:nvPicPr>
+        <p:blipFill rotWithShape="1">
+          <a:blip r:embed="rId17" cstate="print">
+            <a:extLst>
+              <a:ext uri="{28A0092B-C50C-407E-A947-70E740481C1C}">
+                <a14:useLocalDpi xmlns:a14="http://schemas.microsoft.com/office/drawing/2010/main" val="0"/>
+              </a:ext>
+            </a:extLst>
+          </a:blip>
+          <a:srcRect l="42187" t="26736" r="39063" b="31597"/>
+          <a:stretch/>
+        </p:blipFill>
+        <p:spPr bwMode="auto">
+          <a:xfrm rot="5400000">
+            <a:off x="6265056" y="1975746"/>
+            <a:ext cx="576287" cy="960478"/>
+          </a:xfrm>
+          <a:prstGeom prst="rect">
+            <a:avLst/>
+          </a:prstGeom>
+          <a:noFill/>
+          <a:extLst>
+            <a:ext uri="{909E8E84-426E-40DD-AFC4-6F175D3DCCD1}">
+              <a14:hiddenFill xmlns:a14="http://schemas.microsoft.com/office/drawing/2010/main">
+                <a:solidFill>
+                  <a:srgbClr val="FFFFFF"/>
+                </a:solidFill>
+              </a14:hiddenFill>
+            </a:ext>
+          </a:extLst>
+        </p:spPr>
+      </p:pic>
+      <p:pic>
+        <p:nvPicPr>
+          <p:cNvPr id="19" name="Picture 42" descr="C:\Users\p2admin\Documents\website\impressionist\analysis\Curvature\LEE\az384.png"/>
+          <p:cNvPicPr>
+            <a:picLocks noChangeAspect="1" noChangeArrowheads="1"/>
+          </p:cNvPicPr>
+          <p:nvPr/>
+        </p:nvPicPr>
+        <p:blipFill rotWithShape="1">
+          <a:blip r:embed="rId18" cstate="print">
+            <a:extLst>
+              <a:ext uri="{28A0092B-C50C-407E-A947-70E740481C1C}">
+                <a14:useLocalDpi xmlns:a14="http://schemas.microsoft.com/office/drawing/2010/main" val="0"/>
+              </a:ext>
+            </a:extLst>
+          </a:blip>
+          <a:srcRect l="42187" t="28125" r="38021" b="31597"/>
+          <a:stretch/>
+        </p:blipFill>
+        <p:spPr bwMode="auto">
+          <a:xfrm rot="16200000">
+            <a:off x="7584993" y="2005296"/>
+            <a:ext cx="608302" cy="928461"/>
+          </a:xfrm>
+          <a:prstGeom prst="rect">
+            <a:avLst/>
+          </a:prstGeom>
+          <a:noFill/>
+          <a:extLst>
+            <a:ext uri="{909E8E84-426E-40DD-AFC4-6F175D3DCCD1}">
+              <a14:hiddenFill xmlns:a14="http://schemas.microsoft.com/office/drawing/2010/main">
+                <a:solidFill>
+                  <a:srgbClr val="FFFFFF"/>
+                </a:solidFill>
+              </a14:hiddenFill>
+            </a:ext>
+          </a:extLst>
+        </p:spPr>
+      </p:pic>
+      <p:pic>
+        <p:nvPicPr>
+          <p:cNvPr id="20" name="Picture 43" descr="C:\Users\p2admin\Documents\website\impressionist\analysis\Curvature\LEE\az386.png"/>
+          <p:cNvPicPr>
+            <a:picLocks noChangeAspect="1" noChangeArrowheads="1"/>
+          </p:cNvPicPr>
+          <p:nvPr/>
+        </p:nvPicPr>
+        <p:blipFill rotWithShape="1">
+          <a:blip r:embed="rId19" cstate="print">
+            <a:extLst>
+              <a:ext uri="{28A0092B-C50C-407E-A947-70E740481C1C}">
+                <a14:useLocalDpi xmlns:a14="http://schemas.microsoft.com/office/drawing/2010/main" val="0"/>
+              </a:ext>
+            </a:extLst>
+          </a:blip>
+          <a:srcRect l="36980" t="26736" r="31770" b="30209"/>
+          <a:stretch/>
+        </p:blipFill>
+        <p:spPr bwMode="auto">
+          <a:xfrm rot="11700000">
+            <a:off x="1502402" y="3012073"/>
+            <a:ext cx="960477" cy="992493"/>
+          </a:xfrm>
+          <a:prstGeom prst="rect">
+            <a:avLst/>
+          </a:prstGeom>
+          <a:noFill/>
+          <a:extLst>
+            <a:ext uri="{909E8E84-426E-40DD-AFC4-6F175D3DCCD1}">
+              <a14:hiddenFill xmlns:a14="http://schemas.microsoft.com/office/drawing/2010/main">
+                <a:solidFill>
+                  <a:srgbClr val="FFFFFF"/>
+                </a:solidFill>
+              </a14:hiddenFill>
+            </a:ext>
+          </a:extLst>
+        </p:spPr>
+      </p:pic>
+      <p:pic>
+        <p:nvPicPr>
+          <p:cNvPr id="21" name="Picture 44" descr="C:\Users\p2admin\Documents\website\impressionist\analysis\Curvature\LEE\az390.png"/>
+          <p:cNvPicPr>
+            <a:picLocks noChangeAspect="1" noChangeArrowheads="1"/>
+          </p:cNvPicPr>
+          <p:nvPr/>
+        </p:nvPicPr>
+        <p:blipFill rotWithShape="1">
+          <a:blip r:embed="rId20" cstate="print">
+            <a:extLst>
+              <a:ext uri="{28A0092B-C50C-407E-A947-70E740481C1C}">
+                <a14:useLocalDpi xmlns:a14="http://schemas.microsoft.com/office/drawing/2010/main" val="0"/>
+              </a:ext>
+            </a:extLst>
+          </a:blip>
+          <a:srcRect l="42187" t="28125" r="39063" b="30208"/>
+          <a:stretch/>
+        </p:blipFill>
+        <p:spPr bwMode="auto">
+          <a:xfrm>
+            <a:off x="2687998" y="2954255"/>
+            <a:ext cx="576287" cy="960478"/>
+          </a:xfrm>
+          <a:prstGeom prst="rect">
+            <a:avLst/>
+          </a:prstGeom>
+          <a:noFill/>
+          <a:extLst>
+            <a:ext uri="{909E8E84-426E-40DD-AFC4-6F175D3DCCD1}">
+              <a14:hiddenFill xmlns:a14="http://schemas.microsoft.com/office/drawing/2010/main">
+                <a:solidFill>
+                  <a:srgbClr val="FFFFFF"/>
+                </a:solidFill>
+              </a14:hiddenFill>
+            </a:ext>
+          </a:extLst>
+        </p:spPr>
+      </p:pic>
+      <p:pic>
+        <p:nvPicPr>
+          <p:cNvPr id="22" name="Picture 45" descr="C:\Users\p2admin\Documents\website\impressionist\analysis\Curvature\LEE\az391.png"/>
+          <p:cNvPicPr>
+            <a:picLocks noChangeAspect="1" noChangeArrowheads="1"/>
+          </p:cNvPicPr>
+          <p:nvPr/>
+        </p:nvPicPr>
+        <p:blipFill rotWithShape="1">
+          <a:blip r:embed="rId21" cstate="print">
+            <a:extLst>
+              <a:ext uri="{28A0092B-C50C-407E-A947-70E740481C1C}">
+                <a14:useLocalDpi xmlns:a14="http://schemas.microsoft.com/office/drawing/2010/main" val="0"/>
+              </a:ext>
+            </a:extLst>
+          </a:blip>
+          <a:srcRect l="32813" t="33681" r="28645" b="35764"/>
+          <a:stretch/>
+        </p:blipFill>
+        <p:spPr bwMode="auto">
+          <a:xfrm>
+            <a:off x="3533113" y="3210383"/>
+            <a:ext cx="1184589" cy="704350"/>
+          </a:xfrm>
+          <a:prstGeom prst="rect">
+            <a:avLst/>
+          </a:prstGeom>
+          <a:noFill/>
+          <a:extLst>
+            <a:ext uri="{909E8E84-426E-40DD-AFC4-6F175D3DCCD1}">
+              <a14:hiddenFill xmlns:a14="http://schemas.microsoft.com/office/drawing/2010/main">
+                <a:solidFill>
+                  <a:srgbClr val="FFFFFF"/>
+                </a:solidFill>
+              </a14:hiddenFill>
+            </a:ext>
+          </a:extLst>
+        </p:spPr>
+      </p:pic>
+      <p:pic>
+        <p:nvPicPr>
+          <p:cNvPr id="23" name="Picture 46" descr="C:\Users\p2admin\Documents\website\impressionist\analysis\Curvature\LEE\az392.png"/>
+          <p:cNvPicPr>
+            <a:picLocks noChangeAspect="1" noChangeArrowheads="1"/>
+          </p:cNvPicPr>
+          <p:nvPr/>
+        </p:nvPicPr>
+        <p:blipFill rotWithShape="1">
+          <a:blip r:embed="rId22" cstate="print">
+            <a:extLst>
+              <a:ext uri="{28A0092B-C50C-407E-A947-70E740481C1C}">
+                <a14:useLocalDpi xmlns:a14="http://schemas.microsoft.com/office/drawing/2010/main" val="0"/>
+              </a:ext>
+            </a:extLst>
+          </a:blip>
+          <a:srcRect l="33520" t="31771" r="28385" b="36459"/>
+          <a:stretch/>
+        </p:blipFill>
+        <p:spPr bwMode="auto">
+          <a:xfrm>
+            <a:off x="5027664" y="3243517"/>
+            <a:ext cx="1170839" cy="732364"/>
+          </a:xfrm>
+          <a:prstGeom prst="rect">
+            <a:avLst/>
+          </a:prstGeom>
+          <a:noFill/>
+          <a:extLst>
+            <a:ext uri="{909E8E84-426E-40DD-AFC4-6F175D3DCCD1}">
+              <a14:hiddenFill xmlns:a14="http://schemas.microsoft.com/office/drawing/2010/main">
+                <a:solidFill>
+                  <a:srgbClr val="FFFFFF"/>
+                </a:solidFill>
+              </a14:hiddenFill>
+            </a:ext>
+          </a:extLst>
+        </p:spPr>
+      </p:pic>
+      <p:pic>
+        <p:nvPicPr>
+          <p:cNvPr id="24" name="Picture 47" descr="C:\Users\p2admin\Documents\website\impressionist\analysis\Curvature\LEE\az393.png"/>
+          <p:cNvPicPr>
+            <a:picLocks noChangeAspect="1" noChangeArrowheads="1"/>
+          </p:cNvPicPr>
+          <p:nvPr/>
+        </p:nvPicPr>
+        <p:blipFill rotWithShape="1">
+          <a:blip r:embed="rId23" cstate="print">
+            <a:extLst>
+              <a:ext uri="{28A0092B-C50C-407E-A947-70E740481C1C}">
+                <a14:useLocalDpi xmlns:a14="http://schemas.microsoft.com/office/drawing/2010/main" val="0"/>
+              </a:ext>
+            </a:extLst>
+          </a:blip>
+          <a:srcRect l="39844" t="27778" r="34579" b="31250"/>
+          <a:stretch/>
+        </p:blipFill>
+        <p:spPr bwMode="auto">
+          <a:xfrm>
+            <a:off x="6400800" y="2970264"/>
+            <a:ext cx="786134" cy="944469"/>
+          </a:xfrm>
+          <a:prstGeom prst="rect">
+            <a:avLst/>
+          </a:prstGeom>
+          <a:noFill/>
+          <a:extLst>
+            <a:ext uri="{909E8E84-426E-40DD-AFC4-6F175D3DCCD1}">
+              <a14:hiddenFill xmlns:a14="http://schemas.microsoft.com/office/drawing/2010/main">
+                <a:solidFill>
+                  <a:srgbClr val="FFFFFF"/>
+                </a:solidFill>
+              </a14:hiddenFill>
+            </a:ext>
+          </a:extLst>
+        </p:spPr>
+      </p:pic>
+      <p:sp>
+        <p:nvSpPr>
+          <p:cNvPr id="25" name="TextBox 24"/>
+          <p:cNvSpPr txBox="1"/>
+          <p:nvPr/>
+        </p:nvSpPr>
+        <p:spPr>
+          <a:xfrm>
+            <a:off x="11663843" y="2738440"/>
+            <a:ext cx="563181" cy="5632311"/>
+          </a:xfrm>
+          <a:prstGeom prst="rect">
+            <a:avLst/>
+          </a:prstGeom>
+          <a:noFill/>
+        </p:spPr>
+        <p:txBody>
+          <a:bodyPr wrap="square" rtlCol="0">
+            <a:spAutoFit/>
+          </a:bodyPr>
+          <a:lstStyle/>
+          <a:p>
+            <a:r>
+              <a:rPr lang="en-US" sz="7200" dirty="0" smtClean="0"/>
+              <a:t>LEE05</a:t>
+            </a:r>
+            <a:endParaRPr lang="en-US" sz="7200" dirty="0"/>
+          </a:p>
+        </p:txBody>
+      </p:sp>
+    </p:spTree>
+    <p:extLst>
+      <p:ext uri="{BB962C8B-B14F-4D97-AF65-F5344CB8AC3E}">
+        <p14:creationId xmlns:p14="http://schemas.microsoft.com/office/powerpoint/2010/main" val="497498568"/>
+      </p:ext>
+    </p:extLst>
+  </p:cSld>
+  <p:clrMapOvr>
+    <a:masterClrMapping/>
+  </p:clrMapOvr>
+</p:sld>
+</file>
+
+<file path=ppt/slides/slide3.xml><?xml version="1.0" encoding="utf-8"?>
+<p:sld xmlns:a="http://schemas.openxmlformats.org/drawingml/2006/main" xmlns:r="http://schemas.openxmlformats.org/officeDocument/2006/relationships" xmlns:p="http://schemas.openxmlformats.org/presentationml/2006/main">
+  <p:cSld>
+    <p:spTree>
+      <p:nvGrpSpPr>
+        <p:cNvPr id="1" name=""/>
+        <p:cNvGrpSpPr/>
+        <p:nvPr/>
+      </p:nvGrpSpPr>
+      <p:grpSpPr>
+        <a:xfrm>
+          <a:off x="0" y="0"/>
+          <a:ext cx="0" cy="0"/>
+          <a:chOff x="0" y="0"/>
+          <a:chExt cx="0" cy="0"/>
+        </a:xfrm>
+      </p:grpSpPr>
+      <p:sp>
+        <p:nvSpPr>
+          <p:cNvPr id="4" name="TextBox 3"/>
+          <p:cNvSpPr txBox="1"/>
+          <p:nvPr/>
+        </p:nvSpPr>
+        <p:spPr>
+          <a:xfrm flipH="1">
+            <a:off x="9515923" y="914400"/>
+            <a:ext cx="85277" cy="6740307"/>
+          </a:xfrm>
+          <a:prstGeom prst="rect">
+            <a:avLst/>
+          </a:prstGeom>
+          <a:noFill/>
+        </p:spPr>
+        <p:txBody>
+          <a:bodyPr wrap="square" rtlCol="0">
+            <a:spAutoFit/>
+          </a:bodyPr>
+          <a:lstStyle/>
+          <a:p>
+            <a:r>
+              <a:rPr lang="en-US" sz="7200" dirty="0" smtClean="0"/>
+              <a:t>Chen09</a:t>
+            </a:r>
+            <a:endParaRPr lang="en-US" sz="7200" dirty="0"/>
+          </a:p>
+        </p:txBody>
+      </p:sp>
+      <p:pic>
+        <p:nvPicPr>
+          <p:cNvPr id="1072" name="Picture 48"/>
+          <p:cNvPicPr>
+            <a:picLocks noChangeAspect="1" noChangeArrowheads="1"/>
+          </p:cNvPicPr>
+          <p:nvPr/>
+        </p:nvPicPr>
+        <p:blipFill>
+          <a:blip r:embed="rId2" cstate="print">
+            <a:extLst>
+              <a:ext uri="{28A0092B-C50C-407E-A947-70E740481C1C}">
+                <a14:useLocalDpi xmlns:a14="http://schemas.microsoft.com/office/drawing/2010/main" val="0"/>
+              </a:ext>
+            </a:extLst>
+          </a:blip>
+          <a:srcRect/>
+          <a:stretch>
+            <a:fillRect/>
+          </a:stretch>
+        </p:blipFill>
+        <p:spPr bwMode="auto">
+          <a:xfrm flipH="1">
+            <a:off x="5069702" y="2090331"/>
+            <a:ext cx="694092" cy="564747"/>
+          </a:xfrm>
+          <a:prstGeom prst="rect">
+            <a:avLst/>
+          </a:prstGeom>
+          <a:noFill/>
+          <a:ln>
+            <a:noFill/>
+          </a:ln>
+          <a:extLst>
+            <a:ext uri="{909E8E84-426E-40DD-AFC4-6F175D3DCCD1}">
+              <a14:hiddenFill xmlns:a14="http://schemas.microsoft.com/office/drawing/2010/main">
+                <a:solidFill>
+                  <a:schemeClr val="accent1"/>
+                </a:solidFill>
+              </a14:hiddenFill>
+            </a:ext>
+            <a:ext uri="{91240B29-F687-4F45-9708-019B960494DF}">
+              <a14:hiddenLine xmlns:a14="http://schemas.microsoft.com/office/drawing/2010/main" w="9525">
+                <a:solidFill>
+                  <a:schemeClr val="tx1"/>
+                </a:solidFill>
+                <a:miter lim="800000"/>
+                <a:headEnd/>
+                <a:tailEnd/>
+              </a14:hiddenLine>
+            </a:ext>
+          </a:extLst>
+        </p:spPr>
+      </p:pic>
+      <p:pic>
+        <p:nvPicPr>
+          <p:cNvPr id="1073" name="Picture 49"/>
+          <p:cNvPicPr>
+            <a:picLocks noChangeAspect="1" noChangeArrowheads="1"/>
+          </p:cNvPicPr>
+          <p:nvPr/>
+        </p:nvPicPr>
+        <p:blipFill>
+          <a:blip r:embed="rId3" cstate="print">
+            <a:extLst>
+              <a:ext uri="{28A0092B-C50C-407E-A947-70E740481C1C}">
+                <a14:useLocalDpi xmlns:a14="http://schemas.microsoft.com/office/drawing/2010/main" val="0"/>
+              </a:ext>
+            </a:extLst>
+          </a:blip>
+          <a:srcRect/>
+          <a:stretch>
+            <a:fillRect/>
+          </a:stretch>
+        </p:blipFill>
+        <p:spPr bwMode="auto">
+          <a:xfrm flipH="1">
+            <a:off x="6086914" y="2052877"/>
+            <a:ext cx="785317" cy="493572"/>
+          </a:xfrm>
+          <a:prstGeom prst="rect">
+            <a:avLst/>
+          </a:prstGeom>
+          <a:noFill/>
+          <a:ln>
+            <a:noFill/>
+          </a:ln>
+          <a:extLst>
+            <a:ext uri="{909E8E84-426E-40DD-AFC4-6F175D3DCCD1}">
+              <a14:hiddenFill xmlns:a14="http://schemas.microsoft.com/office/drawing/2010/main">
+                <a:solidFill>
+                  <a:schemeClr val="accent1"/>
+                </a:solidFill>
+              </a14:hiddenFill>
+            </a:ext>
+            <a:ext uri="{91240B29-F687-4F45-9708-019B960494DF}">
+              <a14:hiddenLine xmlns:a14="http://schemas.microsoft.com/office/drawing/2010/main" w="9525">
+                <a:solidFill>
+                  <a:schemeClr val="tx1"/>
+                </a:solidFill>
+                <a:miter lim="800000"/>
+                <a:headEnd/>
+                <a:tailEnd/>
+              </a14:hiddenLine>
+            </a:ext>
+          </a:extLst>
+        </p:spPr>
+      </p:pic>
+      <p:pic>
+        <p:nvPicPr>
+          <p:cNvPr id="1074" name="Picture 50"/>
+          <p:cNvPicPr>
+            <a:picLocks noChangeAspect="1" noChangeArrowheads="1"/>
+          </p:cNvPicPr>
+          <p:nvPr/>
+        </p:nvPicPr>
+        <p:blipFill>
+          <a:blip r:embed="rId4" cstate="print">
+            <a:extLst>
+              <a:ext uri="{28A0092B-C50C-407E-A947-70E740481C1C}">
+                <a14:useLocalDpi xmlns:a14="http://schemas.microsoft.com/office/drawing/2010/main" val="0"/>
+              </a:ext>
+            </a:extLst>
+          </a:blip>
+          <a:srcRect/>
+          <a:stretch>
+            <a:fillRect/>
+          </a:stretch>
+        </p:blipFill>
+        <p:spPr bwMode="auto">
+          <a:xfrm flipH="1">
+            <a:off x="6324600" y="4266686"/>
+            <a:ext cx="838199" cy="795893"/>
+          </a:xfrm>
+          <a:prstGeom prst="rect">
+            <a:avLst/>
+          </a:prstGeom>
+          <a:noFill/>
+          <a:ln>
+            <a:noFill/>
+          </a:ln>
+          <a:extLst>
+            <a:ext uri="{909E8E84-426E-40DD-AFC4-6F175D3DCCD1}">
+              <a14:hiddenFill xmlns:a14="http://schemas.microsoft.com/office/drawing/2010/main">
+                <a:solidFill>
+                  <a:schemeClr val="accent1"/>
+                </a:solidFill>
+              </a14:hiddenFill>
+            </a:ext>
+            <a:ext uri="{91240B29-F687-4F45-9708-019B960494DF}">
+              <a14:hiddenLine xmlns:a14="http://schemas.microsoft.com/office/drawing/2010/main" w="9525">
+                <a:solidFill>
+                  <a:schemeClr val="tx1"/>
+                </a:solidFill>
+                <a:miter lim="800000"/>
+                <a:headEnd/>
+                <a:tailEnd/>
+              </a14:hiddenLine>
+            </a:ext>
+          </a:extLst>
+        </p:spPr>
+      </p:pic>
+      <p:pic>
+        <p:nvPicPr>
+          <p:cNvPr id="1075" name="Picture 51"/>
+          <p:cNvPicPr>
+            <a:picLocks noChangeAspect="1" noChangeArrowheads="1"/>
+          </p:cNvPicPr>
+          <p:nvPr/>
+        </p:nvPicPr>
+        <p:blipFill>
+          <a:blip r:embed="rId5" cstate="print">
+            <a:extLst>
+              <a:ext uri="{28A0092B-C50C-407E-A947-70E740481C1C}">
+                <a14:useLocalDpi xmlns:a14="http://schemas.microsoft.com/office/drawing/2010/main" val="0"/>
+              </a:ext>
+            </a:extLst>
+          </a:blip>
+          <a:srcRect/>
+          <a:stretch>
+            <a:fillRect/>
+          </a:stretch>
+        </p:blipFill>
+        <p:spPr bwMode="auto">
+          <a:xfrm flipH="1">
+            <a:off x="3187915" y="3428486"/>
+            <a:ext cx="1044443" cy="634598"/>
+          </a:xfrm>
+          <a:prstGeom prst="rect">
+            <a:avLst/>
+          </a:prstGeom>
+          <a:noFill/>
+          <a:ln>
+            <a:noFill/>
+          </a:ln>
+          <a:extLst>
+            <a:ext uri="{909E8E84-426E-40DD-AFC4-6F175D3DCCD1}">
+              <a14:hiddenFill xmlns:a14="http://schemas.microsoft.com/office/drawing/2010/main">
+                <a:solidFill>
+                  <a:schemeClr val="accent1"/>
+                </a:solidFill>
+              </a14:hiddenFill>
+            </a:ext>
+            <a:ext uri="{91240B29-F687-4F45-9708-019B960494DF}">
+              <a14:hiddenLine xmlns:a14="http://schemas.microsoft.com/office/drawing/2010/main" w="9525">
+                <a:solidFill>
+                  <a:schemeClr val="tx1"/>
+                </a:solidFill>
+                <a:miter lim="800000"/>
+                <a:headEnd/>
+                <a:tailEnd/>
+              </a14:hiddenLine>
+            </a:ext>
+          </a:extLst>
+        </p:spPr>
+      </p:pic>
+      <p:pic>
+        <p:nvPicPr>
+          <p:cNvPr id="1076" name="Picture 52"/>
+          <p:cNvPicPr>
+            <a:picLocks noChangeAspect="1" noChangeArrowheads="1"/>
+          </p:cNvPicPr>
+          <p:nvPr/>
+        </p:nvPicPr>
+        <p:blipFill>
+          <a:blip r:embed="rId6" cstate="print">
+            <a:extLst>
+              <a:ext uri="{28A0092B-C50C-407E-A947-70E740481C1C}">
+                <a14:useLocalDpi xmlns:a14="http://schemas.microsoft.com/office/drawing/2010/main" val="0"/>
+              </a:ext>
+            </a:extLst>
+          </a:blip>
+          <a:srcRect/>
+          <a:stretch>
+            <a:fillRect/>
+          </a:stretch>
+        </p:blipFill>
+        <p:spPr bwMode="auto">
+          <a:xfrm flipH="1">
+            <a:off x="5562600" y="4040250"/>
+            <a:ext cx="624022" cy="830266"/>
+          </a:xfrm>
+          <a:prstGeom prst="rect">
+            <a:avLst/>
+          </a:prstGeom>
+          <a:noFill/>
+          <a:ln>
+            <a:noFill/>
+          </a:ln>
+          <a:extLst>
+            <a:ext uri="{909E8E84-426E-40DD-AFC4-6F175D3DCCD1}">
+              <a14:hiddenFill xmlns:a14="http://schemas.microsoft.com/office/drawing/2010/main">
+                <a:solidFill>
+                  <a:schemeClr val="accent1"/>
+                </a:solidFill>
+              </a14:hiddenFill>
+            </a:ext>
+            <a:ext uri="{91240B29-F687-4F45-9708-019B960494DF}">
+              <a14:hiddenLine xmlns:a14="http://schemas.microsoft.com/office/drawing/2010/main" w="9525">
+                <a:solidFill>
+                  <a:schemeClr val="tx1"/>
+                </a:solidFill>
+                <a:miter lim="800000"/>
+                <a:headEnd/>
+                <a:tailEnd/>
+              </a14:hiddenLine>
+            </a:ext>
+          </a:extLst>
+        </p:spPr>
+      </p:pic>
+      <p:pic>
+        <p:nvPicPr>
+          <p:cNvPr id="1077" name="Picture 53"/>
+          <p:cNvPicPr>
+            <a:picLocks noChangeAspect="1" noChangeArrowheads="1"/>
+          </p:cNvPicPr>
+          <p:nvPr/>
+        </p:nvPicPr>
+        <p:blipFill>
+          <a:blip r:embed="rId7" cstate="print">
+            <a:extLst>
+              <a:ext uri="{28A0092B-C50C-407E-A947-70E740481C1C}">
+                <a14:useLocalDpi xmlns:a14="http://schemas.microsoft.com/office/drawing/2010/main" val="0"/>
+              </a:ext>
+            </a:extLst>
+          </a:blip>
+          <a:srcRect/>
+          <a:stretch>
+            <a:fillRect/>
+          </a:stretch>
+        </p:blipFill>
+        <p:spPr bwMode="auto">
+          <a:xfrm flipH="1">
+            <a:off x="457200" y="2776244"/>
+            <a:ext cx="899014" cy="848775"/>
+          </a:xfrm>
+          <a:prstGeom prst="rect">
+            <a:avLst/>
+          </a:prstGeom>
+          <a:noFill/>
+          <a:ln>
+            <a:noFill/>
+          </a:ln>
+          <a:extLst>
+            <a:ext uri="{909E8E84-426E-40DD-AFC4-6F175D3DCCD1}">
+              <a14:hiddenFill xmlns:a14="http://schemas.microsoft.com/office/drawing/2010/main">
+                <a:solidFill>
+                  <a:schemeClr val="accent1"/>
+                </a:solidFill>
+              </a14:hiddenFill>
+            </a:ext>
+            <a:ext uri="{91240B29-F687-4F45-9708-019B960494DF}">
+              <a14:hiddenLine xmlns:a14="http://schemas.microsoft.com/office/drawing/2010/main" w="9525">
+                <a:solidFill>
+                  <a:schemeClr val="tx1"/>
+                </a:solidFill>
+                <a:miter lim="800000"/>
+                <a:headEnd/>
+                <a:tailEnd/>
+              </a14:hiddenLine>
+            </a:ext>
+          </a:extLst>
+        </p:spPr>
+      </p:pic>
+      <p:pic>
+        <p:nvPicPr>
+          <p:cNvPr id="1078" name="Picture 54"/>
+          <p:cNvPicPr>
+            <a:picLocks noChangeAspect="1" noChangeArrowheads="1"/>
+          </p:cNvPicPr>
+          <p:nvPr/>
+        </p:nvPicPr>
+        <p:blipFill>
+          <a:blip r:embed="rId8" cstate="print">
+            <a:extLst>
+              <a:ext uri="{28A0092B-C50C-407E-A947-70E740481C1C}">
+                <a14:useLocalDpi xmlns:a14="http://schemas.microsoft.com/office/drawing/2010/main" val="0"/>
+              </a:ext>
+            </a:extLst>
+          </a:blip>
+          <a:srcRect/>
+          <a:stretch>
+            <a:fillRect/>
+          </a:stretch>
+        </p:blipFill>
+        <p:spPr bwMode="auto">
+          <a:xfrm flipH="1">
+            <a:off x="4895849" y="2713759"/>
+            <a:ext cx="520899" cy="803824"/>
+          </a:xfrm>
+          <a:prstGeom prst="rect">
+            <a:avLst/>
+          </a:prstGeom>
+          <a:noFill/>
+          <a:ln>
+            <a:noFill/>
+          </a:ln>
+          <a:extLst>
+            <a:ext uri="{909E8E84-426E-40DD-AFC4-6F175D3DCCD1}">
+              <a14:hiddenFill xmlns:a14="http://schemas.microsoft.com/office/drawing/2010/main">
+                <a:solidFill>
+                  <a:schemeClr val="accent1"/>
+                </a:solidFill>
+              </a14:hiddenFill>
+            </a:ext>
+            <a:ext uri="{91240B29-F687-4F45-9708-019B960494DF}">
+              <a14:hiddenLine xmlns:a14="http://schemas.microsoft.com/office/drawing/2010/main" w="9525">
+                <a:solidFill>
+                  <a:schemeClr val="tx1"/>
+                </a:solidFill>
+                <a:miter lim="800000"/>
+                <a:headEnd/>
+                <a:tailEnd/>
+              </a14:hiddenLine>
+            </a:ext>
+          </a:extLst>
+        </p:spPr>
+      </p:pic>
+      <p:pic>
+        <p:nvPicPr>
+          <p:cNvPr id="1079" name="Picture 55"/>
+          <p:cNvPicPr>
+            <a:picLocks noChangeAspect="1" noChangeArrowheads="1"/>
+          </p:cNvPicPr>
+          <p:nvPr/>
+        </p:nvPicPr>
+        <p:blipFill>
+          <a:blip r:embed="rId9" cstate="print">
+            <a:extLst>
+              <a:ext uri="{28A0092B-C50C-407E-A947-70E740481C1C}">
+                <a14:useLocalDpi xmlns:a14="http://schemas.microsoft.com/office/drawing/2010/main" val="0"/>
+              </a:ext>
+            </a:extLst>
+          </a:blip>
+          <a:srcRect/>
+          <a:stretch>
+            <a:fillRect/>
+          </a:stretch>
+        </p:blipFill>
+        <p:spPr bwMode="auto">
+          <a:xfrm flipH="1">
+            <a:off x="3976637" y="1634213"/>
+            <a:ext cx="629311" cy="912236"/>
+          </a:xfrm>
+          <a:prstGeom prst="rect">
+            <a:avLst/>
+          </a:prstGeom>
+          <a:noFill/>
+          <a:ln>
+            <a:noFill/>
+          </a:ln>
+          <a:extLst>
+            <a:ext uri="{909E8E84-426E-40DD-AFC4-6F175D3DCCD1}">
+              <a14:hiddenFill xmlns:a14="http://schemas.microsoft.com/office/drawing/2010/main">
+                <a:solidFill>
+                  <a:schemeClr val="accent1"/>
+                </a:solidFill>
+              </a14:hiddenFill>
+            </a:ext>
+            <a:ext uri="{91240B29-F687-4F45-9708-019B960494DF}">
+              <a14:hiddenLine xmlns:a14="http://schemas.microsoft.com/office/drawing/2010/main" w="9525">
+                <a:solidFill>
+                  <a:schemeClr val="tx1"/>
+                </a:solidFill>
+                <a:miter lim="800000"/>
+                <a:headEnd/>
+                <a:tailEnd/>
+              </a14:hiddenLine>
+            </a:ext>
+          </a:extLst>
+        </p:spPr>
+      </p:pic>
+      <p:pic>
+        <p:nvPicPr>
+          <p:cNvPr id="1080" name="Picture 56"/>
+          <p:cNvPicPr>
+            <a:picLocks noChangeAspect="1" noChangeArrowheads="1"/>
+          </p:cNvPicPr>
+          <p:nvPr/>
+        </p:nvPicPr>
+        <p:blipFill>
+          <a:blip r:embed="rId10" cstate="print">
+            <a:extLst>
+              <a:ext uri="{28A0092B-C50C-407E-A947-70E740481C1C}">
+                <a14:useLocalDpi xmlns:a14="http://schemas.microsoft.com/office/drawing/2010/main" val="0"/>
+              </a:ext>
+            </a:extLst>
+          </a:blip>
+          <a:srcRect/>
+          <a:stretch>
+            <a:fillRect/>
+          </a:stretch>
+        </p:blipFill>
+        <p:spPr bwMode="auto">
+          <a:xfrm flipH="1">
+            <a:off x="7315200" y="3372959"/>
+            <a:ext cx="676904" cy="745652"/>
+          </a:xfrm>
+          <a:prstGeom prst="rect">
+            <a:avLst/>
+          </a:prstGeom>
+          <a:noFill/>
+          <a:ln>
+            <a:noFill/>
+          </a:ln>
+          <a:extLst>
+            <a:ext uri="{909E8E84-426E-40DD-AFC4-6F175D3DCCD1}">
+              <a14:hiddenFill xmlns:a14="http://schemas.microsoft.com/office/drawing/2010/main">
+                <a:solidFill>
+                  <a:schemeClr val="accent1"/>
+                </a:solidFill>
+              </a14:hiddenFill>
+            </a:ext>
+            <a:ext uri="{91240B29-F687-4F45-9708-019B960494DF}">
+              <a14:hiddenLine xmlns:a14="http://schemas.microsoft.com/office/drawing/2010/main" w="9525">
+                <a:solidFill>
+                  <a:schemeClr val="tx1"/>
+                </a:solidFill>
+                <a:miter lim="800000"/>
+                <a:headEnd/>
+                <a:tailEnd/>
+              </a14:hiddenLine>
+            </a:ext>
+          </a:extLst>
+        </p:spPr>
+      </p:pic>
+      <p:pic>
+        <p:nvPicPr>
+          <p:cNvPr id="1081" name="Picture 57"/>
+          <p:cNvPicPr>
+            <a:picLocks noChangeAspect="1" noChangeArrowheads="1"/>
+          </p:cNvPicPr>
+          <p:nvPr/>
+        </p:nvPicPr>
+        <p:blipFill>
+          <a:blip r:embed="rId11" cstate="print">
+            <a:extLst>
+              <a:ext uri="{28A0092B-C50C-407E-A947-70E740481C1C}">
+                <a14:useLocalDpi xmlns:a14="http://schemas.microsoft.com/office/drawing/2010/main" val="0"/>
+              </a:ext>
+            </a:extLst>
+          </a:blip>
+          <a:srcRect/>
+          <a:stretch>
+            <a:fillRect/>
+          </a:stretch>
+        </p:blipFill>
+        <p:spPr bwMode="auto">
+          <a:xfrm flipH="1">
+            <a:off x="6226765" y="5690231"/>
+            <a:ext cx="1033867" cy="724500"/>
+          </a:xfrm>
+          <a:prstGeom prst="rect">
+            <a:avLst/>
+          </a:prstGeom>
+          <a:noFill/>
+          <a:ln>
+            <a:noFill/>
+          </a:ln>
+          <a:extLst>
+            <a:ext uri="{909E8E84-426E-40DD-AFC4-6F175D3DCCD1}">
+              <a14:hiddenFill xmlns:a14="http://schemas.microsoft.com/office/drawing/2010/main">
+                <a:solidFill>
+                  <a:schemeClr val="accent1"/>
+                </a:solidFill>
+              </a14:hiddenFill>
+            </a:ext>
+            <a:ext uri="{91240B29-F687-4F45-9708-019B960494DF}">
+              <a14:hiddenLine xmlns:a14="http://schemas.microsoft.com/office/drawing/2010/main" w="9525">
+                <a:solidFill>
+                  <a:schemeClr val="tx1"/>
+                </a:solidFill>
+                <a:miter lim="800000"/>
+                <a:headEnd/>
+                <a:tailEnd/>
+              </a14:hiddenLine>
+            </a:ext>
+          </a:extLst>
+        </p:spPr>
+      </p:pic>
+      <p:pic>
+        <p:nvPicPr>
+          <p:cNvPr id="1082" name="Picture 58"/>
+          <p:cNvPicPr>
+            <a:picLocks noChangeAspect="1" noChangeArrowheads="1"/>
+          </p:cNvPicPr>
+          <p:nvPr/>
+        </p:nvPicPr>
+        <p:blipFill>
+          <a:blip r:embed="rId12" cstate="print">
+            <a:extLst>
+              <a:ext uri="{28A0092B-C50C-407E-A947-70E740481C1C}">
+                <a14:useLocalDpi xmlns:a14="http://schemas.microsoft.com/office/drawing/2010/main" val="0"/>
+              </a:ext>
+            </a:extLst>
+          </a:blip>
+          <a:srcRect/>
+          <a:stretch>
+            <a:fillRect/>
+          </a:stretch>
+        </p:blipFill>
+        <p:spPr bwMode="auto">
+          <a:xfrm flipH="1">
+            <a:off x="3714568" y="5064408"/>
+            <a:ext cx="1012714" cy="631955"/>
+          </a:xfrm>
+          <a:prstGeom prst="rect">
+            <a:avLst/>
+          </a:prstGeom>
+          <a:noFill/>
+          <a:ln>
+            <a:noFill/>
+          </a:ln>
+          <a:extLst>
+            <a:ext uri="{909E8E84-426E-40DD-AFC4-6F175D3DCCD1}">
+              <a14:hiddenFill xmlns:a14="http://schemas.microsoft.com/office/drawing/2010/main">
+                <a:solidFill>
+                  <a:schemeClr val="accent1"/>
+                </a:solidFill>
+              </a14:hiddenFill>
+            </a:ext>
+            <a:ext uri="{91240B29-F687-4F45-9708-019B960494DF}">
+              <a14:hiddenLine xmlns:a14="http://schemas.microsoft.com/office/drawing/2010/main" w="9525">
+                <a:solidFill>
+                  <a:schemeClr val="tx1"/>
+                </a:solidFill>
+                <a:miter lim="800000"/>
+                <a:headEnd/>
+                <a:tailEnd/>
+              </a14:hiddenLine>
+            </a:ext>
+          </a:extLst>
+        </p:spPr>
+      </p:pic>
+      <p:pic>
+        <p:nvPicPr>
+          <p:cNvPr id="1083" name="Picture 59"/>
+          <p:cNvPicPr>
+            <a:picLocks noChangeAspect="1" noChangeArrowheads="1"/>
+          </p:cNvPicPr>
+          <p:nvPr/>
+        </p:nvPicPr>
+        <p:blipFill>
+          <a:blip r:embed="rId13" cstate="print">
+            <a:extLst>
+              <a:ext uri="{28A0092B-C50C-407E-A947-70E740481C1C}">
+                <a14:useLocalDpi xmlns:a14="http://schemas.microsoft.com/office/drawing/2010/main" val="0"/>
+              </a:ext>
+            </a:extLst>
+          </a:blip>
+          <a:srcRect/>
+          <a:stretch>
+            <a:fillRect/>
+          </a:stretch>
+        </p:blipFill>
+        <p:spPr bwMode="auto">
+          <a:xfrm flipH="1">
+            <a:off x="1692192" y="4803003"/>
+            <a:ext cx="885794" cy="716568"/>
+          </a:xfrm>
+          <a:prstGeom prst="rect">
+            <a:avLst/>
+          </a:prstGeom>
+          <a:noFill/>
+          <a:ln>
+            <a:noFill/>
+          </a:ln>
+          <a:extLst>
+            <a:ext uri="{909E8E84-426E-40DD-AFC4-6F175D3DCCD1}">
+              <a14:hiddenFill xmlns:a14="http://schemas.microsoft.com/office/drawing/2010/main">
+                <a:solidFill>
+                  <a:schemeClr val="accent1"/>
+                </a:solidFill>
+              </a14:hiddenFill>
+            </a:ext>
+            <a:ext uri="{91240B29-F687-4F45-9708-019B960494DF}">
+              <a14:hiddenLine xmlns:a14="http://schemas.microsoft.com/office/drawing/2010/main" w="9525">
+                <a:solidFill>
+                  <a:schemeClr val="tx1"/>
+                </a:solidFill>
+                <a:miter lim="800000"/>
+                <a:headEnd/>
+                <a:tailEnd/>
+              </a14:hiddenLine>
+            </a:ext>
+          </a:extLst>
+        </p:spPr>
+      </p:pic>
+      <p:pic>
+        <p:nvPicPr>
+          <p:cNvPr id="1084" name="Picture 60"/>
+          <p:cNvPicPr>
+            <a:picLocks noChangeAspect="1" noChangeArrowheads="1"/>
+          </p:cNvPicPr>
+          <p:nvPr/>
+        </p:nvPicPr>
+        <p:blipFill>
+          <a:blip r:embed="rId14" cstate="print">
+            <a:extLst>
+              <a:ext uri="{28A0092B-C50C-407E-A947-70E740481C1C}">
+                <a14:useLocalDpi xmlns:a14="http://schemas.microsoft.com/office/drawing/2010/main" val="0"/>
+              </a:ext>
+            </a:extLst>
+          </a:blip>
+          <a:srcRect/>
+          <a:stretch>
+            <a:fillRect/>
+          </a:stretch>
+        </p:blipFill>
+        <p:spPr bwMode="auto">
+          <a:xfrm flipH="1">
+            <a:off x="5100626" y="3465121"/>
+            <a:ext cx="787960" cy="721856"/>
+          </a:xfrm>
+          <a:prstGeom prst="rect">
+            <a:avLst/>
+          </a:prstGeom>
+          <a:noFill/>
+          <a:ln>
+            <a:noFill/>
+          </a:ln>
+          <a:extLst>
+            <a:ext uri="{909E8E84-426E-40DD-AFC4-6F175D3DCCD1}">
+              <a14:hiddenFill xmlns:a14="http://schemas.microsoft.com/office/drawing/2010/main">
+                <a:solidFill>
+                  <a:schemeClr val="accent1"/>
+                </a:solidFill>
+              </a14:hiddenFill>
+            </a:ext>
+            <a:ext uri="{91240B29-F687-4F45-9708-019B960494DF}">
+              <a14:hiddenLine xmlns:a14="http://schemas.microsoft.com/office/drawing/2010/main" w="9525">
+                <a:solidFill>
+                  <a:schemeClr val="tx1"/>
+                </a:solidFill>
+                <a:miter lim="800000"/>
+                <a:headEnd/>
+                <a:tailEnd/>
+              </a14:hiddenLine>
+            </a:ext>
+          </a:extLst>
+        </p:spPr>
+      </p:pic>
+      <p:pic>
+        <p:nvPicPr>
+          <p:cNvPr id="1085" name="Picture 61"/>
+          <p:cNvPicPr>
+            <a:picLocks noChangeAspect="1" noChangeArrowheads="1"/>
+          </p:cNvPicPr>
+          <p:nvPr/>
+        </p:nvPicPr>
+        <p:blipFill>
+          <a:blip r:embed="rId15" cstate="print">
+            <a:extLst>
+              <a:ext uri="{28A0092B-C50C-407E-A947-70E740481C1C}">
+                <a14:useLocalDpi xmlns:a14="http://schemas.microsoft.com/office/drawing/2010/main" val="0"/>
+              </a:ext>
+            </a:extLst>
+          </a:blip>
+          <a:srcRect/>
+          <a:stretch>
+            <a:fillRect/>
+          </a:stretch>
+        </p:blipFill>
+        <p:spPr bwMode="auto">
+          <a:xfrm flipH="1">
+            <a:off x="1533373" y="2941049"/>
+            <a:ext cx="780027" cy="713923"/>
+          </a:xfrm>
+          <a:prstGeom prst="rect">
+            <a:avLst/>
+          </a:prstGeom>
+          <a:noFill/>
+          <a:ln>
+            <a:noFill/>
+          </a:ln>
+          <a:extLst>
+            <a:ext uri="{909E8E84-426E-40DD-AFC4-6F175D3DCCD1}">
+              <a14:hiddenFill xmlns:a14="http://schemas.microsoft.com/office/drawing/2010/main">
+                <a:solidFill>
+                  <a:schemeClr val="accent1"/>
+                </a:solidFill>
+              </a14:hiddenFill>
+            </a:ext>
+            <a:ext uri="{91240B29-F687-4F45-9708-019B960494DF}">
+              <a14:hiddenLine xmlns:a14="http://schemas.microsoft.com/office/drawing/2010/main" w="9525">
+                <a:solidFill>
+                  <a:schemeClr val="tx1"/>
+                </a:solidFill>
+                <a:miter lim="800000"/>
+                <a:headEnd/>
+                <a:tailEnd/>
+              </a14:hiddenLine>
+            </a:ext>
+          </a:extLst>
+        </p:spPr>
+      </p:pic>
+      <p:pic>
+        <p:nvPicPr>
+          <p:cNvPr id="1086" name="Picture 62"/>
+          <p:cNvPicPr>
+            <a:picLocks noChangeAspect="1" noChangeArrowheads="1"/>
+          </p:cNvPicPr>
+          <p:nvPr/>
+        </p:nvPicPr>
+        <p:blipFill>
+          <a:blip r:embed="rId16" cstate="print">
+            <a:extLst>
+              <a:ext uri="{28A0092B-C50C-407E-A947-70E740481C1C}">
+                <a14:useLocalDpi xmlns:a14="http://schemas.microsoft.com/office/drawing/2010/main" val="0"/>
+              </a:ext>
+            </a:extLst>
+          </a:blip>
+          <a:srcRect/>
+          <a:stretch>
+            <a:fillRect/>
+          </a:stretch>
+        </p:blipFill>
+        <p:spPr bwMode="auto">
+          <a:xfrm flipH="1">
+            <a:off x="6096000" y="2892588"/>
+            <a:ext cx="891081" cy="616089"/>
+          </a:xfrm>
+          <a:prstGeom prst="rect">
+            <a:avLst/>
+          </a:prstGeom>
+          <a:noFill/>
+          <a:ln>
+            <a:noFill/>
+          </a:ln>
+          <a:extLst>
+            <a:ext uri="{909E8E84-426E-40DD-AFC4-6F175D3DCCD1}">
+              <a14:hiddenFill xmlns:a14="http://schemas.microsoft.com/office/drawing/2010/main">
+                <a:solidFill>
+                  <a:schemeClr val="accent1"/>
+                </a:solidFill>
+              </a14:hiddenFill>
+            </a:ext>
+            <a:ext uri="{91240B29-F687-4F45-9708-019B960494DF}">
+              <a14:hiddenLine xmlns:a14="http://schemas.microsoft.com/office/drawing/2010/main" w="9525">
+                <a:solidFill>
+                  <a:schemeClr val="tx1"/>
+                </a:solidFill>
+                <a:miter lim="800000"/>
+                <a:headEnd/>
+                <a:tailEnd/>
+              </a14:hiddenLine>
+            </a:ext>
+          </a:extLst>
+        </p:spPr>
+      </p:pic>
+      <p:pic>
+        <p:nvPicPr>
+          <p:cNvPr id="1087" name="Picture 63"/>
+          <p:cNvPicPr>
+            <a:picLocks noChangeAspect="1" noChangeArrowheads="1"/>
+          </p:cNvPicPr>
+          <p:nvPr/>
+        </p:nvPicPr>
+        <p:blipFill>
+          <a:blip r:embed="rId17" cstate="print">
+            <a:extLst>
+              <a:ext uri="{28A0092B-C50C-407E-A947-70E740481C1C}">
+                <a14:useLocalDpi xmlns:a14="http://schemas.microsoft.com/office/drawing/2010/main" val="0"/>
+              </a:ext>
+            </a:extLst>
+          </a:blip>
+          <a:srcRect/>
+          <a:stretch>
+            <a:fillRect/>
+          </a:stretch>
+        </p:blipFill>
+        <p:spPr bwMode="auto">
+          <a:xfrm flipH="1">
+            <a:off x="1670117" y="1447800"/>
+            <a:ext cx="777384" cy="1285063"/>
+          </a:xfrm>
+          <a:prstGeom prst="rect">
+            <a:avLst/>
+          </a:prstGeom>
+          <a:noFill/>
+          <a:ln>
+            <a:noFill/>
+          </a:ln>
+          <a:extLst>
+            <a:ext uri="{909E8E84-426E-40DD-AFC4-6F175D3DCCD1}">
+              <a14:hiddenFill xmlns:a14="http://schemas.microsoft.com/office/drawing/2010/main">
+                <a:solidFill>
+                  <a:schemeClr val="accent1"/>
+                </a:solidFill>
+              </a14:hiddenFill>
+            </a:ext>
+            <a:ext uri="{91240B29-F687-4F45-9708-019B960494DF}">
+              <a14:hiddenLine xmlns:a14="http://schemas.microsoft.com/office/drawing/2010/main" w="9525">
+                <a:solidFill>
+                  <a:schemeClr val="tx1"/>
+                </a:solidFill>
+                <a:miter lim="800000"/>
+                <a:headEnd/>
+                <a:tailEnd/>
+              </a14:hiddenLine>
+            </a:ext>
+          </a:extLst>
+        </p:spPr>
+      </p:pic>
+      <p:pic>
+        <p:nvPicPr>
+          <p:cNvPr id="1088" name="Picture 64"/>
+          <p:cNvPicPr>
+            <a:picLocks noChangeAspect="1" noChangeArrowheads="1"/>
+          </p:cNvPicPr>
+          <p:nvPr/>
+        </p:nvPicPr>
+        <p:blipFill>
+          <a:blip r:embed="rId18" cstate="print">
+            <a:extLst>
+              <a:ext uri="{28A0092B-C50C-407E-A947-70E740481C1C}">
+                <a14:useLocalDpi xmlns:a14="http://schemas.microsoft.com/office/drawing/2010/main" val="0"/>
+              </a:ext>
+            </a:extLst>
+          </a:blip>
+          <a:srcRect/>
+          <a:stretch>
+            <a:fillRect/>
+          </a:stretch>
+        </p:blipFill>
+        <p:spPr bwMode="auto">
+          <a:xfrm flipH="1">
+            <a:off x="2779392" y="1871726"/>
+            <a:ext cx="817046" cy="801180"/>
+          </a:xfrm>
+          <a:prstGeom prst="rect">
+            <a:avLst/>
+          </a:prstGeom>
+          <a:noFill/>
+          <a:ln>
+            <a:noFill/>
+          </a:ln>
+          <a:extLst>
+            <a:ext uri="{909E8E84-426E-40DD-AFC4-6F175D3DCCD1}">
+              <a14:hiddenFill xmlns:a14="http://schemas.microsoft.com/office/drawing/2010/main">
+                <a:solidFill>
+                  <a:schemeClr val="accent1"/>
+                </a:solidFill>
+              </a14:hiddenFill>
+            </a:ext>
+            <a:ext uri="{91240B29-F687-4F45-9708-019B960494DF}">
+              <a14:hiddenLine xmlns:a14="http://schemas.microsoft.com/office/drawing/2010/main" w="9525">
+                <a:solidFill>
+                  <a:schemeClr val="tx1"/>
+                </a:solidFill>
+                <a:miter lim="800000"/>
+                <a:headEnd/>
+                <a:tailEnd/>
+              </a14:hiddenLine>
+            </a:ext>
+          </a:extLst>
+        </p:spPr>
+      </p:pic>
+      <p:pic>
+        <p:nvPicPr>
+          <p:cNvPr id="1089" name="Picture 65"/>
+          <p:cNvPicPr>
+            <a:picLocks noChangeAspect="1" noChangeArrowheads="1"/>
+          </p:cNvPicPr>
+          <p:nvPr/>
+        </p:nvPicPr>
+        <p:blipFill>
+          <a:blip r:embed="rId19" cstate="print">
+            <a:extLst>
+              <a:ext uri="{28A0092B-C50C-407E-A947-70E740481C1C}">
+                <a14:useLocalDpi xmlns:a14="http://schemas.microsoft.com/office/drawing/2010/main" val="0"/>
+              </a:ext>
+            </a:extLst>
+          </a:blip>
+          <a:srcRect/>
+          <a:stretch>
+            <a:fillRect/>
+          </a:stretch>
+        </p:blipFill>
+        <p:spPr bwMode="auto">
+          <a:xfrm flipH="1">
+            <a:off x="4126862" y="3911941"/>
+            <a:ext cx="624022" cy="901658"/>
+          </a:xfrm>
+          <a:prstGeom prst="rect">
+            <a:avLst/>
+          </a:prstGeom>
+          <a:noFill/>
+          <a:ln>
+            <a:noFill/>
+          </a:ln>
+          <a:extLst>
+            <a:ext uri="{909E8E84-426E-40DD-AFC4-6F175D3DCCD1}">
+              <a14:hiddenFill xmlns:a14="http://schemas.microsoft.com/office/drawing/2010/main">
+                <a:solidFill>
+                  <a:schemeClr val="accent1"/>
+                </a:solidFill>
+              </a14:hiddenFill>
+            </a:ext>
+            <a:ext uri="{91240B29-F687-4F45-9708-019B960494DF}">
+              <a14:hiddenLine xmlns:a14="http://schemas.microsoft.com/office/drawing/2010/main" w="9525">
+                <a:solidFill>
+                  <a:schemeClr val="tx1"/>
+                </a:solidFill>
+                <a:miter lim="800000"/>
+                <a:headEnd/>
+                <a:tailEnd/>
+              </a14:hiddenLine>
+            </a:ext>
+          </a:extLst>
+        </p:spPr>
+      </p:pic>
+      <p:pic>
+        <p:nvPicPr>
+          <p:cNvPr id="1090" name="Picture 66"/>
+          <p:cNvPicPr>
+            <a:picLocks noChangeAspect="1" noChangeArrowheads="1"/>
+          </p:cNvPicPr>
+          <p:nvPr/>
+        </p:nvPicPr>
+        <p:blipFill>
+          <a:blip r:embed="rId20" cstate="print">
+            <a:extLst>
+              <a:ext uri="{28A0092B-C50C-407E-A947-70E740481C1C}">
+                <a14:useLocalDpi xmlns:a14="http://schemas.microsoft.com/office/drawing/2010/main" val="0"/>
+              </a:ext>
+            </a:extLst>
+          </a:blip>
+          <a:srcRect/>
+          <a:stretch>
+            <a:fillRect/>
+          </a:stretch>
+        </p:blipFill>
+        <p:spPr bwMode="auto">
+          <a:xfrm flipH="1">
+            <a:off x="457200" y="3922518"/>
+            <a:ext cx="1076173" cy="880505"/>
+          </a:xfrm>
+          <a:prstGeom prst="rect">
+            <a:avLst/>
+          </a:prstGeom>
+          <a:noFill/>
+          <a:ln>
+            <a:noFill/>
+          </a:ln>
+          <a:extLst>
+            <a:ext uri="{909E8E84-426E-40DD-AFC4-6F175D3DCCD1}">
+              <a14:hiddenFill xmlns:a14="http://schemas.microsoft.com/office/drawing/2010/main">
+                <a:solidFill>
+                  <a:schemeClr val="accent1"/>
+                </a:solidFill>
+              </a14:hiddenFill>
+            </a:ext>
+            <a:ext uri="{91240B29-F687-4F45-9708-019B960494DF}">
+              <a14:hiddenLine xmlns:a14="http://schemas.microsoft.com/office/drawing/2010/main" w="9525">
+                <a:solidFill>
+                  <a:schemeClr val="tx1"/>
+                </a:solidFill>
+                <a:miter lim="800000"/>
+                <a:headEnd/>
+                <a:tailEnd/>
+              </a14:hiddenLine>
+            </a:ext>
+          </a:extLst>
+        </p:spPr>
+      </p:pic>
+      <p:pic>
+        <p:nvPicPr>
+          <p:cNvPr id="1091" name="Picture 67"/>
+          <p:cNvPicPr>
+            <a:picLocks noChangeAspect="1" noChangeArrowheads="1"/>
+          </p:cNvPicPr>
+          <p:nvPr/>
+        </p:nvPicPr>
+        <p:blipFill>
+          <a:blip r:embed="rId21" cstate="print">
+            <a:extLst>
+              <a:ext uri="{28A0092B-C50C-407E-A947-70E740481C1C}">
+                <a14:useLocalDpi xmlns:a14="http://schemas.microsoft.com/office/drawing/2010/main" val="0"/>
+              </a:ext>
+            </a:extLst>
+          </a:blip>
+          <a:srcRect/>
+          <a:stretch>
+            <a:fillRect/>
+          </a:stretch>
+        </p:blipFill>
+        <p:spPr bwMode="auto">
+          <a:xfrm flipH="1">
+            <a:off x="1676400" y="3813213"/>
+            <a:ext cx="838199" cy="851419"/>
+          </a:xfrm>
+          <a:prstGeom prst="rect">
+            <a:avLst/>
+          </a:prstGeom>
+          <a:noFill/>
+          <a:ln>
+            <a:noFill/>
+          </a:ln>
+          <a:extLst>
+            <a:ext uri="{909E8E84-426E-40DD-AFC4-6F175D3DCCD1}">
+              <a14:hiddenFill xmlns:a14="http://schemas.microsoft.com/office/drawing/2010/main">
+                <a:solidFill>
+                  <a:schemeClr val="accent1"/>
+                </a:solidFill>
+              </a14:hiddenFill>
+            </a:ext>
+            <a:ext uri="{91240B29-F687-4F45-9708-019B960494DF}">
+              <a14:hiddenLine xmlns:a14="http://schemas.microsoft.com/office/drawing/2010/main" w="9525">
+                <a:solidFill>
+                  <a:schemeClr val="tx1"/>
+                </a:solidFill>
+                <a:miter lim="800000"/>
+                <a:headEnd/>
+                <a:tailEnd/>
+              </a14:hiddenLine>
+            </a:ext>
+          </a:extLst>
+        </p:spPr>
+      </p:pic>
+      <p:pic>
+        <p:nvPicPr>
+          <p:cNvPr id="1092" name="Picture 68"/>
+          <p:cNvPicPr>
+            <a:picLocks noChangeAspect="1" noChangeArrowheads="1"/>
+          </p:cNvPicPr>
+          <p:nvPr/>
+        </p:nvPicPr>
+        <p:blipFill>
+          <a:blip r:embed="rId22" cstate="print">
+            <a:extLst>
+              <a:ext uri="{28A0092B-C50C-407E-A947-70E740481C1C}">
+                <a14:useLocalDpi xmlns:a14="http://schemas.microsoft.com/office/drawing/2010/main" val="0"/>
+              </a:ext>
+            </a:extLst>
+          </a:blip>
+          <a:srcRect/>
+          <a:stretch>
+            <a:fillRect/>
+          </a:stretch>
+        </p:blipFill>
+        <p:spPr bwMode="auto">
+          <a:xfrm flipH="1">
+            <a:off x="2956551" y="5257800"/>
+            <a:ext cx="753585" cy="523542"/>
+          </a:xfrm>
+          <a:prstGeom prst="rect">
+            <a:avLst/>
+          </a:prstGeom>
+          <a:noFill/>
+          <a:ln>
+            <a:noFill/>
+          </a:ln>
+          <a:extLst>
+            <a:ext uri="{909E8E84-426E-40DD-AFC4-6F175D3DCCD1}">
+              <a14:hiddenFill xmlns:a14="http://schemas.microsoft.com/office/drawing/2010/main">
+                <a:solidFill>
+                  <a:schemeClr val="accent1"/>
+                </a:solidFill>
+              </a14:hiddenFill>
+            </a:ext>
+            <a:ext uri="{91240B29-F687-4F45-9708-019B960494DF}">
+              <a14:hiddenLine xmlns:a14="http://schemas.microsoft.com/office/drawing/2010/main" w="9525">
+                <a:solidFill>
+                  <a:schemeClr val="tx1"/>
+                </a:solidFill>
+                <a:miter lim="800000"/>
+                <a:headEnd/>
+                <a:tailEnd/>
+              </a14:hiddenLine>
+            </a:ext>
+          </a:extLst>
+        </p:spPr>
+      </p:pic>
+      <p:pic>
+        <p:nvPicPr>
+          <p:cNvPr id="1093" name="Picture 69"/>
+          <p:cNvPicPr>
+            <a:picLocks noChangeAspect="1" noChangeArrowheads="1"/>
+          </p:cNvPicPr>
+          <p:nvPr/>
+        </p:nvPicPr>
+        <p:blipFill>
+          <a:blip r:embed="rId23" cstate="print">
+            <a:extLst>
+              <a:ext uri="{28A0092B-C50C-407E-A947-70E740481C1C}">
+                <a14:useLocalDpi xmlns:a14="http://schemas.microsoft.com/office/drawing/2010/main" val="0"/>
+              </a:ext>
+            </a:extLst>
+          </a:blip>
+          <a:srcRect/>
+          <a:stretch>
+            <a:fillRect/>
+          </a:stretch>
+        </p:blipFill>
+        <p:spPr bwMode="auto">
+          <a:xfrm flipH="1">
+            <a:off x="4388830" y="4889051"/>
+            <a:ext cx="899014" cy="801180"/>
+          </a:xfrm>
+          <a:prstGeom prst="rect">
+            <a:avLst/>
+          </a:prstGeom>
+          <a:noFill/>
+          <a:ln>
+            <a:noFill/>
+          </a:ln>
+          <a:extLst>
+            <a:ext uri="{909E8E84-426E-40DD-AFC4-6F175D3DCCD1}">
+              <a14:hiddenFill xmlns:a14="http://schemas.microsoft.com/office/drawing/2010/main">
+                <a:solidFill>
+                  <a:schemeClr val="accent1"/>
+                </a:solidFill>
+              </a14:hiddenFill>
+            </a:ext>
+            <a:ext uri="{91240B29-F687-4F45-9708-019B960494DF}">
+              <a14:hiddenLine xmlns:a14="http://schemas.microsoft.com/office/drawing/2010/main" w="9525">
+                <a:solidFill>
+                  <a:schemeClr val="tx1"/>
+                </a:solidFill>
+                <a:miter lim="800000"/>
+                <a:headEnd/>
+                <a:tailEnd/>
+              </a14:hiddenLine>
+            </a:ext>
+          </a:extLst>
+        </p:spPr>
+      </p:pic>
+      <p:pic>
+        <p:nvPicPr>
+          <p:cNvPr id="1094" name="Picture 70"/>
+          <p:cNvPicPr>
+            <a:picLocks noChangeAspect="1" noChangeArrowheads="1"/>
+          </p:cNvPicPr>
+          <p:nvPr/>
+        </p:nvPicPr>
+        <p:blipFill>
+          <a:blip r:embed="rId24" cstate="print">
+            <a:extLst>
+              <a:ext uri="{28A0092B-C50C-407E-A947-70E740481C1C}">
+                <a14:useLocalDpi xmlns:a14="http://schemas.microsoft.com/office/drawing/2010/main" val="0"/>
+              </a:ext>
+            </a:extLst>
+          </a:blip>
+          <a:srcRect/>
+          <a:stretch>
+            <a:fillRect/>
+          </a:stretch>
+        </p:blipFill>
+        <p:spPr bwMode="auto">
+          <a:xfrm flipH="1">
+            <a:off x="2810799" y="4026679"/>
+            <a:ext cx="613445" cy="814402"/>
+          </a:xfrm>
+          <a:prstGeom prst="rect">
+            <a:avLst/>
+          </a:prstGeom>
+          <a:noFill/>
+          <a:ln>
+            <a:noFill/>
+          </a:ln>
+          <a:extLst>
+            <a:ext uri="{909E8E84-426E-40DD-AFC4-6F175D3DCCD1}">
+              <a14:hiddenFill xmlns:a14="http://schemas.microsoft.com/office/drawing/2010/main">
+                <a:solidFill>
+                  <a:schemeClr val="accent1"/>
+                </a:solidFill>
+              </a14:hiddenFill>
+            </a:ext>
+            <a:ext uri="{91240B29-F687-4F45-9708-019B960494DF}">
+              <a14:hiddenLine xmlns:a14="http://schemas.microsoft.com/office/drawing/2010/main" w="9525">
+                <a:solidFill>
+                  <a:schemeClr val="tx1"/>
+                </a:solidFill>
+                <a:miter lim="800000"/>
+                <a:headEnd/>
+                <a:tailEnd/>
+              </a14:hiddenLine>
+            </a:ext>
+          </a:extLst>
+        </p:spPr>
+      </p:pic>
+    </p:spTree>
+    <p:extLst>
+      <p:ext uri="{BB962C8B-B14F-4D97-AF65-F5344CB8AC3E}">
+        <p14:creationId xmlns:p14="http://schemas.microsoft.com/office/powerpoint/2010/main" val="1236022542"/>
+      </p:ext>
+    </p:extLst>
+  </p:cSld>
+  <p:clrMapOvr>
+    <a:masterClrMapping/>
+  </p:clrMapOvr>
+</p:sld>
+</file>
+
+<file path=ppt/slides/slide4.xml><?xml version="1.0" encoding="utf-8"?>
+<p:sld xmlns:a="http://schemas.openxmlformats.org/drawingml/2006/main" xmlns:r="http://schemas.openxmlformats.org/officeDocument/2006/relationships" xmlns:p="http://schemas.openxmlformats.org/presentationml/2006/main">
+  <p:cSld>
+    <p:spTree>
+      <p:nvGrpSpPr>
+        <p:cNvPr id="1" name=""/>
+        <p:cNvGrpSpPr/>
+        <p:nvPr/>
+      </p:nvGrpSpPr>
+      <p:grpSpPr>
+        <a:xfrm>
+          <a:off x="0" y="0"/>
+          <a:ext cx="0" cy="0"/>
+          <a:chOff x="0" y="0"/>
+          <a:chExt cx="0" cy="0"/>
+        </a:xfrm>
+      </p:grpSpPr>
+      <p:pic>
+        <p:nvPicPr>
+          <p:cNvPr id="4" name="Picture 27" descr="C:\Users\p2admin\Documents\website\impressionist\analysis\Curvature\LEE\az398.png"/>
+          <p:cNvPicPr>
+            <a:picLocks noChangeAspect="1" noChangeArrowheads="1"/>
+          </p:cNvPicPr>
+          <p:nvPr/>
+        </p:nvPicPr>
+        <p:blipFill rotWithShape="1">
+          <a:blip r:embed="rId3" cstate="print">
+            <a:extLst>
+              <a:ext uri="{28A0092B-C50C-407E-A947-70E740481C1C}">
+                <a14:useLocalDpi xmlns:a14="http://schemas.microsoft.com/office/drawing/2010/main" val="0"/>
+              </a:ext>
+            </a:extLst>
+          </a:blip>
+          <a:srcRect l="32813" t="30903" r="29687" b="32986"/>
+          <a:stretch/>
+        </p:blipFill>
+        <p:spPr bwMode="auto">
+          <a:xfrm>
+            <a:off x="495501" y="4049602"/>
+            <a:ext cx="826194" cy="596695"/>
+          </a:xfrm>
+          <a:prstGeom prst="rect">
+            <a:avLst/>
+          </a:prstGeom>
+          <a:noFill/>
+          <a:extLst>
+            <a:ext uri="{909E8E84-426E-40DD-AFC4-6F175D3DCCD1}">
+              <a14:hiddenFill xmlns:a14="http://schemas.microsoft.com/office/drawing/2010/main">
+                <a:solidFill>
+                  <a:srgbClr val="FFFFFF"/>
+                </a:solidFill>
+              </a14:hiddenFill>
+            </a:ext>
+          </a:extLst>
+        </p:spPr>
+      </p:pic>
+      <p:pic>
+        <p:nvPicPr>
+          <p:cNvPr id="5" name="Picture 28" descr="C:\Users\p2admin\Documents\website\impressionist\analysis\Curvature\LEE\az17.png"/>
+          <p:cNvPicPr>
+            <a:picLocks noChangeAspect="1" noChangeArrowheads="1"/>
+          </p:cNvPicPr>
+          <p:nvPr/>
+        </p:nvPicPr>
+        <p:blipFill rotWithShape="1">
+          <a:blip r:embed="rId4" cstate="print">
+            <a:extLst>
+              <a:ext uri="{28A0092B-C50C-407E-A947-70E740481C1C}">
+                <a14:useLocalDpi xmlns:a14="http://schemas.microsoft.com/office/drawing/2010/main" val="0"/>
+              </a:ext>
+            </a:extLst>
+          </a:blip>
+          <a:srcRect l="42187" t="28125" r="38021" b="30208"/>
+          <a:stretch/>
+        </p:blipFill>
+        <p:spPr bwMode="auto">
+          <a:xfrm>
+            <a:off x="5472471" y="3167179"/>
+            <a:ext cx="590777" cy="932804"/>
+          </a:xfrm>
+          <a:prstGeom prst="rect">
+            <a:avLst/>
+          </a:prstGeom>
+          <a:noFill/>
+          <a:extLst>
+            <a:ext uri="{909E8E84-426E-40DD-AFC4-6F175D3DCCD1}">
+              <a14:hiddenFill xmlns:a14="http://schemas.microsoft.com/office/drawing/2010/main">
+                <a:solidFill>
+                  <a:srgbClr val="FFFFFF"/>
+                </a:solidFill>
+              </a14:hiddenFill>
+            </a:ext>
+          </a:extLst>
+        </p:spPr>
+      </p:pic>
+      <p:pic>
+        <p:nvPicPr>
+          <p:cNvPr id="6" name="Picture 29" descr="C:\Users\p2admin\Documents\website\impressionist\analysis\Curvature\LEE\az26.png"/>
+          <p:cNvPicPr>
+            <a:picLocks noChangeAspect="1" noChangeArrowheads="1"/>
+          </p:cNvPicPr>
+          <p:nvPr/>
+        </p:nvPicPr>
+        <p:blipFill rotWithShape="1">
+          <a:blip r:embed="rId5" cstate="print">
+            <a:extLst>
+              <a:ext uri="{28A0092B-C50C-407E-A947-70E740481C1C}">
+                <a14:useLocalDpi xmlns:a14="http://schemas.microsoft.com/office/drawing/2010/main" val="0"/>
+              </a:ext>
+            </a:extLst>
+          </a:blip>
+          <a:srcRect l="36979" t="28125" r="32812" b="32986"/>
+          <a:stretch/>
+        </p:blipFill>
+        <p:spPr bwMode="auto">
+          <a:xfrm>
+            <a:off x="5338907" y="2532022"/>
+            <a:ext cx="528050" cy="509841"/>
+          </a:xfrm>
+          <a:prstGeom prst="rect">
+            <a:avLst/>
+          </a:prstGeom>
+          <a:noFill/>
+          <a:extLst>
+            <a:ext uri="{909E8E84-426E-40DD-AFC4-6F175D3DCCD1}">
+              <a14:hiddenFill xmlns:a14="http://schemas.microsoft.com/office/drawing/2010/main">
+                <a:solidFill>
+                  <a:srgbClr val="FFFFFF"/>
+                </a:solidFill>
+              </a14:hiddenFill>
+            </a:ext>
+          </a:extLst>
+        </p:spPr>
+      </p:pic>
+      <p:pic>
+        <p:nvPicPr>
+          <p:cNvPr id="7" name="Picture 30" descr="C:\Users\p2admin\Documents\website\impressionist\analysis\Curvature\LEE\az57.png"/>
+          <p:cNvPicPr>
+            <a:picLocks noChangeAspect="1" noChangeArrowheads="1"/>
+          </p:cNvPicPr>
+          <p:nvPr/>
+        </p:nvPicPr>
+        <p:blipFill rotWithShape="1">
+          <a:blip r:embed="rId6" cstate="print">
+            <a:extLst>
+              <a:ext uri="{28A0092B-C50C-407E-A947-70E740481C1C}">
+                <a14:useLocalDpi xmlns:a14="http://schemas.microsoft.com/office/drawing/2010/main" val="0"/>
+              </a:ext>
+            </a:extLst>
+          </a:blip>
+          <a:srcRect l="36979" t="32292" r="32812" b="37153"/>
+          <a:stretch/>
+        </p:blipFill>
+        <p:spPr bwMode="auto">
+          <a:xfrm rot="10800000">
+            <a:off x="4438091" y="2647037"/>
+            <a:ext cx="665544" cy="504896"/>
+          </a:xfrm>
+          <a:prstGeom prst="rect">
+            <a:avLst/>
+          </a:prstGeom>
+          <a:noFill/>
+          <a:extLst>
+            <a:ext uri="{909E8E84-426E-40DD-AFC4-6F175D3DCCD1}">
+              <a14:hiddenFill xmlns:a14="http://schemas.microsoft.com/office/drawing/2010/main">
+                <a:solidFill>
+                  <a:srgbClr val="FFFFFF"/>
+                </a:solidFill>
+              </a14:hiddenFill>
+            </a:ext>
+          </a:extLst>
+        </p:spPr>
+      </p:pic>
+      <p:pic>
+        <p:nvPicPr>
+          <p:cNvPr id="8" name="Picture 31" descr="C:\Users\p2admin\Documents\website\impressionist\analysis\Curvature\LEE\az68.png"/>
+          <p:cNvPicPr>
+            <a:picLocks noChangeAspect="1" noChangeArrowheads="1"/>
+          </p:cNvPicPr>
+          <p:nvPr/>
+        </p:nvPicPr>
+        <p:blipFill rotWithShape="1">
+          <a:blip r:embed="rId7" cstate="print">
+            <a:extLst>
+              <a:ext uri="{28A0092B-C50C-407E-A947-70E740481C1C}">
+                <a14:useLocalDpi xmlns:a14="http://schemas.microsoft.com/office/drawing/2010/main" val="0"/>
+              </a:ext>
+            </a:extLst>
+          </a:blip>
+          <a:srcRect l="39062" t="26736" r="34896" b="30209"/>
+          <a:stretch/>
+        </p:blipFill>
+        <p:spPr bwMode="auto">
+          <a:xfrm>
+            <a:off x="3784394" y="2499670"/>
+            <a:ext cx="573746" cy="711444"/>
+          </a:xfrm>
+          <a:prstGeom prst="rect">
+            <a:avLst/>
+          </a:prstGeom>
+          <a:noFill/>
+          <a:extLst>
+            <a:ext uri="{909E8E84-426E-40DD-AFC4-6F175D3DCCD1}">
+              <a14:hiddenFill xmlns:a14="http://schemas.microsoft.com/office/drawing/2010/main">
+                <a:solidFill>
+                  <a:srgbClr val="FFFFFF"/>
+                </a:solidFill>
+              </a14:hiddenFill>
+            </a:ext>
+          </a:extLst>
+        </p:spPr>
+      </p:pic>
+      <p:pic>
+        <p:nvPicPr>
+          <p:cNvPr id="9" name="Picture 32" descr="C:\Users\p2admin\Documents\website\impressionist\analysis\Curvature\LEE\az75.png"/>
+          <p:cNvPicPr>
+            <a:picLocks noChangeAspect="1" noChangeArrowheads="1"/>
+          </p:cNvPicPr>
+          <p:nvPr/>
+        </p:nvPicPr>
+        <p:blipFill rotWithShape="1">
+          <a:blip r:embed="rId8" cstate="print">
+            <a:extLst>
+              <a:ext uri="{28A0092B-C50C-407E-A947-70E740481C1C}">
+                <a14:useLocalDpi xmlns:a14="http://schemas.microsoft.com/office/drawing/2010/main" val="0"/>
+              </a:ext>
+            </a:extLst>
+          </a:blip>
+          <a:srcRect l="35938" t="28125" r="31771" b="31597"/>
+          <a:stretch/>
+        </p:blipFill>
+        <p:spPr bwMode="auto">
+          <a:xfrm>
+            <a:off x="2912370" y="2509071"/>
+            <a:ext cx="711445" cy="665545"/>
+          </a:xfrm>
+          <a:prstGeom prst="rect">
+            <a:avLst/>
+          </a:prstGeom>
+          <a:noFill/>
+          <a:extLst>
+            <a:ext uri="{909E8E84-426E-40DD-AFC4-6F175D3DCCD1}">
+              <a14:hiddenFill xmlns:a14="http://schemas.microsoft.com/office/drawing/2010/main">
+                <a:solidFill>
+                  <a:srgbClr val="FFFFFF"/>
+                </a:solidFill>
+              </a14:hiddenFill>
+            </a:ext>
+          </a:extLst>
+        </p:spPr>
+      </p:pic>
+      <p:pic>
+        <p:nvPicPr>
+          <p:cNvPr id="10" name="Picture 33" descr="C:\Users\p2admin\Documents\website\impressionist\analysis\Curvature\LEE\az111.png"/>
+          <p:cNvPicPr>
+            <a:picLocks noChangeAspect="1" noChangeArrowheads="1"/>
+          </p:cNvPicPr>
+          <p:nvPr/>
+        </p:nvPicPr>
+        <p:blipFill rotWithShape="1">
+          <a:blip r:embed="rId9" cstate="print">
+            <a:extLst>
+              <a:ext uri="{28A0092B-C50C-407E-A947-70E740481C1C}">
+                <a14:useLocalDpi xmlns:a14="http://schemas.microsoft.com/office/drawing/2010/main" val="0"/>
+              </a:ext>
+            </a:extLst>
+          </a:blip>
+          <a:srcRect l="42187" t="26389" r="39323" b="27778"/>
+          <a:stretch/>
+        </p:blipFill>
+        <p:spPr bwMode="auto">
+          <a:xfrm>
+            <a:off x="2303192" y="2440931"/>
+            <a:ext cx="407360" cy="757345"/>
+          </a:xfrm>
+          <a:prstGeom prst="rect">
+            <a:avLst/>
+          </a:prstGeom>
+          <a:noFill/>
+          <a:extLst>
+            <a:ext uri="{909E8E84-426E-40DD-AFC4-6F175D3DCCD1}">
+              <a14:hiddenFill xmlns:a14="http://schemas.microsoft.com/office/drawing/2010/main">
+                <a:solidFill>
+                  <a:srgbClr val="FFFFFF"/>
+                </a:solidFill>
+              </a14:hiddenFill>
+            </a:ext>
+          </a:extLst>
+        </p:spPr>
+      </p:pic>
+      <p:pic>
+        <p:nvPicPr>
+          <p:cNvPr id="11" name="Picture 34" descr="C:\Users\p2admin\Documents\website\impressionist\analysis\Curvature\LEE\az170.png"/>
+          <p:cNvPicPr>
+            <a:picLocks noChangeAspect="1" noChangeArrowheads="1"/>
+          </p:cNvPicPr>
+          <p:nvPr/>
+        </p:nvPicPr>
+        <p:blipFill rotWithShape="1">
+          <a:blip r:embed="rId10" cstate="print">
+            <a:extLst>
+              <a:ext uri="{28A0092B-C50C-407E-A947-70E740481C1C}">
+                <a14:useLocalDpi xmlns:a14="http://schemas.microsoft.com/office/drawing/2010/main" val="0"/>
+              </a:ext>
+            </a:extLst>
+          </a:blip>
+          <a:srcRect l="37817" t="27778" r="34579" b="31250"/>
+          <a:stretch/>
+        </p:blipFill>
+        <p:spPr bwMode="auto">
+          <a:xfrm>
+            <a:off x="1413924" y="2499670"/>
+            <a:ext cx="608170" cy="677019"/>
+          </a:xfrm>
+          <a:prstGeom prst="rect">
+            <a:avLst/>
+          </a:prstGeom>
+          <a:noFill/>
+          <a:extLst>
+            <a:ext uri="{909E8E84-426E-40DD-AFC4-6F175D3DCCD1}">
+              <a14:hiddenFill xmlns:a14="http://schemas.microsoft.com/office/drawing/2010/main">
+                <a:solidFill>
+                  <a:srgbClr val="FFFFFF"/>
+                </a:solidFill>
+              </a14:hiddenFill>
+            </a:ext>
+          </a:extLst>
+        </p:spPr>
+      </p:pic>
+      <p:pic>
+        <p:nvPicPr>
+          <p:cNvPr id="12" name="Picture 35" descr="C:\Users\p2admin\Documents\website\impressionist\analysis\Curvature\LEE\az198.png"/>
+          <p:cNvPicPr>
+            <a:picLocks noChangeAspect="1" noChangeArrowheads="1"/>
+          </p:cNvPicPr>
+          <p:nvPr/>
+        </p:nvPicPr>
+        <p:blipFill rotWithShape="1">
+          <a:blip r:embed="rId11" cstate="print">
+            <a:extLst>
+              <a:ext uri="{28A0092B-C50C-407E-A947-70E740481C1C}">
+                <a14:useLocalDpi xmlns:a14="http://schemas.microsoft.com/office/drawing/2010/main" val="0"/>
+              </a:ext>
+            </a:extLst>
+          </a:blip>
+          <a:srcRect l="28385" t="26389" r="23437" b="32638"/>
+          <a:stretch/>
+        </p:blipFill>
+        <p:spPr bwMode="auto">
+          <a:xfrm>
+            <a:off x="319688" y="2466538"/>
+            <a:ext cx="1061429" cy="677019"/>
+          </a:xfrm>
+          <a:prstGeom prst="rect">
+            <a:avLst/>
+          </a:prstGeom>
+          <a:noFill/>
+          <a:extLst>
+            <a:ext uri="{909E8E84-426E-40DD-AFC4-6F175D3DCCD1}">
+              <a14:hiddenFill xmlns:a14="http://schemas.microsoft.com/office/drawing/2010/main">
+                <a:solidFill>
+                  <a:srgbClr val="FFFFFF"/>
+                </a:solidFill>
+              </a14:hiddenFill>
+            </a:ext>
+          </a:extLst>
+        </p:spPr>
+      </p:pic>
+      <p:pic>
+        <p:nvPicPr>
+          <p:cNvPr id="13" name="Picture 36" descr="C:\Users\p2admin\Documents\website\impressionist\analysis\Curvature\LEE\az260.png"/>
+          <p:cNvPicPr>
+            <a:picLocks noChangeAspect="1" noChangeArrowheads="1"/>
+          </p:cNvPicPr>
+          <p:nvPr/>
+        </p:nvPicPr>
+        <p:blipFill rotWithShape="1">
+          <a:blip r:embed="rId12" cstate="print">
+            <a:extLst>
+              <a:ext uri="{28A0092B-C50C-407E-A947-70E740481C1C}">
+                <a14:useLocalDpi xmlns:a14="http://schemas.microsoft.com/office/drawing/2010/main" val="0"/>
+              </a:ext>
+            </a:extLst>
+          </a:blip>
+          <a:srcRect l="36979" t="35069" r="35938" b="32986"/>
+          <a:stretch/>
+        </p:blipFill>
+        <p:spPr bwMode="auto">
+          <a:xfrm>
+            <a:off x="495501" y="3319413"/>
+            <a:ext cx="596696" cy="527846"/>
+          </a:xfrm>
+          <a:prstGeom prst="rect">
+            <a:avLst/>
+          </a:prstGeom>
+          <a:noFill/>
+          <a:extLst>
+            <a:ext uri="{909E8E84-426E-40DD-AFC4-6F175D3DCCD1}">
+              <a14:hiddenFill xmlns:a14="http://schemas.microsoft.com/office/drawing/2010/main">
+                <a:solidFill>
+                  <a:srgbClr val="FFFFFF"/>
+                </a:solidFill>
+              </a14:hiddenFill>
+            </a:ext>
+          </a:extLst>
+        </p:spPr>
+      </p:pic>
+      <p:pic>
+        <p:nvPicPr>
+          <p:cNvPr id="14" name="Picture 37" descr="C:\Users\p2admin\Documents\website\impressionist\analysis\Curvature\LEE\az378.png"/>
+          <p:cNvPicPr>
+            <a:picLocks noChangeAspect="1" noChangeArrowheads="1"/>
+          </p:cNvPicPr>
+          <p:nvPr/>
+        </p:nvPicPr>
+        <p:blipFill rotWithShape="1">
+          <a:blip r:embed="rId13" cstate="print">
+            <a:extLst>
+              <a:ext uri="{28A0092B-C50C-407E-A947-70E740481C1C}">
+                <a14:useLocalDpi xmlns:a14="http://schemas.microsoft.com/office/drawing/2010/main" val="0"/>
+              </a:ext>
+            </a:extLst>
+          </a:blip>
+          <a:srcRect l="35938" t="32292" r="32813" b="32985"/>
+          <a:stretch/>
+        </p:blipFill>
+        <p:spPr bwMode="auto">
+          <a:xfrm>
+            <a:off x="1342713" y="3296463"/>
+            <a:ext cx="688493" cy="573745"/>
+          </a:xfrm>
+          <a:prstGeom prst="rect">
+            <a:avLst/>
+          </a:prstGeom>
+          <a:noFill/>
+          <a:extLst>
+            <a:ext uri="{909E8E84-426E-40DD-AFC4-6F175D3DCCD1}">
+              <a14:hiddenFill xmlns:a14="http://schemas.microsoft.com/office/drawing/2010/main">
+                <a:solidFill>
+                  <a:srgbClr val="FFFFFF"/>
+                </a:solidFill>
+              </a14:hiddenFill>
+            </a:ext>
+          </a:extLst>
+        </p:spPr>
+      </p:pic>
+      <p:pic>
+        <p:nvPicPr>
+          <p:cNvPr id="15" name="Picture 38" descr="C:\Users\p2admin\Documents\website\impressionist\analysis\Curvature\LEE\az379.png"/>
+          <p:cNvPicPr>
+            <a:picLocks noChangeAspect="1" noChangeArrowheads="1"/>
+          </p:cNvPicPr>
+          <p:nvPr/>
+        </p:nvPicPr>
+        <p:blipFill rotWithShape="1">
+          <a:blip r:embed="rId14" cstate="print">
+            <a:extLst>
+              <a:ext uri="{28A0092B-C50C-407E-A947-70E740481C1C}">
+                <a14:useLocalDpi xmlns:a14="http://schemas.microsoft.com/office/drawing/2010/main" val="0"/>
+              </a:ext>
+            </a:extLst>
+          </a:blip>
+          <a:srcRect l="33854" t="32292" r="30729" b="34375"/>
+          <a:stretch/>
+        </p:blipFill>
+        <p:spPr bwMode="auto">
+          <a:xfrm>
+            <a:off x="2180269" y="3369657"/>
+            <a:ext cx="780295" cy="550796"/>
+          </a:xfrm>
+          <a:prstGeom prst="rect">
+            <a:avLst/>
+          </a:prstGeom>
+          <a:noFill/>
+          <a:extLst>
+            <a:ext uri="{909E8E84-426E-40DD-AFC4-6F175D3DCCD1}">
+              <a14:hiddenFill xmlns:a14="http://schemas.microsoft.com/office/drawing/2010/main">
+                <a:solidFill>
+                  <a:srgbClr val="FFFFFF"/>
+                </a:solidFill>
+              </a14:hiddenFill>
+            </a:ext>
+          </a:extLst>
+        </p:spPr>
+      </p:pic>
+      <p:pic>
+        <p:nvPicPr>
+          <p:cNvPr id="16" name="Picture 39" descr="C:\Users\p2admin\Documents\website\impressionist\analysis\Curvature\LEE\az381.png"/>
+          <p:cNvPicPr>
+            <a:picLocks noChangeAspect="1" noChangeArrowheads="1"/>
+          </p:cNvPicPr>
+          <p:nvPr/>
+        </p:nvPicPr>
+        <p:blipFill rotWithShape="1">
+          <a:blip r:embed="rId15" cstate="print">
+            <a:extLst>
+              <a:ext uri="{28A0092B-C50C-407E-A947-70E740481C1C}">
+                <a14:useLocalDpi xmlns:a14="http://schemas.microsoft.com/office/drawing/2010/main" val="0"/>
+              </a:ext>
+            </a:extLst>
+          </a:blip>
+          <a:srcRect l="32813" t="30903" r="29687" b="34375"/>
+          <a:stretch/>
+        </p:blipFill>
+        <p:spPr bwMode="auto">
+          <a:xfrm>
+            <a:off x="2992580" y="3346709"/>
+            <a:ext cx="826193" cy="573745"/>
+          </a:xfrm>
+          <a:prstGeom prst="rect">
+            <a:avLst/>
+          </a:prstGeom>
+          <a:noFill/>
+          <a:extLst>
+            <a:ext uri="{909E8E84-426E-40DD-AFC4-6F175D3DCCD1}">
+              <a14:hiddenFill xmlns:a14="http://schemas.microsoft.com/office/drawing/2010/main">
+                <a:solidFill>
+                  <a:srgbClr val="FFFFFF"/>
+                </a:solidFill>
+              </a14:hiddenFill>
+            </a:ext>
+          </a:extLst>
+        </p:spPr>
+      </p:pic>
+      <p:pic>
+        <p:nvPicPr>
+          <p:cNvPr id="17" name="Picture 40" descr="C:\Users\p2admin\Documents\website\impressionist\analysis\Curvature\LEE\az382.png"/>
+          <p:cNvPicPr>
+            <a:picLocks noChangeAspect="1" noChangeArrowheads="1"/>
+          </p:cNvPicPr>
+          <p:nvPr/>
+        </p:nvPicPr>
+        <p:blipFill rotWithShape="1">
+          <a:blip r:embed="rId16" cstate="print">
+            <a:extLst>
+              <a:ext uri="{28A0092B-C50C-407E-A947-70E740481C1C}">
+                <a14:useLocalDpi xmlns:a14="http://schemas.microsoft.com/office/drawing/2010/main" val="0"/>
+              </a:ext>
+            </a:extLst>
+          </a:blip>
+          <a:srcRect l="39063" t="28125" r="35938" b="32986"/>
+          <a:stretch/>
+        </p:blipFill>
+        <p:spPr bwMode="auto">
+          <a:xfrm rot="16200000">
+            <a:off x="3917360" y="3277622"/>
+            <a:ext cx="550798" cy="642597"/>
+          </a:xfrm>
+          <a:prstGeom prst="rect">
+            <a:avLst/>
+          </a:prstGeom>
+          <a:noFill/>
+          <a:extLst>
+            <a:ext uri="{909E8E84-426E-40DD-AFC4-6F175D3DCCD1}">
+              <a14:hiddenFill xmlns:a14="http://schemas.microsoft.com/office/drawing/2010/main">
+                <a:solidFill>
+                  <a:srgbClr val="FFFFFF"/>
+                </a:solidFill>
+              </a14:hiddenFill>
+            </a:ext>
+          </a:extLst>
+        </p:spPr>
+      </p:pic>
+      <p:pic>
+        <p:nvPicPr>
+          <p:cNvPr id="18" name="Picture 41" descr="C:\Users\p2admin\Documents\website\impressionist\analysis\Curvature\LEE\az383.png"/>
+          <p:cNvPicPr>
+            <a:picLocks noChangeAspect="1" noChangeArrowheads="1"/>
+          </p:cNvPicPr>
+          <p:nvPr/>
+        </p:nvPicPr>
+        <p:blipFill rotWithShape="1">
+          <a:blip r:embed="rId17" cstate="print">
+            <a:extLst>
+              <a:ext uri="{28A0092B-C50C-407E-A947-70E740481C1C}">
+                <a14:useLocalDpi xmlns:a14="http://schemas.microsoft.com/office/drawing/2010/main" val="0"/>
+              </a:ext>
+            </a:extLst>
+          </a:blip>
+          <a:srcRect l="42187" t="26736" r="39063" b="31597"/>
+          <a:stretch/>
+        </p:blipFill>
+        <p:spPr bwMode="auto">
+          <a:xfrm rot="5400000">
+            <a:off x="4762494" y="3296461"/>
+            <a:ext cx="413099" cy="688498"/>
+          </a:xfrm>
+          <a:prstGeom prst="rect">
+            <a:avLst/>
+          </a:prstGeom>
+          <a:noFill/>
+          <a:extLst>
+            <a:ext uri="{909E8E84-426E-40DD-AFC4-6F175D3DCCD1}">
+              <a14:hiddenFill xmlns:a14="http://schemas.microsoft.com/office/drawing/2010/main">
+                <a:solidFill>
+                  <a:srgbClr val="FFFFFF"/>
+                </a:solidFill>
+              </a14:hiddenFill>
+            </a:ext>
+          </a:extLst>
+        </p:spPr>
+      </p:pic>
+      <p:pic>
+        <p:nvPicPr>
+          <p:cNvPr id="19" name="Picture 42" descr="C:\Users\p2admin\Documents\website\impressionist\analysis\Curvature\LEE\az384.png"/>
+          <p:cNvPicPr>
+            <a:picLocks noChangeAspect="1" noChangeArrowheads="1"/>
+          </p:cNvPicPr>
+          <p:nvPr/>
+        </p:nvPicPr>
+        <p:blipFill rotWithShape="1">
+          <a:blip r:embed="rId18" cstate="print">
+            <a:extLst>
+              <a:ext uri="{28A0092B-C50C-407E-A947-70E740481C1C}">
+                <a14:useLocalDpi xmlns:a14="http://schemas.microsoft.com/office/drawing/2010/main" val="0"/>
+              </a:ext>
+            </a:extLst>
+          </a:blip>
+          <a:srcRect l="42187" t="28125" r="38021" b="31597"/>
+          <a:stretch/>
+        </p:blipFill>
+        <p:spPr bwMode="auto">
+          <a:xfrm rot="16200000">
+            <a:off x="5839263" y="4125294"/>
+            <a:ext cx="436047" cy="665545"/>
+          </a:xfrm>
+          <a:prstGeom prst="rect">
+            <a:avLst/>
+          </a:prstGeom>
+          <a:noFill/>
+          <a:extLst>
+            <a:ext uri="{909E8E84-426E-40DD-AFC4-6F175D3DCCD1}">
+              <a14:hiddenFill xmlns:a14="http://schemas.microsoft.com/office/drawing/2010/main">
+                <a:solidFill>
+                  <a:srgbClr val="FFFFFF"/>
+                </a:solidFill>
+              </a14:hiddenFill>
+            </a:ext>
+          </a:extLst>
+        </p:spPr>
+      </p:pic>
+      <p:pic>
+        <p:nvPicPr>
+          <p:cNvPr id="20" name="Picture 43" descr="C:\Users\p2admin\Documents\website\impressionist\analysis\Curvature\LEE\az386.png"/>
+          <p:cNvPicPr>
+            <a:picLocks noChangeAspect="1" noChangeArrowheads="1"/>
+          </p:cNvPicPr>
+          <p:nvPr/>
+        </p:nvPicPr>
+        <p:blipFill rotWithShape="1">
+          <a:blip r:embed="rId19" cstate="print">
+            <a:extLst>
+              <a:ext uri="{28A0092B-C50C-407E-A947-70E740481C1C}">
+                <a14:useLocalDpi xmlns:a14="http://schemas.microsoft.com/office/drawing/2010/main" val="0"/>
+              </a:ext>
+            </a:extLst>
+          </a:blip>
+          <a:srcRect l="36980" t="26736" r="31770" b="30209"/>
+          <a:stretch/>
+        </p:blipFill>
+        <p:spPr bwMode="auto">
+          <a:xfrm rot="12967405">
+            <a:off x="1351917" y="4008875"/>
+            <a:ext cx="688494" cy="711444"/>
+          </a:xfrm>
+          <a:prstGeom prst="rect">
+            <a:avLst/>
+          </a:prstGeom>
+          <a:noFill/>
+          <a:extLst>
+            <a:ext uri="{909E8E84-426E-40DD-AFC4-6F175D3DCCD1}">
+              <a14:hiddenFill xmlns:a14="http://schemas.microsoft.com/office/drawing/2010/main">
+                <a:solidFill>
+                  <a:srgbClr val="FFFFFF"/>
+                </a:solidFill>
+              </a14:hiddenFill>
+            </a:ext>
+          </a:extLst>
+        </p:spPr>
+      </p:pic>
+      <p:pic>
+        <p:nvPicPr>
+          <p:cNvPr id="21" name="Picture 44" descr="C:\Users\p2admin\Documents\website\impressionist\analysis\Curvature\LEE\az390.png"/>
+          <p:cNvPicPr>
+            <a:picLocks noChangeAspect="1" noChangeArrowheads="1"/>
+          </p:cNvPicPr>
+          <p:nvPr/>
+        </p:nvPicPr>
+        <p:blipFill rotWithShape="1">
+          <a:blip r:embed="rId20" cstate="print">
+            <a:extLst>
+              <a:ext uri="{28A0092B-C50C-407E-A947-70E740481C1C}">
+                <a14:useLocalDpi xmlns:a14="http://schemas.microsoft.com/office/drawing/2010/main" val="0"/>
+              </a:ext>
+            </a:extLst>
+          </a:blip>
+          <a:srcRect l="42187" t="28125" r="39063" b="30208"/>
+          <a:stretch/>
+        </p:blipFill>
+        <p:spPr bwMode="auto">
+          <a:xfrm>
+            <a:off x="2353102" y="4020349"/>
+            <a:ext cx="413098" cy="688496"/>
+          </a:xfrm>
+          <a:prstGeom prst="rect">
+            <a:avLst/>
+          </a:prstGeom>
+          <a:noFill/>
+          <a:extLst>
+            <a:ext uri="{909E8E84-426E-40DD-AFC4-6F175D3DCCD1}">
+              <a14:hiddenFill xmlns:a14="http://schemas.microsoft.com/office/drawing/2010/main">
+                <a:solidFill>
+                  <a:srgbClr val="FFFFFF"/>
+                </a:solidFill>
+              </a14:hiddenFill>
+            </a:ext>
+          </a:extLst>
+        </p:spPr>
+      </p:pic>
+      <p:pic>
+        <p:nvPicPr>
+          <p:cNvPr id="22" name="Picture 45" descr="C:\Users\p2admin\Documents\website\impressionist\analysis\Curvature\LEE\az391.png"/>
+          <p:cNvPicPr>
+            <a:picLocks noChangeAspect="1" noChangeArrowheads="1"/>
+          </p:cNvPicPr>
+          <p:nvPr/>
+        </p:nvPicPr>
+        <p:blipFill rotWithShape="1">
+          <a:blip r:embed="rId21" cstate="print">
+            <a:extLst>
+              <a:ext uri="{28A0092B-C50C-407E-A947-70E740481C1C}">
+                <a14:useLocalDpi xmlns:a14="http://schemas.microsoft.com/office/drawing/2010/main" val="0"/>
+              </a:ext>
+            </a:extLst>
+          </a:blip>
+          <a:srcRect l="32813" t="33681" r="28645" b="35764"/>
+          <a:stretch/>
+        </p:blipFill>
+        <p:spPr bwMode="auto">
+          <a:xfrm>
+            <a:off x="2995298" y="4205619"/>
+            <a:ext cx="849144" cy="504896"/>
+          </a:xfrm>
+          <a:prstGeom prst="rect">
+            <a:avLst/>
+          </a:prstGeom>
+          <a:noFill/>
+          <a:extLst>
+            <a:ext uri="{909E8E84-426E-40DD-AFC4-6F175D3DCCD1}">
+              <a14:hiddenFill xmlns:a14="http://schemas.microsoft.com/office/drawing/2010/main">
+                <a:solidFill>
+                  <a:srgbClr val="FFFFFF"/>
+                </a:solidFill>
+              </a14:hiddenFill>
+            </a:ext>
+          </a:extLst>
+        </p:spPr>
+      </p:pic>
+      <p:pic>
+        <p:nvPicPr>
+          <p:cNvPr id="23" name="Picture 46" descr="C:\Users\p2admin\Documents\website\impressionist\analysis\Curvature\LEE\az392.png"/>
+          <p:cNvPicPr>
+            <a:picLocks noChangeAspect="1" noChangeArrowheads="1"/>
+          </p:cNvPicPr>
+          <p:nvPr/>
+        </p:nvPicPr>
+        <p:blipFill rotWithShape="1">
+          <a:blip r:embed="rId22" cstate="print">
+            <a:extLst>
+              <a:ext uri="{28A0092B-C50C-407E-A947-70E740481C1C}">
+                <a14:useLocalDpi xmlns:a14="http://schemas.microsoft.com/office/drawing/2010/main" val="0"/>
+              </a:ext>
+            </a:extLst>
+          </a:blip>
+          <a:srcRect l="33520" t="31771" r="28385" b="36459"/>
+          <a:stretch/>
+        </p:blipFill>
+        <p:spPr bwMode="auto">
+          <a:xfrm>
+            <a:off x="3974924" y="4102108"/>
+            <a:ext cx="839287" cy="524977"/>
+          </a:xfrm>
+          <a:prstGeom prst="rect">
+            <a:avLst/>
+          </a:prstGeom>
+          <a:noFill/>
+          <a:extLst>
+            <a:ext uri="{909E8E84-426E-40DD-AFC4-6F175D3DCCD1}">
+              <a14:hiddenFill xmlns:a14="http://schemas.microsoft.com/office/drawing/2010/main">
+                <a:solidFill>
+                  <a:srgbClr val="FFFFFF"/>
+                </a:solidFill>
+              </a14:hiddenFill>
+            </a:ext>
+          </a:extLst>
+        </p:spPr>
+      </p:pic>
+      <p:pic>
+        <p:nvPicPr>
+          <p:cNvPr id="24" name="Picture 47" descr="C:\Users\p2admin\Documents\website\impressionist\analysis\Curvature\LEE\az393.png"/>
+          <p:cNvPicPr>
+            <a:picLocks noChangeAspect="1" noChangeArrowheads="1"/>
+          </p:cNvPicPr>
+          <p:nvPr/>
+        </p:nvPicPr>
+        <p:blipFill rotWithShape="1">
+          <a:blip r:embed="rId23" cstate="print">
+            <a:extLst>
+              <a:ext uri="{28A0092B-C50C-407E-A947-70E740481C1C}">
+                <a14:useLocalDpi xmlns:a14="http://schemas.microsoft.com/office/drawing/2010/main" val="0"/>
+              </a:ext>
+            </a:extLst>
+          </a:blip>
+          <a:srcRect l="39844" t="27778" r="34579" b="31250"/>
+          <a:stretch/>
+        </p:blipFill>
+        <p:spPr bwMode="auto">
+          <a:xfrm>
+            <a:off x="4984283" y="4102108"/>
+            <a:ext cx="563521" cy="677020"/>
+          </a:xfrm>
+          <a:prstGeom prst="rect">
+            <a:avLst/>
+          </a:prstGeom>
+          <a:noFill/>
+          <a:extLst>
+            <a:ext uri="{909E8E84-426E-40DD-AFC4-6F175D3DCCD1}">
+              <a14:hiddenFill xmlns:a14="http://schemas.microsoft.com/office/drawing/2010/main">
+                <a:solidFill>
+                  <a:srgbClr val="FFFFFF"/>
+                </a:solidFill>
+              </a14:hiddenFill>
+            </a:ext>
+          </a:extLst>
+        </p:spPr>
+      </p:pic>
+      <p:pic>
+        <p:nvPicPr>
+          <p:cNvPr id="26" name="Picture 6" descr="C:\Users\p2admin\Documents\website\impressionist\analysis\Curvature\az398.png"/>
+          <p:cNvPicPr>
+            <a:picLocks noChangeAspect="1" noChangeArrowheads="1"/>
+          </p:cNvPicPr>
+          <p:nvPr/>
+        </p:nvPicPr>
+        <p:blipFill rotWithShape="1">
+          <a:blip r:embed="rId24" cstate="print">
+            <a:extLst>
+              <a:ext uri="{28A0092B-C50C-407E-A947-70E740481C1C}">
+                <a14:useLocalDpi xmlns:a14="http://schemas.microsoft.com/office/drawing/2010/main" val="0"/>
+              </a:ext>
+            </a:extLst>
+          </a:blip>
+          <a:srcRect l="37109" t="29687" r="31445" b="34549"/>
+          <a:stretch/>
+        </p:blipFill>
+        <p:spPr bwMode="auto">
+          <a:xfrm flipH="1">
+            <a:off x="420356" y="1531178"/>
+            <a:ext cx="652772" cy="556815"/>
+          </a:xfrm>
+          <a:prstGeom prst="rect">
+            <a:avLst/>
+          </a:prstGeom>
+          <a:noFill/>
+          <a:extLst>
+            <a:ext uri="{909E8E84-426E-40DD-AFC4-6F175D3DCCD1}">
+              <a14:hiddenFill xmlns:a14="http://schemas.microsoft.com/office/drawing/2010/main">
+                <a:solidFill>
+                  <a:srgbClr val="FFFFFF"/>
+                </a:solidFill>
+              </a14:hiddenFill>
+            </a:ext>
+          </a:extLst>
+        </p:spPr>
+      </p:pic>
+      <p:pic>
+        <p:nvPicPr>
+          <p:cNvPr id="27" name="Picture 7" descr="C:\Users\p2admin\Documents\website\impressionist\analysis\Curvature\az17.png"/>
+          <p:cNvPicPr>
+            <a:picLocks noChangeAspect="1" noChangeArrowheads="1"/>
+          </p:cNvPicPr>
+          <p:nvPr/>
+        </p:nvPicPr>
+        <p:blipFill rotWithShape="1">
+          <a:blip r:embed="rId25" cstate="print">
+            <a:extLst>
+              <a:ext uri="{28A0092B-C50C-407E-A947-70E740481C1C}">
+                <a14:useLocalDpi xmlns:a14="http://schemas.microsoft.com/office/drawing/2010/main" val="0"/>
+              </a:ext>
+            </a:extLst>
+          </a:blip>
+          <a:srcRect l="42318" t="27257" r="37890" b="30035"/>
+          <a:stretch/>
+        </p:blipFill>
+        <p:spPr bwMode="auto">
+          <a:xfrm flipH="1">
+            <a:off x="5481187" y="747724"/>
+            <a:ext cx="564220" cy="913145"/>
+          </a:xfrm>
+          <a:prstGeom prst="rect">
+            <a:avLst/>
+          </a:prstGeom>
+          <a:noFill/>
+          <a:extLst>
+            <a:ext uri="{909E8E84-426E-40DD-AFC4-6F175D3DCCD1}">
+              <a14:hiddenFill xmlns:a14="http://schemas.microsoft.com/office/drawing/2010/main">
+                <a:solidFill>
+                  <a:srgbClr val="FFFFFF"/>
+                </a:solidFill>
+              </a14:hiddenFill>
+            </a:ext>
+          </a:extLst>
+        </p:spPr>
+      </p:pic>
+      <p:pic>
+        <p:nvPicPr>
+          <p:cNvPr id="28" name="Picture 8" descr="C:\Users\p2admin\Documents\website\impressionist\analysis\Curvature\az26.png"/>
+          <p:cNvPicPr>
+            <a:picLocks noChangeAspect="1" noChangeArrowheads="1"/>
+          </p:cNvPicPr>
+          <p:nvPr/>
+        </p:nvPicPr>
+        <p:blipFill rotWithShape="1">
+          <a:blip r:embed="rId26" cstate="print">
+            <a:extLst>
+              <a:ext uri="{28A0092B-C50C-407E-A947-70E740481C1C}">
+                <a14:useLocalDpi xmlns:a14="http://schemas.microsoft.com/office/drawing/2010/main" val="0"/>
+              </a:ext>
+            </a:extLst>
+          </a:blip>
+          <a:srcRect l="37891" t="26909" r="29036" b="28299"/>
+          <a:stretch/>
+        </p:blipFill>
+        <p:spPr bwMode="auto">
+          <a:xfrm flipH="1">
+            <a:off x="5274030" y="279841"/>
+            <a:ext cx="450484" cy="457578"/>
+          </a:xfrm>
+          <a:prstGeom prst="rect">
+            <a:avLst/>
+          </a:prstGeom>
+          <a:noFill/>
+          <a:extLst>
+            <a:ext uri="{909E8E84-426E-40DD-AFC4-6F175D3DCCD1}">
+              <a14:hiddenFill xmlns:a14="http://schemas.microsoft.com/office/drawing/2010/main">
+                <a:solidFill>
+                  <a:srgbClr val="FFFFFF"/>
+                </a:solidFill>
+              </a14:hiddenFill>
+            </a:ext>
+          </a:extLst>
+        </p:spPr>
+      </p:pic>
+      <p:pic>
+        <p:nvPicPr>
+          <p:cNvPr id="29" name="Picture 9" descr="C:\Users\p2admin\Documents\website\impressionist\analysis\Curvature\az57.png"/>
+          <p:cNvPicPr>
+            <a:picLocks noChangeAspect="1" noChangeArrowheads="1"/>
+          </p:cNvPicPr>
+          <p:nvPr/>
+        </p:nvPicPr>
+        <p:blipFill rotWithShape="1">
+          <a:blip r:embed="rId27" cstate="print">
+            <a:extLst>
+              <a:ext uri="{28A0092B-C50C-407E-A947-70E740481C1C}">
+                <a14:useLocalDpi xmlns:a14="http://schemas.microsoft.com/office/drawing/2010/main" val="0"/>
+              </a:ext>
+            </a:extLst>
+          </a:blip>
+          <a:srcRect l="37109" t="38021" r="31445" b="41493"/>
+          <a:stretch/>
+        </p:blipFill>
+        <p:spPr bwMode="auto">
+          <a:xfrm rot="10800000" flipH="1">
+            <a:off x="4521135" y="413704"/>
+            <a:ext cx="652772" cy="318953"/>
+          </a:xfrm>
+          <a:prstGeom prst="rect">
+            <a:avLst/>
+          </a:prstGeom>
+          <a:noFill/>
+          <a:extLst>
+            <a:ext uri="{909E8E84-426E-40DD-AFC4-6F175D3DCCD1}">
+              <a14:hiddenFill xmlns:a14="http://schemas.microsoft.com/office/drawing/2010/main">
+                <a:solidFill>
+                  <a:srgbClr val="FFFFFF"/>
+                </a:solidFill>
+              </a14:hiddenFill>
+            </a:ext>
+          </a:extLst>
+        </p:spPr>
+      </p:pic>
+      <p:pic>
+        <p:nvPicPr>
+          <p:cNvPr id="30" name="Picture 10" descr="C:\Users\p2admin\Documents\website\impressionist\analysis\Curvature\az68.png"/>
+          <p:cNvPicPr>
+            <a:picLocks noChangeAspect="1" noChangeArrowheads="1"/>
+          </p:cNvPicPr>
+          <p:nvPr/>
+        </p:nvPicPr>
+        <p:blipFill rotWithShape="1">
+          <a:blip r:embed="rId28" cstate="print">
+            <a:extLst>
+              <a:ext uri="{28A0092B-C50C-407E-A947-70E740481C1C}">
+                <a14:useLocalDpi xmlns:a14="http://schemas.microsoft.com/office/drawing/2010/main" val="0"/>
+              </a:ext>
+            </a:extLst>
+          </a:blip>
+          <a:srcRect l="38932" t="28646" r="34245" b="30035"/>
+          <a:stretch/>
+        </p:blipFill>
+        <p:spPr bwMode="auto">
+          <a:xfrm flipH="1">
+            <a:off x="3680734" y="259817"/>
+            <a:ext cx="556816" cy="643311"/>
+          </a:xfrm>
+          <a:prstGeom prst="rect">
+            <a:avLst/>
+          </a:prstGeom>
+          <a:noFill/>
+          <a:extLst>
+            <a:ext uri="{909E8E84-426E-40DD-AFC4-6F175D3DCCD1}">
+              <a14:hiddenFill xmlns:a14="http://schemas.microsoft.com/office/drawing/2010/main">
+                <a:solidFill>
+                  <a:srgbClr val="FFFFFF"/>
+                </a:solidFill>
+              </a14:hiddenFill>
+            </a:ext>
+          </a:extLst>
+        </p:spPr>
+      </p:pic>
+      <p:pic>
+        <p:nvPicPr>
+          <p:cNvPr id="31" name="Picture 11" descr="C:\Users\p2admin\Documents\website\impressionist\analysis\Curvature\az75.png"/>
+          <p:cNvPicPr>
+            <a:picLocks noChangeAspect="1" noChangeArrowheads="1"/>
+          </p:cNvPicPr>
+          <p:nvPr/>
+        </p:nvPicPr>
+        <p:blipFill rotWithShape="1">
+          <a:blip r:embed="rId29" cstate="print">
+            <a:extLst>
+              <a:ext uri="{28A0092B-C50C-407E-A947-70E740481C1C}">
+                <a14:useLocalDpi xmlns:a14="http://schemas.microsoft.com/office/drawing/2010/main" val="0"/>
+              </a:ext>
+            </a:extLst>
+          </a:blip>
+          <a:srcRect l="36849" t="28298" r="31575" b="31423"/>
+          <a:stretch/>
+        </p:blipFill>
+        <p:spPr bwMode="auto">
+          <a:xfrm flipH="1">
+            <a:off x="2829694" y="189563"/>
+            <a:ext cx="655474" cy="627093"/>
+          </a:xfrm>
+          <a:prstGeom prst="rect">
+            <a:avLst/>
+          </a:prstGeom>
+          <a:noFill/>
+          <a:extLst>
+            <a:ext uri="{909E8E84-426E-40DD-AFC4-6F175D3DCCD1}">
+              <a14:hiddenFill xmlns:a14="http://schemas.microsoft.com/office/drawing/2010/main">
+                <a:solidFill>
+                  <a:srgbClr val="FFFFFF"/>
+                </a:solidFill>
+              </a14:hiddenFill>
+            </a:ext>
+          </a:extLst>
+        </p:spPr>
+      </p:pic>
+      <p:pic>
+        <p:nvPicPr>
+          <p:cNvPr id="32" name="Picture 12" descr="C:\Users\p2admin\Documents\website\impressionist\analysis\Curvature\az111.png"/>
+          <p:cNvPicPr>
+            <a:picLocks noChangeAspect="1" noChangeArrowheads="1"/>
+          </p:cNvPicPr>
+          <p:nvPr/>
+        </p:nvPicPr>
+        <p:blipFill rotWithShape="1">
+          <a:blip r:embed="rId30" cstate="print">
+            <a:extLst>
+              <a:ext uri="{28A0092B-C50C-407E-A947-70E740481C1C}">
+                <a14:useLocalDpi xmlns:a14="http://schemas.microsoft.com/office/drawing/2010/main" val="0"/>
+              </a:ext>
+            </a:extLst>
+          </a:blip>
+          <a:srcRect l="41797" t="24479" r="39193" b="27604"/>
+          <a:stretch/>
+        </p:blipFill>
+        <p:spPr bwMode="auto">
+          <a:xfrm flipH="1">
+            <a:off x="2157947" y="70631"/>
+            <a:ext cx="394637" cy="746025"/>
+          </a:xfrm>
+          <a:prstGeom prst="rect">
+            <a:avLst/>
+          </a:prstGeom>
+          <a:noFill/>
+          <a:extLst>
+            <a:ext uri="{909E8E84-426E-40DD-AFC4-6F175D3DCCD1}">
+              <a14:hiddenFill xmlns:a14="http://schemas.microsoft.com/office/drawing/2010/main">
+                <a:solidFill>
+                  <a:srgbClr val="FFFFFF"/>
+                </a:solidFill>
+              </a14:hiddenFill>
+            </a:ext>
+          </a:extLst>
+        </p:spPr>
+      </p:pic>
+      <p:pic>
+        <p:nvPicPr>
+          <p:cNvPr id="33" name="Picture 13" descr="C:\Users\p2admin\Documents\website\impressionist\analysis\Curvature\az170.png"/>
+          <p:cNvPicPr>
+            <a:picLocks noChangeAspect="1" noChangeArrowheads="1"/>
+          </p:cNvPicPr>
+          <p:nvPr/>
+        </p:nvPicPr>
+        <p:blipFill rotWithShape="1">
+          <a:blip r:embed="rId31" cstate="print">
+            <a:extLst>
+              <a:ext uri="{28A0092B-C50C-407E-A947-70E740481C1C}">
+                <a14:useLocalDpi xmlns:a14="http://schemas.microsoft.com/office/drawing/2010/main" val="0"/>
+              </a:ext>
+            </a:extLst>
+          </a:blip>
+          <a:srcRect l="38151" t="30035" r="34245" b="33507"/>
+          <a:stretch/>
+        </p:blipFill>
+        <p:spPr bwMode="auto">
+          <a:xfrm flipH="1">
+            <a:off x="1282251" y="297659"/>
+            <a:ext cx="573034" cy="567628"/>
+          </a:xfrm>
+          <a:prstGeom prst="rect">
+            <a:avLst/>
+          </a:prstGeom>
+          <a:noFill/>
+          <a:extLst>
+            <a:ext uri="{909E8E84-426E-40DD-AFC4-6F175D3DCCD1}">
+              <a14:hiddenFill xmlns:a14="http://schemas.microsoft.com/office/drawing/2010/main">
+                <a:solidFill>
+                  <a:srgbClr val="FFFFFF"/>
+                </a:solidFill>
+              </a14:hiddenFill>
+            </a:ext>
+          </a:extLst>
+        </p:spPr>
+      </p:pic>
+      <p:pic>
+        <p:nvPicPr>
+          <p:cNvPr id="34" name="Picture 14" descr="C:\Users\p2admin\Documents\website\impressionist\analysis\Curvature\az198.png"/>
+          <p:cNvPicPr>
+            <a:picLocks noChangeAspect="1" noChangeArrowheads="1"/>
+          </p:cNvPicPr>
+          <p:nvPr/>
+        </p:nvPicPr>
+        <p:blipFill rotWithShape="1">
+          <a:blip r:embed="rId32" cstate="print">
+            <a:extLst>
+              <a:ext uri="{28A0092B-C50C-407E-A947-70E740481C1C}">
+                <a14:useLocalDpi xmlns:a14="http://schemas.microsoft.com/office/drawing/2010/main" val="0"/>
+              </a:ext>
+            </a:extLst>
+          </a:blip>
+          <a:srcRect l="42578" t="14410" r="39193" b="20660"/>
+          <a:stretch/>
+        </p:blipFill>
+        <p:spPr bwMode="auto">
+          <a:xfrm rot="16200000" flipV="1">
+            <a:off x="444994" y="76017"/>
+            <a:ext cx="378417" cy="1010913"/>
+          </a:xfrm>
+          <a:prstGeom prst="rect">
+            <a:avLst/>
+          </a:prstGeom>
+          <a:noFill/>
+          <a:extLst>
+            <a:ext uri="{909E8E84-426E-40DD-AFC4-6F175D3DCCD1}">
+              <a14:hiddenFill xmlns:a14="http://schemas.microsoft.com/office/drawing/2010/main">
+                <a:solidFill>
+                  <a:srgbClr val="FFFFFF"/>
+                </a:solidFill>
+              </a14:hiddenFill>
+            </a:ext>
+          </a:extLst>
+        </p:spPr>
+      </p:pic>
+      <p:pic>
+        <p:nvPicPr>
+          <p:cNvPr id="35" name="Picture 15" descr="C:\Users\p2admin\Documents\website\impressionist\analysis\Curvature\az260.png"/>
+          <p:cNvPicPr>
+            <a:picLocks noChangeAspect="1" noChangeArrowheads="1"/>
+          </p:cNvPicPr>
+          <p:nvPr/>
+        </p:nvPicPr>
+        <p:blipFill rotWithShape="1">
+          <a:blip r:embed="rId33" cstate="print">
+            <a:extLst>
+              <a:ext uri="{28A0092B-C50C-407E-A947-70E740481C1C}">
+                <a14:useLocalDpi xmlns:a14="http://schemas.microsoft.com/office/drawing/2010/main" val="0"/>
+              </a:ext>
+            </a:extLst>
+          </a:blip>
+          <a:srcRect l="36588" t="30034" r="38673" b="33160"/>
+          <a:stretch/>
+        </p:blipFill>
+        <p:spPr bwMode="auto">
+          <a:xfrm flipH="1">
+            <a:off x="391841" y="837702"/>
+            <a:ext cx="513568" cy="573033"/>
+          </a:xfrm>
+          <a:prstGeom prst="rect">
+            <a:avLst/>
+          </a:prstGeom>
+          <a:noFill/>
+          <a:extLst>
+            <a:ext uri="{909E8E84-426E-40DD-AFC4-6F175D3DCCD1}">
+              <a14:hiddenFill xmlns:a14="http://schemas.microsoft.com/office/drawing/2010/main">
+                <a:solidFill>
+                  <a:srgbClr val="FFFFFF"/>
+                </a:solidFill>
+              </a14:hiddenFill>
+            </a:ext>
+          </a:extLst>
+        </p:spPr>
+      </p:pic>
+      <p:pic>
+        <p:nvPicPr>
+          <p:cNvPr id="37" name="Picture 17" descr="C:\Users\p2admin\Documents\website\impressionist\analysis\Curvature\az379.png"/>
+          <p:cNvPicPr>
+            <a:picLocks noChangeAspect="1" noChangeArrowheads="1"/>
+          </p:cNvPicPr>
+          <p:nvPr/>
+        </p:nvPicPr>
+        <p:blipFill rotWithShape="1">
+          <a:blip r:embed="rId34" cstate="print">
+            <a:extLst>
+              <a:ext uri="{28A0092B-C50C-407E-A947-70E740481C1C}">
+                <a14:useLocalDpi xmlns:a14="http://schemas.microsoft.com/office/drawing/2010/main" val="0"/>
+              </a:ext>
+            </a:extLst>
+          </a:blip>
+          <a:srcRect l="33464" t="35938" r="30339" b="35938"/>
+          <a:stretch/>
+        </p:blipFill>
+        <p:spPr bwMode="auto">
+          <a:xfrm flipH="1">
+            <a:off x="2080276" y="959519"/>
+            <a:ext cx="751431" cy="437884"/>
+          </a:xfrm>
+          <a:prstGeom prst="rect">
+            <a:avLst/>
+          </a:prstGeom>
+          <a:noFill/>
+          <a:extLst>
+            <a:ext uri="{909E8E84-426E-40DD-AFC4-6F175D3DCCD1}">
+              <a14:hiddenFill xmlns:a14="http://schemas.microsoft.com/office/drawing/2010/main">
+                <a:solidFill>
+                  <a:srgbClr val="FFFFFF"/>
+                </a:solidFill>
+              </a14:hiddenFill>
+            </a:ext>
+          </a:extLst>
+        </p:spPr>
+      </p:pic>
+      <p:pic>
+        <p:nvPicPr>
+          <p:cNvPr id="38" name="Picture 18" descr="C:\Users\p2admin\Documents\website\impressionist\analysis\Curvature\az381.png"/>
+          <p:cNvPicPr>
+            <a:picLocks noChangeAspect="1" noChangeArrowheads="1"/>
+          </p:cNvPicPr>
+          <p:nvPr/>
+        </p:nvPicPr>
+        <p:blipFill rotWithShape="1">
+          <a:blip r:embed="rId35" cstate="print">
+            <a:extLst>
+              <a:ext uri="{28A0092B-C50C-407E-A947-70E740481C1C}">
+                <a14:useLocalDpi xmlns:a14="http://schemas.microsoft.com/office/drawing/2010/main" val="0"/>
+              </a:ext>
+            </a:extLst>
+          </a:blip>
+          <a:srcRect l="33464" t="33246" r="30339" b="33507"/>
+          <a:stretch/>
+        </p:blipFill>
+        <p:spPr bwMode="auto">
+          <a:xfrm flipH="1">
+            <a:off x="2940494" y="1002112"/>
+            <a:ext cx="751432" cy="517623"/>
+          </a:xfrm>
+          <a:prstGeom prst="rect">
+            <a:avLst/>
+          </a:prstGeom>
+          <a:noFill/>
+          <a:extLst>
+            <a:ext uri="{909E8E84-426E-40DD-AFC4-6F175D3DCCD1}">
+              <a14:hiddenFill xmlns:a14="http://schemas.microsoft.com/office/drawing/2010/main">
+                <a:solidFill>
+                  <a:srgbClr val="FFFFFF"/>
+                </a:solidFill>
+              </a14:hiddenFill>
+            </a:ext>
+          </a:extLst>
+        </p:spPr>
+      </p:pic>
+      <p:pic>
+        <p:nvPicPr>
+          <p:cNvPr id="39" name="Picture 19" descr="C:\Users\p2admin\Documents\website\impressionist\analysis\Curvature\az382.png"/>
+          <p:cNvPicPr>
+            <a:picLocks noChangeAspect="1" noChangeArrowheads="1"/>
+          </p:cNvPicPr>
+          <p:nvPr/>
+        </p:nvPicPr>
+        <p:blipFill rotWithShape="1">
+          <a:blip r:embed="rId36" cstate="print">
+            <a:extLst>
+              <a:ext uri="{28A0092B-C50C-407E-A947-70E740481C1C}">
+                <a14:useLocalDpi xmlns:a14="http://schemas.microsoft.com/office/drawing/2010/main" val="0"/>
+              </a:ext>
+            </a:extLst>
+          </a:blip>
+          <a:srcRect l="39713" t="27951" r="36328" b="33507"/>
+          <a:stretch/>
+        </p:blipFill>
+        <p:spPr bwMode="auto">
+          <a:xfrm rot="5400000" flipV="1">
+            <a:off x="3879533" y="950755"/>
+            <a:ext cx="497351" cy="600065"/>
+          </a:xfrm>
+          <a:prstGeom prst="rect">
+            <a:avLst/>
+          </a:prstGeom>
+          <a:noFill/>
+          <a:extLst>
+            <a:ext uri="{909E8E84-426E-40DD-AFC4-6F175D3DCCD1}">
+              <a14:hiddenFill xmlns:a14="http://schemas.microsoft.com/office/drawing/2010/main">
+                <a:solidFill>
+                  <a:srgbClr val="FFFFFF"/>
+                </a:solidFill>
+              </a14:hiddenFill>
+            </a:ext>
+          </a:extLst>
+        </p:spPr>
+      </p:pic>
+      <p:pic>
+        <p:nvPicPr>
+          <p:cNvPr id="40" name="Picture 20" descr="C:\Users\p2admin\Documents\website\impressionist\analysis\Curvature\az383.png"/>
+          <p:cNvPicPr>
+            <a:picLocks noChangeAspect="1" noChangeArrowheads="1"/>
+          </p:cNvPicPr>
+          <p:nvPr/>
+        </p:nvPicPr>
+        <p:blipFill rotWithShape="1">
+          <a:blip r:embed="rId37" cstate="print">
+            <a:extLst>
+              <a:ext uri="{28A0092B-C50C-407E-A947-70E740481C1C}">
+                <a14:useLocalDpi xmlns:a14="http://schemas.microsoft.com/office/drawing/2010/main" val="0"/>
+              </a:ext>
+            </a:extLst>
+          </a:blip>
+          <a:srcRect l="42708" t="26215" r="39714" b="32292"/>
+          <a:stretch/>
+        </p:blipFill>
+        <p:spPr bwMode="auto">
+          <a:xfrm rot="16200000" flipV="1">
+            <a:off x="4749157" y="968143"/>
+            <a:ext cx="364903" cy="646013"/>
+          </a:xfrm>
+          <a:prstGeom prst="rect">
+            <a:avLst/>
+          </a:prstGeom>
+          <a:noFill/>
+          <a:extLst>
+            <a:ext uri="{909E8E84-426E-40DD-AFC4-6F175D3DCCD1}">
+              <a14:hiddenFill xmlns:a14="http://schemas.microsoft.com/office/drawing/2010/main">
+                <a:solidFill>
+                  <a:srgbClr val="FFFFFF"/>
+                </a:solidFill>
+              </a14:hiddenFill>
+            </a:ext>
+          </a:extLst>
+        </p:spPr>
+      </p:pic>
+      <p:pic>
+        <p:nvPicPr>
+          <p:cNvPr id="41" name="Picture 21" descr="C:\Users\p2admin\Documents\website\impressionist\analysis\Curvature\az384.png"/>
+          <p:cNvPicPr>
+            <a:picLocks noChangeAspect="1" noChangeArrowheads="1"/>
+          </p:cNvPicPr>
+          <p:nvPr/>
+        </p:nvPicPr>
+        <p:blipFill rotWithShape="1">
+          <a:blip r:embed="rId38" cstate="print">
+            <a:extLst>
+              <a:ext uri="{28A0092B-C50C-407E-A947-70E740481C1C}">
+                <a14:useLocalDpi xmlns:a14="http://schemas.microsoft.com/office/drawing/2010/main" val="0"/>
+              </a:ext>
+            </a:extLst>
+          </a:blip>
+          <a:srcRect l="42187" t="27778" r="38542" b="31423"/>
+          <a:stretch/>
+        </p:blipFill>
+        <p:spPr bwMode="auto">
+          <a:xfrm rot="16200000" flipV="1">
+            <a:off x="5652212" y="1615469"/>
+            <a:ext cx="400041" cy="635200"/>
+          </a:xfrm>
+          <a:prstGeom prst="rect">
+            <a:avLst/>
+          </a:prstGeom>
+          <a:noFill/>
+          <a:extLst>
+            <a:ext uri="{909E8E84-426E-40DD-AFC4-6F175D3DCCD1}">
+              <a14:hiddenFill xmlns:a14="http://schemas.microsoft.com/office/drawing/2010/main">
+                <a:solidFill>
+                  <a:srgbClr val="FFFFFF"/>
+                </a:solidFill>
+              </a14:hiddenFill>
+            </a:ext>
+          </a:extLst>
+        </p:spPr>
+      </p:pic>
+      <p:pic>
+        <p:nvPicPr>
+          <p:cNvPr id="42" name="Picture 22" descr="C:\Users\p2admin\Documents\website\impressionist\analysis\Curvature\az386.png"/>
+          <p:cNvPicPr>
+            <a:picLocks noChangeAspect="1" noChangeArrowheads="1"/>
+          </p:cNvPicPr>
+          <p:nvPr/>
+        </p:nvPicPr>
+        <p:blipFill rotWithShape="1">
+          <a:blip r:embed="rId39" cstate="print">
+            <a:extLst>
+              <a:ext uri="{28A0092B-C50C-407E-A947-70E740481C1C}">
+                <a14:useLocalDpi xmlns:a14="http://schemas.microsoft.com/office/drawing/2010/main" val="0"/>
+              </a:ext>
+            </a:extLst>
+          </a:blip>
+          <a:srcRect l="34636" t="26735" r="32682" b="31772"/>
+          <a:stretch/>
+        </p:blipFill>
+        <p:spPr bwMode="auto">
+          <a:xfrm rot="12977399" flipH="1">
+            <a:off x="1229544" y="1540508"/>
+            <a:ext cx="678449" cy="646014"/>
+          </a:xfrm>
+          <a:prstGeom prst="rect">
+            <a:avLst/>
+          </a:prstGeom>
+          <a:noFill/>
+          <a:extLst>
+            <a:ext uri="{909E8E84-426E-40DD-AFC4-6F175D3DCCD1}">
+              <a14:hiddenFill xmlns:a14="http://schemas.microsoft.com/office/drawing/2010/main">
+                <a:solidFill>
+                  <a:srgbClr val="FFFFFF"/>
+                </a:solidFill>
+              </a14:hiddenFill>
+            </a:ext>
+          </a:extLst>
+        </p:spPr>
+      </p:pic>
+      <p:pic>
+        <p:nvPicPr>
+          <p:cNvPr id="43" name="Picture 23" descr="C:\Users\p2admin\Documents\website\impressionist\analysis\Curvature\az390.png"/>
+          <p:cNvPicPr>
+            <a:picLocks noChangeAspect="1" noChangeArrowheads="1"/>
+          </p:cNvPicPr>
+          <p:nvPr/>
+        </p:nvPicPr>
+        <p:blipFill rotWithShape="1">
+          <a:blip r:embed="rId40" cstate="print">
+            <a:extLst>
+              <a:ext uri="{28A0092B-C50C-407E-A947-70E740481C1C}">
+                <a14:useLocalDpi xmlns:a14="http://schemas.microsoft.com/office/drawing/2010/main" val="0"/>
+              </a:ext>
+            </a:extLst>
+          </a:blip>
+          <a:srcRect l="42187" t="27605" r="38542" b="30729"/>
+          <a:stretch/>
+        </p:blipFill>
+        <p:spPr bwMode="auto">
+          <a:xfrm flipH="1">
+            <a:off x="2199532" y="1473601"/>
+            <a:ext cx="400043" cy="648718"/>
+          </a:xfrm>
+          <a:prstGeom prst="rect">
+            <a:avLst/>
+          </a:prstGeom>
+          <a:noFill/>
+          <a:extLst>
+            <a:ext uri="{909E8E84-426E-40DD-AFC4-6F175D3DCCD1}">
+              <a14:hiddenFill xmlns:a14="http://schemas.microsoft.com/office/drawing/2010/main">
+                <a:solidFill>
+                  <a:srgbClr val="FFFFFF"/>
+                </a:solidFill>
+              </a14:hiddenFill>
+            </a:ext>
+          </a:extLst>
+        </p:spPr>
+      </p:pic>
+      <p:pic>
+        <p:nvPicPr>
+          <p:cNvPr id="44" name="Picture 24" descr="C:\Users\p2admin\Documents\website\impressionist\analysis\Curvature\az391.png"/>
+          <p:cNvPicPr>
+            <a:picLocks noChangeAspect="1" noChangeArrowheads="1"/>
+          </p:cNvPicPr>
+          <p:nvPr/>
+        </p:nvPicPr>
+        <p:blipFill rotWithShape="1">
+          <a:blip r:embed="rId41" cstate="print">
+            <a:extLst>
+              <a:ext uri="{28A0092B-C50C-407E-A947-70E740481C1C}">
+                <a14:useLocalDpi xmlns:a14="http://schemas.microsoft.com/office/drawing/2010/main" val="0"/>
+              </a:ext>
+            </a:extLst>
+          </a:blip>
+          <a:srcRect l="33594" t="31858" r="31250" b="36284"/>
+          <a:stretch/>
+        </p:blipFill>
+        <p:spPr bwMode="auto">
+          <a:xfrm flipH="1">
+            <a:off x="2856904" y="1626320"/>
+            <a:ext cx="729807" cy="495999"/>
+          </a:xfrm>
+          <a:prstGeom prst="rect">
+            <a:avLst/>
+          </a:prstGeom>
+          <a:noFill/>
+          <a:extLst>
+            <a:ext uri="{909E8E84-426E-40DD-AFC4-6F175D3DCCD1}">
+              <a14:hiddenFill xmlns:a14="http://schemas.microsoft.com/office/drawing/2010/main">
+                <a:solidFill>
+                  <a:srgbClr val="FFFFFF"/>
+                </a:solidFill>
+              </a14:hiddenFill>
+            </a:ext>
+          </a:extLst>
+        </p:spPr>
+      </p:pic>
+      <p:pic>
+        <p:nvPicPr>
+          <p:cNvPr id="45" name="Picture 25" descr="C:\Users\p2admin\Documents\website\impressionist\analysis\Curvature\az392.png"/>
+          <p:cNvPicPr>
+            <a:picLocks noChangeAspect="1" noChangeArrowheads="1"/>
+          </p:cNvPicPr>
+          <p:nvPr/>
+        </p:nvPicPr>
+        <p:blipFill rotWithShape="1">
+          <a:blip r:embed="rId42" cstate="print">
+            <a:extLst>
+              <a:ext uri="{28A0092B-C50C-407E-A947-70E740481C1C}">
+                <a14:useLocalDpi xmlns:a14="http://schemas.microsoft.com/office/drawing/2010/main" val="0"/>
+              </a:ext>
+            </a:extLst>
+          </a:blip>
+          <a:srcRect l="32682" t="31771" r="29558" b="36459"/>
+          <a:stretch/>
+        </p:blipFill>
+        <p:spPr bwMode="auto">
+          <a:xfrm flipH="1">
+            <a:off x="3771259" y="1627671"/>
+            <a:ext cx="783869" cy="494648"/>
+          </a:xfrm>
+          <a:prstGeom prst="rect">
+            <a:avLst/>
+          </a:prstGeom>
+          <a:noFill/>
+          <a:extLst>
+            <a:ext uri="{909E8E84-426E-40DD-AFC4-6F175D3DCCD1}">
+              <a14:hiddenFill xmlns:a14="http://schemas.microsoft.com/office/drawing/2010/main">
+                <a:solidFill>
+                  <a:srgbClr val="FFFFFF"/>
+                </a:solidFill>
+              </a14:hiddenFill>
+            </a:ext>
+          </a:extLst>
+        </p:spPr>
+      </p:pic>
+      <p:pic>
+        <p:nvPicPr>
+          <p:cNvPr id="46" name="Picture 26" descr="C:\Users\p2admin\Documents\website\impressionist\analysis\Curvature\az393.png"/>
+          <p:cNvPicPr>
+            <a:picLocks noChangeAspect="1" noChangeArrowheads="1"/>
+          </p:cNvPicPr>
+          <p:nvPr/>
+        </p:nvPicPr>
+        <p:blipFill rotWithShape="1">
+          <a:blip r:embed="rId43" cstate="print">
+            <a:extLst>
+              <a:ext uri="{28A0092B-C50C-407E-A947-70E740481C1C}">
+                <a14:useLocalDpi xmlns:a14="http://schemas.microsoft.com/office/drawing/2010/main" val="0"/>
+              </a:ext>
+            </a:extLst>
+          </a:blip>
+          <a:srcRect l="38281" t="35243" r="33594" b="36458"/>
+          <a:stretch/>
+        </p:blipFill>
+        <p:spPr bwMode="auto">
+          <a:xfrm flipH="1">
+            <a:off x="4784966" y="1689352"/>
+            <a:ext cx="583845" cy="440587"/>
+          </a:xfrm>
+          <a:prstGeom prst="rect">
+            <a:avLst/>
+          </a:prstGeom>
+          <a:noFill/>
+          <a:extLst>
+            <a:ext uri="{909E8E84-426E-40DD-AFC4-6F175D3DCCD1}">
+              <a14:hiddenFill xmlns:a14="http://schemas.microsoft.com/office/drawing/2010/main">
+                <a:solidFill>
+                  <a:srgbClr val="FFFFFF"/>
+                </a:solidFill>
+              </a14:hiddenFill>
+            </a:ext>
+          </a:extLst>
+        </p:spPr>
+      </p:pic>
+      <p:pic>
+        <p:nvPicPr>
+          <p:cNvPr id="36" name="Picture 16" descr="C:\Users\p2admin\Documents\website\impressionist\analysis\Curvature\az378.png"/>
+          <p:cNvPicPr>
+            <a:picLocks noChangeAspect="1" noChangeArrowheads="1"/>
+          </p:cNvPicPr>
+          <p:nvPr/>
+        </p:nvPicPr>
+        <p:blipFill rotWithShape="1">
+          <a:blip r:embed="rId44" cstate="print">
+            <a:extLst>
+              <a:ext uri="{28A0092B-C50C-407E-A947-70E740481C1C}">
+                <a14:useLocalDpi xmlns:a14="http://schemas.microsoft.com/office/drawing/2010/main" val="0"/>
+              </a:ext>
+            </a:extLst>
+          </a:blip>
+          <a:srcRect l="34636" t="30382" r="32682" b="33854"/>
+          <a:stretch/>
+        </p:blipFill>
+        <p:spPr bwMode="auto">
+          <a:xfrm flipH="1">
+            <a:off x="1229543" y="890324"/>
+            <a:ext cx="678449" cy="556815"/>
+          </a:xfrm>
+          <a:prstGeom prst="rect">
+            <a:avLst/>
+          </a:prstGeom>
+          <a:noFill/>
+          <a:extLst>
+            <a:ext uri="{909E8E84-426E-40DD-AFC4-6F175D3DCCD1}">
+              <a14:hiddenFill xmlns:a14="http://schemas.microsoft.com/office/drawing/2010/main">
+                <a:solidFill>
+                  <a:srgbClr val="FFFFFF"/>
+                </a:solidFill>
+              </a14:hiddenFill>
+            </a:ext>
+          </a:extLst>
+        </p:spPr>
+      </p:pic>
+      <p:sp>
+        <p:nvSpPr>
+          <p:cNvPr id="2" name="Oval 1"/>
+          <p:cNvSpPr/>
+          <p:nvPr/>
+        </p:nvSpPr>
+        <p:spPr>
+          <a:xfrm>
+            <a:off x="243084" y="778964"/>
+            <a:ext cx="896575" cy="668175"/>
+          </a:xfrm>
+          <a:prstGeom prst="ellipse">
+            <a:avLst/>
+          </a:prstGeom>
+          <a:noFill/>
+          <a:ln>
+            <a:solidFill>
+              <a:schemeClr val="tx1"/>
+            </a:solidFill>
+          </a:ln>
+        </p:spPr>
+        <p:style>
+          <a:lnRef idx="2">
+            <a:schemeClr val="accent1">
+              <a:shade val="50000"/>
+            </a:schemeClr>
+          </a:lnRef>
+          <a:fillRef idx="1">
+            <a:schemeClr val="accent1"/>
+          </a:fillRef>
+          <a:effectRef idx="0">
+            <a:schemeClr val="accent1"/>
+          </a:effectRef>
+          <a:fontRef idx="minor">
+            <a:schemeClr val="lt1"/>
+          </a:fontRef>
+        </p:style>
+        <p:txBody>
+          <a:bodyPr rtlCol="0" anchor="ctr"/>
+          <a:lstStyle/>
+          <a:p>
+            <a:pPr algn="ctr"/>
+            <a:endParaRPr lang="en-US"/>
+          </a:p>
+        </p:txBody>
+      </p:sp>
+      <p:sp>
+        <p:nvSpPr>
+          <p:cNvPr id="53" name="Oval 52"/>
+          <p:cNvSpPr/>
+          <p:nvPr/>
+        </p:nvSpPr>
+        <p:spPr>
+          <a:xfrm>
+            <a:off x="236532" y="1510906"/>
+            <a:ext cx="896575" cy="668175"/>
+          </a:xfrm>
+          <a:prstGeom prst="ellipse">
+            <a:avLst/>
+          </a:prstGeom>
+          <a:noFill/>
+          <a:ln>
+            <a:solidFill>
+              <a:schemeClr val="tx1"/>
+            </a:solidFill>
+          </a:ln>
+        </p:spPr>
+        <p:style>
+          <a:lnRef idx="2">
+            <a:schemeClr val="accent1">
+              <a:shade val="50000"/>
+            </a:schemeClr>
+          </a:lnRef>
+          <a:fillRef idx="1">
+            <a:schemeClr val="accent1"/>
+          </a:fillRef>
+          <a:effectRef idx="0">
+            <a:schemeClr val="accent1"/>
+          </a:effectRef>
+          <a:fontRef idx="minor">
+            <a:schemeClr val="lt1"/>
+          </a:fontRef>
+        </p:style>
+        <p:txBody>
+          <a:bodyPr rtlCol="0" anchor="ctr"/>
+          <a:lstStyle/>
+          <a:p>
+            <a:pPr algn="ctr"/>
+            <a:endParaRPr lang="en-US"/>
+          </a:p>
+        </p:txBody>
+      </p:sp>
+      <p:sp>
+        <p:nvSpPr>
+          <p:cNvPr id="55" name="Oval 54"/>
+          <p:cNvSpPr/>
+          <p:nvPr/>
+        </p:nvSpPr>
+        <p:spPr>
+          <a:xfrm>
+            <a:off x="5262052" y="784431"/>
+            <a:ext cx="1102916" cy="876438"/>
+          </a:xfrm>
+          <a:prstGeom prst="ellipse">
+            <a:avLst/>
+          </a:prstGeom>
+          <a:noFill/>
+          <a:ln>
+            <a:solidFill>
+              <a:schemeClr val="tx1"/>
+            </a:solidFill>
+          </a:ln>
+        </p:spPr>
+        <p:style>
+          <a:lnRef idx="2">
+            <a:schemeClr val="accent1">
+              <a:shade val="50000"/>
+            </a:schemeClr>
+          </a:lnRef>
+          <a:fillRef idx="1">
+            <a:schemeClr val="accent1"/>
+          </a:fillRef>
+          <a:effectRef idx="0">
+            <a:schemeClr val="accent1"/>
+          </a:effectRef>
+          <a:fontRef idx="minor">
+            <a:schemeClr val="lt1"/>
+          </a:fontRef>
+        </p:style>
+        <p:txBody>
+          <a:bodyPr rtlCol="0" anchor="ctr"/>
+          <a:lstStyle/>
+          <a:p>
+            <a:pPr algn="ctr"/>
+            <a:endParaRPr lang="en-US"/>
+          </a:p>
+        </p:txBody>
+      </p:sp>
+      <p:sp>
+        <p:nvSpPr>
+          <p:cNvPr id="56" name="Oval 55"/>
+          <p:cNvSpPr/>
+          <p:nvPr/>
+        </p:nvSpPr>
+        <p:spPr>
+          <a:xfrm>
+            <a:off x="1978862" y="790130"/>
+            <a:ext cx="896575" cy="668175"/>
+          </a:xfrm>
+          <a:prstGeom prst="ellipse">
+            <a:avLst/>
+          </a:prstGeom>
+          <a:noFill/>
+          <a:ln>
+            <a:solidFill>
+              <a:schemeClr val="tx1"/>
+            </a:solidFill>
+          </a:ln>
+        </p:spPr>
+        <p:style>
+          <a:lnRef idx="2">
+            <a:schemeClr val="accent1">
+              <a:shade val="50000"/>
+            </a:schemeClr>
+          </a:lnRef>
+          <a:fillRef idx="1">
+            <a:schemeClr val="accent1"/>
+          </a:fillRef>
+          <a:effectRef idx="0">
+            <a:schemeClr val="accent1"/>
+          </a:effectRef>
+          <a:fontRef idx="minor">
+            <a:schemeClr val="lt1"/>
+          </a:fontRef>
+        </p:style>
+        <p:txBody>
+          <a:bodyPr rtlCol="0" anchor="ctr"/>
+          <a:lstStyle/>
+          <a:p>
+            <a:pPr algn="ctr"/>
+            <a:endParaRPr lang="en-US"/>
+          </a:p>
+        </p:txBody>
+      </p:sp>
+      <p:sp>
+        <p:nvSpPr>
+          <p:cNvPr id="57" name="Oval 56"/>
+          <p:cNvSpPr/>
+          <p:nvPr/>
+        </p:nvSpPr>
+        <p:spPr>
+          <a:xfrm>
+            <a:off x="5168523" y="168261"/>
+            <a:ext cx="699011" cy="610703"/>
+          </a:xfrm>
+          <a:prstGeom prst="ellipse">
+            <a:avLst/>
+          </a:prstGeom>
+          <a:noFill/>
+          <a:ln>
+            <a:solidFill>
+              <a:schemeClr val="tx1"/>
+            </a:solidFill>
+          </a:ln>
+        </p:spPr>
+        <p:style>
+          <a:lnRef idx="2">
+            <a:schemeClr val="accent1">
+              <a:shade val="50000"/>
+            </a:schemeClr>
+          </a:lnRef>
+          <a:fillRef idx="1">
+            <a:schemeClr val="accent1"/>
+          </a:fillRef>
+          <a:effectRef idx="0">
+            <a:schemeClr val="accent1"/>
+          </a:effectRef>
+          <a:fontRef idx="minor">
+            <a:schemeClr val="lt1"/>
+          </a:fontRef>
+        </p:style>
+        <p:txBody>
+          <a:bodyPr rtlCol="0" anchor="ctr"/>
+          <a:lstStyle/>
+          <a:p>
+            <a:pPr algn="ctr"/>
+            <a:endParaRPr lang="en-US"/>
+          </a:p>
+        </p:txBody>
+      </p:sp>
+      <p:sp>
+        <p:nvSpPr>
+          <p:cNvPr id="58" name="Oval 57"/>
+          <p:cNvSpPr/>
+          <p:nvPr/>
+        </p:nvSpPr>
+        <p:spPr>
+          <a:xfrm>
+            <a:off x="1166061" y="1510115"/>
+            <a:ext cx="896575" cy="668175"/>
+          </a:xfrm>
+          <a:prstGeom prst="ellipse">
+            <a:avLst/>
+          </a:prstGeom>
+          <a:noFill/>
+          <a:ln>
+            <a:solidFill>
+              <a:schemeClr val="tx1"/>
+            </a:solidFill>
+          </a:ln>
+        </p:spPr>
+        <p:style>
+          <a:lnRef idx="2">
+            <a:schemeClr val="accent1">
+              <a:shade val="50000"/>
+            </a:schemeClr>
+          </a:lnRef>
+          <a:fillRef idx="1">
+            <a:schemeClr val="accent1"/>
+          </a:fillRef>
+          <a:effectRef idx="0">
+            <a:schemeClr val="accent1"/>
+          </a:effectRef>
+          <a:fontRef idx="minor">
+            <a:schemeClr val="lt1"/>
+          </a:fontRef>
+        </p:style>
+        <p:txBody>
+          <a:bodyPr rtlCol="0" anchor="ctr"/>
+          <a:lstStyle/>
+          <a:p>
+            <a:pPr algn="ctr"/>
+            <a:endParaRPr lang="en-US"/>
+          </a:p>
+        </p:txBody>
+      </p:sp>
+      <p:pic>
+        <p:nvPicPr>
+          <p:cNvPr id="59" name="Picture 48"/>
+          <p:cNvPicPr>
+            <a:picLocks noChangeAspect="1" noChangeArrowheads="1"/>
+          </p:cNvPicPr>
+          <p:nvPr/>
+        </p:nvPicPr>
+        <p:blipFill>
+          <a:blip r:embed="rId45" cstate="print">
+            <a:extLst>
+              <a:ext uri="{28A0092B-C50C-407E-A947-70E740481C1C}">
+                <a14:useLocalDpi xmlns:a14="http://schemas.microsoft.com/office/drawing/2010/main" val="0"/>
+              </a:ext>
+            </a:extLst>
+          </a:blip>
+          <a:srcRect/>
+          <a:stretch>
+            <a:fillRect/>
+          </a:stretch>
+        </p:blipFill>
+        <p:spPr bwMode="auto">
+          <a:xfrm flipH="1">
+            <a:off x="4662732" y="5676712"/>
+            <a:ext cx="694092" cy="564747"/>
+          </a:xfrm>
+          <a:prstGeom prst="rect">
+            <a:avLst/>
+          </a:prstGeom>
+          <a:noFill/>
+          <a:ln>
+            <a:noFill/>
+          </a:ln>
+          <a:extLst>
+            <a:ext uri="{909E8E84-426E-40DD-AFC4-6F175D3DCCD1}">
+              <a14:hiddenFill xmlns:a14="http://schemas.microsoft.com/office/drawing/2010/main">
+                <a:solidFill>
+                  <a:schemeClr val="accent1"/>
+                </a:solidFill>
+              </a14:hiddenFill>
+            </a:ext>
+            <a:ext uri="{91240B29-F687-4F45-9708-019B960494DF}">
+              <a14:hiddenLine xmlns:a14="http://schemas.microsoft.com/office/drawing/2010/main" w="9525">
+                <a:solidFill>
+                  <a:schemeClr val="tx1"/>
+                </a:solidFill>
+                <a:miter lim="800000"/>
+                <a:headEnd/>
+                <a:tailEnd/>
+              </a14:hiddenLine>
+            </a:ext>
+          </a:extLst>
+        </p:spPr>
+      </p:pic>
+      <p:pic>
+        <p:nvPicPr>
+          <p:cNvPr id="60" name="Picture 49"/>
+          <p:cNvPicPr>
+            <a:picLocks noChangeAspect="1" noChangeArrowheads="1"/>
+          </p:cNvPicPr>
+          <p:nvPr/>
+        </p:nvPicPr>
+        <p:blipFill>
+          <a:blip r:embed="rId46" cstate="print">
+            <a:extLst>
+              <a:ext uri="{28A0092B-C50C-407E-A947-70E740481C1C}">
+                <a14:useLocalDpi xmlns:a14="http://schemas.microsoft.com/office/drawing/2010/main" val="0"/>
+              </a:ext>
+            </a:extLst>
+          </a:blip>
+          <a:srcRect/>
+          <a:stretch>
+            <a:fillRect/>
+          </a:stretch>
+        </p:blipFill>
+        <p:spPr bwMode="auto">
+          <a:xfrm flipH="1">
+            <a:off x="5679944" y="5639258"/>
+            <a:ext cx="785317" cy="493572"/>
+          </a:xfrm>
+          <a:prstGeom prst="rect">
+            <a:avLst/>
+          </a:prstGeom>
+          <a:noFill/>
+          <a:ln>
+            <a:noFill/>
+          </a:ln>
+          <a:extLst>
+            <a:ext uri="{909E8E84-426E-40DD-AFC4-6F175D3DCCD1}">
+              <a14:hiddenFill xmlns:a14="http://schemas.microsoft.com/office/drawing/2010/main">
+                <a:solidFill>
+                  <a:schemeClr val="accent1"/>
+                </a:solidFill>
+              </a14:hiddenFill>
+            </a:ext>
+            <a:ext uri="{91240B29-F687-4F45-9708-019B960494DF}">
+              <a14:hiddenLine xmlns:a14="http://schemas.microsoft.com/office/drawing/2010/main" w="9525">
+                <a:solidFill>
+                  <a:schemeClr val="tx1"/>
+                </a:solidFill>
+                <a:miter lim="800000"/>
+                <a:headEnd/>
+                <a:tailEnd/>
+              </a14:hiddenLine>
+            </a:ext>
+          </a:extLst>
+        </p:spPr>
+      </p:pic>
+      <p:pic>
+        <p:nvPicPr>
+          <p:cNvPr id="61" name="Picture 50"/>
+          <p:cNvPicPr>
+            <a:picLocks noChangeAspect="1" noChangeArrowheads="1"/>
+          </p:cNvPicPr>
+          <p:nvPr/>
+        </p:nvPicPr>
+        <p:blipFill>
+          <a:blip r:embed="rId47" cstate="print">
+            <a:extLst>
+              <a:ext uri="{28A0092B-C50C-407E-A947-70E740481C1C}">
+                <a14:useLocalDpi xmlns:a14="http://schemas.microsoft.com/office/drawing/2010/main" val="0"/>
+              </a:ext>
+            </a:extLst>
+          </a:blip>
+          <a:srcRect/>
+          <a:stretch>
+            <a:fillRect/>
+          </a:stretch>
+        </p:blipFill>
+        <p:spPr bwMode="auto">
+          <a:xfrm flipH="1">
+            <a:off x="5917630" y="7853067"/>
+            <a:ext cx="838199" cy="795893"/>
+          </a:xfrm>
+          <a:prstGeom prst="rect">
+            <a:avLst/>
+          </a:prstGeom>
+          <a:noFill/>
+          <a:ln>
+            <a:noFill/>
+          </a:ln>
+          <a:extLst>
+            <a:ext uri="{909E8E84-426E-40DD-AFC4-6F175D3DCCD1}">
+              <a14:hiddenFill xmlns:a14="http://schemas.microsoft.com/office/drawing/2010/main">
+                <a:solidFill>
+                  <a:schemeClr val="accent1"/>
+                </a:solidFill>
+              </a14:hiddenFill>
+            </a:ext>
+            <a:ext uri="{91240B29-F687-4F45-9708-019B960494DF}">
+              <a14:hiddenLine xmlns:a14="http://schemas.microsoft.com/office/drawing/2010/main" w="9525">
+                <a:solidFill>
+                  <a:schemeClr val="tx1"/>
+                </a:solidFill>
+                <a:miter lim="800000"/>
+                <a:headEnd/>
+                <a:tailEnd/>
+              </a14:hiddenLine>
+            </a:ext>
+          </a:extLst>
+        </p:spPr>
+      </p:pic>
+      <p:pic>
+        <p:nvPicPr>
+          <p:cNvPr id="62" name="Picture 51"/>
+          <p:cNvPicPr>
+            <a:picLocks noChangeAspect="1" noChangeArrowheads="1"/>
+          </p:cNvPicPr>
+          <p:nvPr/>
+        </p:nvPicPr>
+        <p:blipFill>
+          <a:blip r:embed="rId48" cstate="print">
+            <a:extLst>
+              <a:ext uri="{28A0092B-C50C-407E-A947-70E740481C1C}">
+                <a14:useLocalDpi xmlns:a14="http://schemas.microsoft.com/office/drawing/2010/main" val="0"/>
+              </a:ext>
+            </a:extLst>
+          </a:blip>
+          <a:srcRect/>
+          <a:stretch>
+            <a:fillRect/>
+          </a:stretch>
+        </p:blipFill>
+        <p:spPr bwMode="auto">
+          <a:xfrm flipH="1">
+            <a:off x="2780945" y="7014867"/>
+            <a:ext cx="1044443" cy="634598"/>
+          </a:xfrm>
+          <a:prstGeom prst="rect">
+            <a:avLst/>
+          </a:prstGeom>
+          <a:noFill/>
+          <a:ln>
+            <a:noFill/>
+          </a:ln>
+          <a:extLst>
+            <a:ext uri="{909E8E84-426E-40DD-AFC4-6F175D3DCCD1}">
+              <a14:hiddenFill xmlns:a14="http://schemas.microsoft.com/office/drawing/2010/main">
+                <a:solidFill>
+                  <a:schemeClr val="accent1"/>
+                </a:solidFill>
+              </a14:hiddenFill>
+            </a:ext>
+            <a:ext uri="{91240B29-F687-4F45-9708-019B960494DF}">
+              <a14:hiddenLine xmlns:a14="http://schemas.microsoft.com/office/drawing/2010/main" w="9525">
+                <a:solidFill>
+                  <a:schemeClr val="tx1"/>
+                </a:solidFill>
+                <a:miter lim="800000"/>
+                <a:headEnd/>
+                <a:tailEnd/>
+              </a14:hiddenLine>
+            </a:ext>
+          </a:extLst>
+        </p:spPr>
+      </p:pic>
+      <p:pic>
+        <p:nvPicPr>
+          <p:cNvPr id="63" name="Picture 52"/>
+          <p:cNvPicPr>
+            <a:picLocks noChangeAspect="1" noChangeArrowheads="1"/>
+          </p:cNvPicPr>
+          <p:nvPr/>
+        </p:nvPicPr>
+        <p:blipFill>
+          <a:blip r:embed="rId49" cstate="print">
+            <a:extLst>
+              <a:ext uri="{28A0092B-C50C-407E-A947-70E740481C1C}">
+                <a14:useLocalDpi xmlns:a14="http://schemas.microsoft.com/office/drawing/2010/main" val="0"/>
+              </a:ext>
+            </a:extLst>
+          </a:blip>
+          <a:srcRect/>
+          <a:stretch>
+            <a:fillRect/>
+          </a:stretch>
+        </p:blipFill>
+        <p:spPr bwMode="auto">
+          <a:xfrm flipH="1">
+            <a:off x="5155630" y="7626631"/>
+            <a:ext cx="624022" cy="830266"/>
+          </a:xfrm>
+          <a:prstGeom prst="rect">
+            <a:avLst/>
+          </a:prstGeom>
+          <a:noFill/>
+          <a:ln>
+            <a:noFill/>
+          </a:ln>
+          <a:extLst>
+            <a:ext uri="{909E8E84-426E-40DD-AFC4-6F175D3DCCD1}">
+              <a14:hiddenFill xmlns:a14="http://schemas.microsoft.com/office/drawing/2010/main">
+                <a:solidFill>
+                  <a:schemeClr val="accent1"/>
+                </a:solidFill>
+              </a14:hiddenFill>
+            </a:ext>
+            <a:ext uri="{91240B29-F687-4F45-9708-019B960494DF}">
+              <a14:hiddenLine xmlns:a14="http://schemas.microsoft.com/office/drawing/2010/main" w="9525">
+                <a:solidFill>
+                  <a:schemeClr val="tx1"/>
+                </a:solidFill>
+                <a:miter lim="800000"/>
+                <a:headEnd/>
+                <a:tailEnd/>
+              </a14:hiddenLine>
+            </a:ext>
+          </a:extLst>
+        </p:spPr>
+      </p:pic>
+      <p:pic>
+        <p:nvPicPr>
+          <p:cNvPr id="64" name="Picture 53"/>
+          <p:cNvPicPr>
+            <a:picLocks noChangeAspect="1" noChangeArrowheads="1"/>
+          </p:cNvPicPr>
+          <p:nvPr/>
+        </p:nvPicPr>
+        <p:blipFill>
+          <a:blip r:embed="rId50" cstate="print">
+            <a:extLst>
+              <a:ext uri="{28A0092B-C50C-407E-A947-70E740481C1C}">
+                <a14:useLocalDpi xmlns:a14="http://schemas.microsoft.com/office/drawing/2010/main" val="0"/>
+              </a:ext>
+            </a:extLst>
+          </a:blip>
+          <a:srcRect/>
+          <a:stretch>
+            <a:fillRect/>
+          </a:stretch>
+        </p:blipFill>
+        <p:spPr bwMode="auto">
+          <a:xfrm flipH="1">
+            <a:off x="50230" y="6362625"/>
+            <a:ext cx="899014" cy="848775"/>
+          </a:xfrm>
+          <a:prstGeom prst="rect">
+            <a:avLst/>
+          </a:prstGeom>
+          <a:noFill/>
+          <a:ln>
+            <a:noFill/>
+          </a:ln>
+          <a:extLst>
+            <a:ext uri="{909E8E84-426E-40DD-AFC4-6F175D3DCCD1}">
+              <a14:hiddenFill xmlns:a14="http://schemas.microsoft.com/office/drawing/2010/main">
+                <a:solidFill>
+                  <a:schemeClr val="accent1"/>
+                </a:solidFill>
+              </a14:hiddenFill>
+            </a:ext>
+            <a:ext uri="{91240B29-F687-4F45-9708-019B960494DF}">
+              <a14:hiddenLine xmlns:a14="http://schemas.microsoft.com/office/drawing/2010/main" w="9525">
+                <a:solidFill>
+                  <a:schemeClr val="tx1"/>
+                </a:solidFill>
+                <a:miter lim="800000"/>
+                <a:headEnd/>
+                <a:tailEnd/>
+              </a14:hiddenLine>
+            </a:ext>
+          </a:extLst>
+        </p:spPr>
+      </p:pic>
+      <p:pic>
+        <p:nvPicPr>
+          <p:cNvPr id="65" name="Picture 54"/>
+          <p:cNvPicPr>
+            <a:picLocks noChangeAspect="1" noChangeArrowheads="1"/>
+          </p:cNvPicPr>
+          <p:nvPr/>
+        </p:nvPicPr>
+        <p:blipFill>
+          <a:blip r:embed="rId51" cstate="print">
+            <a:extLst>
+              <a:ext uri="{28A0092B-C50C-407E-A947-70E740481C1C}">
+                <a14:useLocalDpi xmlns:a14="http://schemas.microsoft.com/office/drawing/2010/main" val="0"/>
+              </a:ext>
+            </a:extLst>
+          </a:blip>
+          <a:srcRect/>
+          <a:stretch>
+            <a:fillRect/>
+          </a:stretch>
+        </p:blipFill>
+        <p:spPr bwMode="auto">
+          <a:xfrm flipH="1">
+            <a:off x="4488879" y="6300140"/>
+            <a:ext cx="520899" cy="803824"/>
+          </a:xfrm>
+          <a:prstGeom prst="rect">
+            <a:avLst/>
+          </a:prstGeom>
+          <a:noFill/>
+          <a:ln>
+            <a:noFill/>
+          </a:ln>
+          <a:extLst>
+            <a:ext uri="{909E8E84-426E-40DD-AFC4-6F175D3DCCD1}">
+              <a14:hiddenFill xmlns:a14="http://schemas.microsoft.com/office/drawing/2010/main">
+                <a:solidFill>
+                  <a:schemeClr val="accent1"/>
+                </a:solidFill>
+              </a14:hiddenFill>
+            </a:ext>
+            <a:ext uri="{91240B29-F687-4F45-9708-019B960494DF}">
+              <a14:hiddenLine xmlns:a14="http://schemas.microsoft.com/office/drawing/2010/main" w="9525">
+                <a:solidFill>
+                  <a:schemeClr val="tx1"/>
+                </a:solidFill>
+                <a:miter lim="800000"/>
+                <a:headEnd/>
+                <a:tailEnd/>
+              </a14:hiddenLine>
+            </a:ext>
+          </a:extLst>
+        </p:spPr>
+      </p:pic>
+      <p:pic>
+        <p:nvPicPr>
+          <p:cNvPr id="66" name="Picture 55"/>
+          <p:cNvPicPr>
+            <a:picLocks noChangeAspect="1" noChangeArrowheads="1"/>
+          </p:cNvPicPr>
+          <p:nvPr/>
+        </p:nvPicPr>
+        <p:blipFill>
+          <a:blip r:embed="rId52" cstate="print">
+            <a:extLst>
+              <a:ext uri="{28A0092B-C50C-407E-A947-70E740481C1C}">
+                <a14:useLocalDpi xmlns:a14="http://schemas.microsoft.com/office/drawing/2010/main" val="0"/>
+              </a:ext>
+            </a:extLst>
+          </a:blip>
+          <a:srcRect/>
+          <a:stretch>
+            <a:fillRect/>
+          </a:stretch>
+        </p:blipFill>
+        <p:spPr bwMode="auto">
+          <a:xfrm flipH="1">
+            <a:off x="3569667" y="5220594"/>
+            <a:ext cx="629311" cy="912236"/>
+          </a:xfrm>
+          <a:prstGeom prst="rect">
+            <a:avLst/>
+          </a:prstGeom>
+          <a:noFill/>
+          <a:ln>
+            <a:noFill/>
+          </a:ln>
+          <a:extLst>
+            <a:ext uri="{909E8E84-426E-40DD-AFC4-6F175D3DCCD1}">
+              <a14:hiddenFill xmlns:a14="http://schemas.microsoft.com/office/drawing/2010/main">
+                <a:solidFill>
+                  <a:schemeClr val="accent1"/>
+                </a:solidFill>
+              </a14:hiddenFill>
+            </a:ext>
+            <a:ext uri="{91240B29-F687-4F45-9708-019B960494DF}">
+              <a14:hiddenLine xmlns:a14="http://schemas.microsoft.com/office/drawing/2010/main" w="9525">
+                <a:solidFill>
+                  <a:schemeClr val="tx1"/>
+                </a:solidFill>
+                <a:miter lim="800000"/>
+                <a:headEnd/>
+                <a:tailEnd/>
+              </a14:hiddenLine>
+            </a:ext>
+          </a:extLst>
+        </p:spPr>
+      </p:pic>
+      <p:pic>
+        <p:nvPicPr>
+          <p:cNvPr id="67" name="Picture 56"/>
+          <p:cNvPicPr>
+            <a:picLocks noChangeAspect="1" noChangeArrowheads="1"/>
+          </p:cNvPicPr>
+          <p:nvPr/>
+        </p:nvPicPr>
+        <p:blipFill>
+          <a:blip r:embed="rId53" cstate="print">
+            <a:extLst>
+              <a:ext uri="{28A0092B-C50C-407E-A947-70E740481C1C}">
+                <a14:useLocalDpi xmlns:a14="http://schemas.microsoft.com/office/drawing/2010/main" val="0"/>
+              </a:ext>
+            </a:extLst>
+          </a:blip>
+          <a:srcRect/>
+          <a:stretch>
+            <a:fillRect/>
+          </a:stretch>
+        </p:blipFill>
+        <p:spPr bwMode="auto">
+          <a:xfrm flipH="1">
+            <a:off x="6908230" y="6959340"/>
+            <a:ext cx="676904" cy="745652"/>
+          </a:xfrm>
+          <a:prstGeom prst="rect">
+            <a:avLst/>
+          </a:prstGeom>
+          <a:noFill/>
+          <a:ln>
+            <a:noFill/>
+          </a:ln>
+          <a:extLst>
+            <a:ext uri="{909E8E84-426E-40DD-AFC4-6F175D3DCCD1}">
+              <a14:hiddenFill xmlns:a14="http://schemas.microsoft.com/office/drawing/2010/main">
+                <a:solidFill>
+                  <a:schemeClr val="accent1"/>
+                </a:solidFill>
+              </a14:hiddenFill>
+            </a:ext>
+            <a:ext uri="{91240B29-F687-4F45-9708-019B960494DF}">
+              <a14:hiddenLine xmlns:a14="http://schemas.microsoft.com/office/drawing/2010/main" w="9525">
+                <a:solidFill>
+                  <a:schemeClr val="tx1"/>
+                </a:solidFill>
+                <a:miter lim="800000"/>
+                <a:headEnd/>
+                <a:tailEnd/>
+              </a14:hiddenLine>
+            </a:ext>
+          </a:extLst>
+        </p:spPr>
+      </p:pic>
+      <p:pic>
+        <p:nvPicPr>
+          <p:cNvPr id="68" name="Picture 57"/>
+          <p:cNvPicPr>
+            <a:picLocks noChangeAspect="1" noChangeArrowheads="1"/>
+          </p:cNvPicPr>
+          <p:nvPr/>
+        </p:nvPicPr>
+        <p:blipFill>
+          <a:blip r:embed="rId54" cstate="print">
+            <a:extLst>
+              <a:ext uri="{28A0092B-C50C-407E-A947-70E740481C1C}">
+                <a14:useLocalDpi xmlns:a14="http://schemas.microsoft.com/office/drawing/2010/main" val="0"/>
+              </a:ext>
+            </a:extLst>
+          </a:blip>
+          <a:srcRect/>
+          <a:stretch>
+            <a:fillRect/>
+          </a:stretch>
+        </p:blipFill>
+        <p:spPr bwMode="auto">
+          <a:xfrm flipH="1">
+            <a:off x="5819795" y="9276612"/>
+            <a:ext cx="1033867" cy="724500"/>
+          </a:xfrm>
+          <a:prstGeom prst="rect">
+            <a:avLst/>
+          </a:prstGeom>
+          <a:noFill/>
+          <a:ln>
+            <a:noFill/>
+          </a:ln>
+          <a:extLst>
+            <a:ext uri="{909E8E84-426E-40DD-AFC4-6F175D3DCCD1}">
+              <a14:hiddenFill xmlns:a14="http://schemas.microsoft.com/office/drawing/2010/main">
+                <a:solidFill>
+                  <a:schemeClr val="accent1"/>
+                </a:solidFill>
+              </a14:hiddenFill>
+            </a:ext>
+            <a:ext uri="{91240B29-F687-4F45-9708-019B960494DF}">
+              <a14:hiddenLine xmlns:a14="http://schemas.microsoft.com/office/drawing/2010/main" w="9525">
+                <a:solidFill>
+                  <a:schemeClr val="tx1"/>
+                </a:solidFill>
+                <a:miter lim="800000"/>
+                <a:headEnd/>
+                <a:tailEnd/>
+              </a14:hiddenLine>
+            </a:ext>
+          </a:extLst>
+        </p:spPr>
+      </p:pic>
+      <p:pic>
+        <p:nvPicPr>
+          <p:cNvPr id="69" name="Picture 58"/>
+          <p:cNvPicPr>
+            <a:picLocks noChangeAspect="1" noChangeArrowheads="1"/>
+          </p:cNvPicPr>
+          <p:nvPr/>
+        </p:nvPicPr>
+        <p:blipFill>
+          <a:blip r:embed="rId55" cstate="print">
+            <a:extLst>
+              <a:ext uri="{28A0092B-C50C-407E-A947-70E740481C1C}">
+                <a14:useLocalDpi xmlns:a14="http://schemas.microsoft.com/office/drawing/2010/main" val="0"/>
+              </a:ext>
+            </a:extLst>
+          </a:blip>
+          <a:srcRect/>
+          <a:stretch>
+            <a:fillRect/>
+          </a:stretch>
+        </p:blipFill>
+        <p:spPr bwMode="auto">
+          <a:xfrm flipH="1">
+            <a:off x="3307598" y="8650789"/>
+            <a:ext cx="1012714" cy="631955"/>
+          </a:xfrm>
+          <a:prstGeom prst="rect">
+            <a:avLst/>
+          </a:prstGeom>
+          <a:noFill/>
+          <a:ln>
+            <a:noFill/>
+          </a:ln>
+          <a:extLst>
+            <a:ext uri="{909E8E84-426E-40DD-AFC4-6F175D3DCCD1}">
+              <a14:hiddenFill xmlns:a14="http://schemas.microsoft.com/office/drawing/2010/main">
+                <a:solidFill>
+                  <a:schemeClr val="accent1"/>
+                </a:solidFill>
+              </a14:hiddenFill>
+            </a:ext>
+            <a:ext uri="{91240B29-F687-4F45-9708-019B960494DF}">
+              <a14:hiddenLine xmlns:a14="http://schemas.microsoft.com/office/drawing/2010/main" w="9525">
+                <a:solidFill>
+                  <a:schemeClr val="tx1"/>
+                </a:solidFill>
+                <a:miter lim="800000"/>
+                <a:headEnd/>
+                <a:tailEnd/>
+              </a14:hiddenLine>
+            </a:ext>
+          </a:extLst>
+        </p:spPr>
+      </p:pic>
+      <p:pic>
+        <p:nvPicPr>
+          <p:cNvPr id="70" name="Picture 59"/>
+          <p:cNvPicPr>
+            <a:picLocks noChangeAspect="1" noChangeArrowheads="1"/>
+          </p:cNvPicPr>
+          <p:nvPr/>
+        </p:nvPicPr>
+        <p:blipFill>
+          <a:blip r:embed="rId56" cstate="print">
+            <a:extLst>
+              <a:ext uri="{28A0092B-C50C-407E-A947-70E740481C1C}">
+                <a14:useLocalDpi xmlns:a14="http://schemas.microsoft.com/office/drawing/2010/main" val="0"/>
+              </a:ext>
+            </a:extLst>
+          </a:blip>
+          <a:srcRect/>
+          <a:stretch>
+            <a:fillRect/>
+          </a:stretch>
+        </p:blipFill>
+        <p:spPr bwMode="auto">
+          <a:xfrm flipH="1">
+            <a:off x="1285222" y="8389384"/>
+            <a:ext cx="885794" cy="716568"/>
+          </a:xfrm>
+          <a:prstGeom prst="rect">
+            <a:avLst/>
+          </a:prstGeom>
+          <a:noFill/>
+          <a:ln>
+            <a:noFill/>
+          </a:ln>
+          <a:extLst>
+            <a:ext uri="{909E8E84-426E-40DD-AFC4-6F175D3DCCD1}">
+              <a14:hiddenFill xmlns:a14="http://schemas.microsoft.com/office/drawing/2010/main">
+                <a:solidFill>
+                  <a:schemeClr val="accent1"/>
+                </a:solidFill>
+              </a14:hiddenFill>
+            </a:ext>
+            <a:ext uri="{91240B29-F687-4F45-9708-019B960494DF}">
+              <a14:hiddenLine xmlns:a14="http://schemas.microsoft.com/office/drawing/2010/main" w="9525">
+                <a:solidFill>
+                  <a:schemeClr val="tx1"/>
+                </a:solidFill>
+                <a:miter lim="800000"/>
+                <a:headEnd/>
+                <a:tailEnd/>
+              </a14:hiddenLine>
+            </a:ext>
+          </a:extLst>
+        </p:spPr>
+      </p:pic>
+      <p:pic>
+        <p:nvPicPr>
+          <p:cNvPr id="71" name="Picture 60"/>
+          <p:cNvPicPr>
+            <a:picLocks noChangeAspect="1" noChangeArrowheads="1"/>
+          </p:cNvPicPr>
+          <p:nvPr/>
+        </p:nvPicPr>
+        <p:blipFill>
+          <a:blip r:embed="rId57" cstate="print">
+            <a:extLst>
+              <a:ext uri="{28A0092B-C50C-407E-A947-70E740481C1C}">
+                <a14:useLocalDpi xmlns:a14="http://schemas.microsoft.com/office/drawing/2010/main" val="0"/>
+              </a:ext>
+            </a:extLst>
+          </a:blip>
+          <a:srcRect/>
+          <a:stretch>
+            <a:fillRect/>
+          </a:stretch>
+        </p:blipFill>
+        <p:spPr bwMode="auto">
+          <a:xfrm flipH="1">
+            <a:off x="4693656" y="7051502"/>
+            <a:ext cx="787960" cy="721856"/>
+          </a:xfrm>
+          <a:prstGeom prst="rect">
+            <a:avLst/>
+          </a:prstGeom>
+          <a:noFill/>
+          <a:ln>
+            <a:noFill/>
+          </a:ln>
+          <a:extLst>
+            <a:ext uri="{909E8E84-426E-40DD-AFC4-6F175D3DCCD1}">
+              <a14:hiddenFill xmlns:a14="http://schemas.microsoft.com/office/drawing/2010/main">
+                <a:solidFill>
+                  <a:schemeClr val="accent1"/>
+                </a:solidFill>
+              </a14:hiddenFill>
+            </a:ext>
+            <a:ext uri="{91240B29-F687-4F45-9708-019B960494DF}">
+              <a14:hiddenLine xmlns:a14="http://schemas.microsoft.com/office/drawing/2010/main" w="9525">
+                <a:solidFill>
+                  <a:schemeClr val="tx1"/>
+                </a:solidFill>
+                <a:miter lim="800000"/>
+                <a:headEnd/>
+                <a:tailEnd/>
+              </a14:hiddenLine>
+            </a:ext>
+          </a:extLst>
+        </p:spPr>
+      </p:pic>
+      <p:pic>
+        <p:nvPicPr>
+          <p:cNvPr id="72" name="Picture 61"/>
+          <p:cNvPicPr>
+            <a:picLocks noChangeAspect="1" noChangeArrowheads="1"/>
+          </p:cNvPicPr>
+          <p:nvPr/>
+        </p:nvPicPr>
+        <p:blipFill>
+          <a:blip r:embed="rId58" cstate="print">
+            <a:extLst>
+              <a:ext uri="{28A0092B-C50C-407E-A947-70E740481C1C}">
+                <a14:useLocalDpi xmlns:a14="http://schemas.microsoft.com/office/drawing/2010/main" val="0"/>
+              </a:ext>
+            </a:extLst>
+          </a:blip>
+          <a:srcRect/>
+          <a:stretch>
+            <a:fillRect/>
+          </a:stretch>
+        </p:blipFill>
+        <p:spPr bwMode="auto">
+          <a:xfrm flipH="1">
+            <a:off x="1126403" y="6527430"/>
+            <a:ext cx="780027" cy="713923"/>
+          </a:xfrm>
+          <a:prstGeom prst="rect">
+            <a:avLst/>
+          </a:prstGeom>
+          <a:noFill/>
+          <a:ln>
+            <a:noFill/>
+          </a:ln>
+          <a:extLst>
+            <a:ext uri="{909E8E84-426E-40DD-AFC4-6F175D3DCCD1}">
+              <a14:hiddenFill xmlns:a14="http://schemas.microsoft.com/office/drawing/2010/main">
+                <a:solidFill>
+                  <a:schemeClr val="accent1"/>
+                </a:solidFill>
+              </a14:hiddenFill>
+            </a:ext>
+            <a:ext uri="{91240B29-F687-4F45-9708-019B960494DF}">
+              <a14:hiddenLine xmlns:a14="http://schemas.microsoft.com/office/drawing/2010/main" w="9525">
+                <a:solidFill>
+                  <a:schemeClr val="tx1"/>
+                </a:solidFill>
+                <a:miter lim="800000"/>
+                <a:headEnd/>
+                <a:tailEnd/>
+              </a14:hiddenLine>
+            </a:ext>
+          </a:extLst>
+        </p:spPr>
+      </p:pic>
+      <p:pic>
+        <p:nvPicPr>
+          <p:cNvPr id="73" name="Picture 62"/>
+          <p:cNvPicPr>
+            <a:picLocks noChangeAspect="1" noChangeArrowheads="1"/>
+          </p:cNvPicPr>
+          <p:nvPr/>
+        </p:nvPicPr>
+        <p:blipFill>
+          <a:blip r:embed="rId59" cstate="print">
+            <a:extLst>
+              <a:ext uri="{28A0092B-C50C-407E-A947-70E740481C1C}">
+                <a14:useLocalDpi xmlns:a14="http://schemas.microsoft.com/office/drawing/2010/main" val="0"/>
+              </a:ext>
+            </a:extLst>
+          </a:blip>
+          <a:srcRect/>
+          <a:stretch>
+            <a:fillRect/>
+          </a:stretch>
+        </p:blipFill>
+        <p:spPr bwMode="auto">
+          <a:xfrm flipH="1">
+            <a:off x="5689030" y="6478969"/>
+            <a:ext cx="891081" cy="616089"/>
+          </a:xfrm>
+          <a:prstGeom prst="rect">
+            <a:avLst/>
+          </a:prstGeom>
+          <a:noFill/>
+          <a:ln>
+            <a:noFill/>
+          </a:ln>
+          <a:extLst>
+            <a:ext uri="{909E8E84-426E-40DD-AFC4-6F175D3DCCD1}">
+              <a14:hiddenFill xmlns:a14="http://schemas.microsoft.com/office/drawing/2010/main">
+                <a:solidFill>
+                  <a:schemeClr val="accent1"/>
+                </a:solidFill>
+              </a14:hiddenFill>
+            </a:ext>
+            <a:ext uri="{91240B29-F687-4F45-9708-019B960494DF}">
+              <a14:hiddenLine xmlns:a14="http://schemas.microsoft.com/office/drawing/2010/main" w="9525">
+                <a:solidFill>
+                  <a:schemeClr val="tx1"/>
+                </a:solidFill>
+                <a:miter lim="800000"/>
+                <a:headEnd/>
+                <a:tailEnd/>
+              </a14:hiddenLine>
+            </a:ext>
+          </a:extLst>
+        </p:spPr>
+      </p:pic>
+      <p:pic>
+        <p:nvPicPr>
+          <p:cNvPr id="74" name="Picture 63"/>
+          <p:cNvPicPr>
+            <a:picLocks noChangeAspect="1" noChangeArrowheads="1"/>
+          </p:cNvPicPr>
+          <p:nvPr/>
+        </p:nvPicPr>
+        <p:blipFill>
+          <a:blip r:embed="rId60" cstate="print">
+            <a:extLst>
+              <a:ext uri="{28A0092B-C50C-407E-A947-70E740481C1C}">
+                <a14:useLocalDpi xmlns:a14="http://schemas.microsoft.com/office/drawing/2010/main" val="0"/>
+              </a:ext>
+            </a:extLst>
+          </a:blip>
+          <a:srcRect/>
+          <a:stretch>
+            <a:fillRect/>
+          </a:stretch>
+        </p:blipFill>
+        <p:spPr bwMode="auto">
+          <a:xfrm flipH="1">
+            <a:off x="565329" y="4863316"/>
+            <a:ext cx="777384" cy="1285063"/>
+          </a:xfrm>
+          <a:prstGeom prst="rect">
+            <a:avLst/>
+          </a:prstGeom>
+          <a:noFill/>
+          <a:ln>
+            <a:noFill/>
+          </a:ln>
+          <a:extLst>
+            <a:ext uri="{909E8E84-426E-40DD-AFC4-6F175D3DCCD1}">
+              <a14:hiddenFill xmlns:a14="http://schemas.microsoft.com/office/drawing/2010/main">
+                <a:solidFill>
+                  <a:schemeClr val="accent1"/>
+                </a:solidFill>
+              </a14:hiddenFill>
+            </a:ext>
+            <a:ext uri="{91240B29-F687-4F45-9708-019B960494DF}">
+              <a14:hiddenLine xmlns:a14="http://schemas.microsoft.com/office/drawing/2010/main" w="9525">
+                <a:solidFill>
+                  <a:schemeClr val="tx1"/>
+                </a:solidFill>
+                <a:miter lim="800000"/>
+                <a:headEnd/>
+                <a:tailEnd/>
+              </a14:hiddenLine>
+            </a:ext>
+          </a:extLst>
+        </p:spPr>
+      </p:pic>
+      <p:pic>
+        <p:nvPicPr>
+          <p:cNvPr id="75" name="Picture 64"/>
+          <p:cNvPicPr>
+            <a:picLocks noChangeAspect="1" noChangeArrowheads="1"/>
+          </p:cNvPicPr>
+          <p:nvPr/>
+        </p:nvPicPr>
+        <p:blipFill>
+          <a:blip r:embed="rId61" cstate="print">
+            <a:extLst>
+              <a:ext uri="{28A0092B-C50C-407E-A947-70E740481C1C}">
+                <a14:useLocalDpi xmlns:a14="http://schemas.microsoft.com/office/drawing/2010/main" val="0"/>
+              </a:ext>
+            </a:extLst>
+          </a:blip>
+          <a:srcRect/>
+          <a:stretch>
+            <a:fillRect/>
+          </a:stretch>
+        </p:blipFill>
+        <p:spPr bwMode="auto">
+          <a:xfrm flipH="1">
+            <a:off x="1287641" y="5203966"/>
+            <a:ext cx="817046" cy="801180"/>
+          </a:xfrm>
+          <a:prstGeom prst="rect">
+            <a:avLst/>
+          </a:prstGeom>
+          <a:noFill/>
+          <a:ln>
+            <a:noFill/>
+          </a:ln>
+          <a:extLst>
+            <a:ext uri="{909E8E84-426E-40DD-AFC4-6F175D3DCCD1}">
+              <a14:hiddenFill xmlns:a14="http://schemas.microsoft.com/office/drawing/2010/main">
+                <a:solidFill>
+                  <a:schemeClr val="accent1"/>
+                </a:solidFill>
+              </a14:hiddenFill>
+            </a:ext>
+            <a:ext uri="{91240B29-F687-4F45-9708-019B960494DF}">
+              <a14:hiddenLine xmlns:a14="http://schemas.microsoft.com/office/drawing/2010/main" w="9525">
+                <a:solidFill>
+                  <a:schemeClr val="tx1"/>
+                </a:solidFill>
+                <a:miter lim="800000"/>
+                <a:headEnd/>
+                <a:tailEnd/>
+              </a14:hiddenLine>
+            </a:ext>
+          </a:extLst>
+        </p:spPr>
+      </p:pic>
+      <p:pic>
+        <p:nvPicPr>
+          <p:cNvPr id="76" name="Picture 65"/>
+          <p:cNvPicPr>
+            <a:picLocks noChangeAspect="1" noChangeArrowheads="1"/>
+          </p:cNvPicPr>
+          <p:nvPr/>
+        </p:nvPicPr>
+        <p:blipFill>
+          <a:blip r:embed="rId62" cstate="print">
+            <a:extLst>
+              <a:ext uri="{28A0092B-C50C-407E-A947-70E740481C1C}">
+                <a14:useLocalDpi xmlns:a14="http://schemas.microsoft.com/office/drawing/2010/main" val="0"/>
+              </a:ext>
+            </a:extLst>
+          </a:blip>
+          <a:srcRect/>
+          <a:stretch>
+            <a:fillRect/>
+          </a:stretch>
+        </p:blipFill>
+        <p:spPr bwMode="auto">
+          <a:xfrm flipH="1">
+            <a:off x="2115138" y="5153727"/>
+            <a:ext cx="624022" cy="901658"/>
+          </a:xfrm>
+          <a:prstGeom prst="rect">
+            <a:avLst/>
+          </a:prstGeom>
+          <a:noFill/>
+          <a:ln>
+            <a:noFill/>
+          </a:ln>
+          <a:extLst>
+            <a:ext uri="{909E8E84-426E-40DD-AFC4-6F175D3DCCD1}">
+              <a14:hiddenFill xmlns:a14="http://schemas.microsoft.com/office/drawing/2010/main">
+                <a:solidFill>
+                  <a:schemeClr val="accent1"/>
+                </a:solidFill>
+              </a14:hiddenFill>
+            </a:ext>
+            <a:ext uri="{91240B29-F687-4F45-9708-019B960494DF}">
+              <a14:hiddenLine xmlns:a14="http://schemas.microsoft.com/office/drawing/2010/main" w="9525">
+                <a:solidFill>
+                  <a:schemeClr val="tx1"/>
+                </a:solidFill>
+                <a:miter lim="800000"/>
+                <a:headEnd/>
+                <a:tailEnd/>
+              </a14:hiddenLine>
+            </a:ext>
+          </a:extLst>
+        </p:spPr>
+      </p:pic>
+      <p:pic>
+        <p:nvPicPr>
+          <p:cNvPr id="77" name="Picture 66"/>
+          <p:cNvPicPr>
+            <a:picLocks noChangeAspect="1" noChangeArrowheads="1"/>
+          </p:cNvPicPr>
+          <p:nvPr/>
+        </p:nvPicPr>
+        <p:blipFill>
+          <a:blip r:embed="rId63" cstate="print">
+            <a:extLst>
+              <a:ext uri="{28A0092B-C50C-407E-A947-70E740481C1C}">
+                <a14:useLocalDpi xmlns:a14="http://schemas.microsoft.com/office/drawing/2010/main" val="0"/>
+              </a:ext>
+            </a:extLst>
+          </a:blip>
+          <a:srcRect/>
+          <a:stretch>
+            <a:fillRect/>
+          </a:stretch>
+        </p:blipFill>
+        <p:spPr bwMode="auto">
+          <a:xfrm flipH="1">
+            <a:off x="50230" y="7508899"/>
+            <a:ext cx="1076173" cy="880505"/>
+          </a:xfrm>
+          <a:prstGeom prst="rect">
+            <a:avLst/>
+          </a:prstGeom>
+          <a:noFill/>
+          <a:ln>
+            <a:noFill/>
+          </a:ln>
+          <a:extLst>
+            <a:ext uri="{909E8E84-426E-40DD-AFC4-6F175D3DCCD1}">
+              <a14:hiddenFill xmlns:a14="http://schemas.microsoft.com/office/drawing/2010/main">
+                <a:solidFill>
+                  <a:schemeClr val="accent1"/>
+                </a:solidFill>
+              </a14:hiddenFill>
+            </a:ext>
+            <a:ext uri="{91240B29-F687-4F45-9708-019B960494DF}">
+              <a14:hiddenLine xmlns:a14="http://schemas.microsoft.com/office/drawing/2010/main" w="9525">
+                <a:solidFill>
+                  <a:schemeClr val="tx1"/>
+                </a:solidFill>
+                <a:miter lim="800000"/>
+                <a:headEnd/>
+                <a:tailEnd/>
+              </a14:hiddenLine>
+            </a:ext>
+          </a:extLst>
+        </p:spPr>
+      </p:pic>
+      <p:pic>
+        <p:nvPicPr>
+          <p:cNvPr id="78" name="Picture 67"/>
+          <p:cNvPicPr>
+            <a:picLocks noChangeAspect="1" noChangeArrowheads="1"/>
+          </p:cNvPicPr>
+          <p:nvPr/>
+        </p:nvPicPr>
+        <p:blipFill>
+          <a:blip r:embed="rId64" cstate="print">
+            <a:extLst>
+              <a:ext uri="{28A0092B-C50C-407E-A947-70E740481C1C}">
+                <a14:useLocalDpi xmlns:a14="http://schemas.microsoft.com/office/drawing/2010/main" val="0"/>
+              </a:ext>
+            </a:extLst>
+          </a:blip>
+          <a:srcRect/>
+          <a:stretch>
+            <a:fillRect/>
+          </a:stretch>
+        </p:blipFill>
+        <p:spPr bwMode="auto">
+          <a:xfrm flipH="1">
+            <a:off x="1269430" y="7399594"/>
+            <a:ext cx="838199" cy="851419"/>
+          </a:xfrm>
+          <a:prstGeom prst="rect">
+            <a:avLst/>
+          </a:prstGeom>
+          <a:noFill/>
+          <a:ln>
+            <a:noFill/>
+          </a:ln>
+          <a:extLst>
+            <a:ext uri="{909E8E84-426E-40DD-AFC4-6F175D3DCCD1}">
+              <a14:hiddenFill xmlns:a14="http://schemas.microsoft.com/office/drawing/2010/main">
+                <a:solidFill>
+                  <a:schemeClr val="accent1"/>
+                </a:solidFill>
+              </a14:hiddenFill>
+            </a:ext>
+            <a:ext uri="{91240B29-F687-4F45-9708-019B960494DF}">
+              <a14:hiddenLine xmlns:a14="http://schemas.microsoft.com/office/drawing/2010/main" w="9525">
+                <a:solidFill>
+                  <a:schemeClr val="tx1"/>
+                </a:solidFill>
+                <a:miter lim="800000"/>
+                <a:headEnd/>
+                <a:tailEnd/>
+              </a14:hiddenLine>
+            </a:ext>
+          </a:extLst>
+        </p:spPr>
+      </p:pic>
+      <p:pic>
+        <p:nvPicPr>
+          <p:cNvPr id="79" name="Picture 68"/>
+          <p:cNvPicPr>
+            <a:picLocks noChangeAspect="1" noChangeArrowheads="1"/>
+          </p:cNvPicPr>
+          <p:nvPr/>
+        </p:nvPicPr>
+        <p:blipFill>
+          <a:blip r:embed="rId65" cstate="print">
+            <a:extLst>
+              <a:ext uri="{28A0092B-C50C-407E-A947-70E740481C1C}">
+                <a14:useLocalDpi xmlns:a14="http://schemas.microsoft.com/office/drawing/2010/main" val="0"/>
+              </a:ext>
+            </a:extLst>
+          </a:blip>
+          <a:srcRect/>
+          <a:stretch>
+            <a:fillRect/>
+          </a:stretch>
+        </p:blipFill>
+        <p:spPr bwMode="auto">
+          <a:xfrm flipH="1">
+            <a:off x="2549581" y="8844181"/>
+            <a:ext cx="753585" cy="523542"/>
+          </a:xfrm>
+          <a:prstGeom prst="rect">
+            <a:avLst/>
+          </a:prstGeom>
+          <a:noFill/>
+          <a:ln>
+            <a:noFill/>
+          </a:ln>
+          <a:extLst>
+            <a:ext uri="{909E8E84-426E-40DD-AFC4-6F175D3DCCD1}">
+              <a14:hiddenFill xmlns:a14="http://schemas.microsoft.com/office/drawing/2010/main">
+                <a:solidFill>
+                  <a:schemeClr val="accent1"/>
+                </a:solidFill>
+              </a14:hiddenFill>
+            </a:ext>
+            <a:ext uri="{91240B29-F687-4F45-9708-019B960494DF}">
+              <a14:hiddenLine xmlns:a14="http://schemas.microsoft.com/office/drawing/2010/main" w="9525">
+                <a:solidFill>
+                  <a:schemeClr val="tx1"/>
+                </a:solidFill>
+                <a:miter lim="800000"/>
+                <a:headEnd/>
+                <a:tailEnd/>
+              </a14:hiddenLine>
+            </a:ext>
+          </a:extLst>
+        </p:spPr>
+      </p:pic>
+      <p:pic>
+        <p:nvPicPr>
+          <p:cNvPr id="80" name="Picture 69"/>
+          <p:cNvPicPr>
+            <a:picLocks noChangeAspect="1" noChangeArrowheads="1"/>
+          </p:cNvPicPr>
+          <p:nvPr/>
+        </p:nvPicPr>
+        <p:blipFill>
+          <a:blip r:embed="rId66" cstate="print">
+            <a:extLst>
+              <a:ext uri="{28A0092B-C50C-407E-A947-70E740481C1C}">
+                <a14:useLocalDpi xmlns:a14="http://schemas.microsoft.com/office/drawing/2010/main" val="0"/>
+              </a:ext>
+            </a:extLst>
+          </a:blip>
+          <a:srcRect/>
+          <a:stretch>
+            <a:fillRect/>
+          </a:stretch>
+        </p:blipFill>
+        <p:spPr bwMode="auto">
+          <a:xfrm flipH="1">
+            <a:off x="3981860" y="8475432"/>
+            <a:ext cx="899014" cy="801180"/>
+          </a:xfrm>
+          <a:prstGeom prst="rect">
+            <a:avLst/>
+          </a:prstGeom>
+          <a:noFill/>
+          <a:ln>
+            <a:noFill/>
+          </a:ln>
+          <a:extLst>
+            <a:ext uri="{909E8E84-426E-40DD-AFC4-6F175D3DCCD1}">
+              <a14:hiddenFill xmlns:a14="http://schemas.microsoft.com/office/drawing/2010/main">
+                <a:solidFill>
+                  <a:schemeClr val="accent1"/>
+                </a:solidFill>
+              </a14:hiddenFill>
+            </a:ext>
+            <a:ext uri="{91240B29-F687-4F45-9708-019B960494DF}">
+              <a14:hiddenLine xmlns:a14="http://schemas.microsoft.com/office/drawing/2010/main" w="9525">
+                <a:solidFill>
+                  <a:schemeClr val="tx1"/>
+                </a:solidFill>
+                <a:miter lim="800000"/>
+                <a:headEnd/>
+                <a:tailEnd/>
+              </a14:hiddenLine>
+            </a:ext>
+          </a:extLst>
+        </p:spPr>
+      </p:pic>
+      <p:pic>
+        <p:nvPicPr>
+          <p:cNvPr id="81" name="Picture 70"/>
+          <p:cNvPicPr>
+            <a:picLocks noChangeAspect="1" noChangeArrowheads="1"/>
+          </p:cNvPicPr>
+          <p:nvPr/>
+        </p:nvPicPr>
+        <p:blipFill>
+          <a:blip r:embed="rId67" cstate="print">
+            <a:extLst>
+              <a:ext uri="{28A0092B-C50C-407E-A947-70E740481C1C}">
+                <a14:useLocalDpi xmlns:a14="http://schemas.microsoft.com/office/drawing/2010/main" val="0"/>
+              </a:ext>
+            </a:extLst>
+          </a:blip>
+          <a:srcRect/>
+          <a:stretch>
+            <a:fillRect/>
+          </a:stretch>
+        </p:blipFill>
+        <p:spPr bwMode="auto">
+          <a:xfrm flipH="1">
+            <a:off x="2403829" y="7613060"/>
+            <a:ext cx="613445" cy="814402"/>
+          </a:xfrm>
+          <a:prstGeom prst="rect">
+            <a:avLst/>
+          </a:prstGeom>
+          <a:noFill/>
+          <a:ln>
+            <a:noFill/>
+          </a:ln>
+          <a:extLst>
+            <a:ext uri="{909E8E84-426E-40DD-AFC4-6F175D3DCCD1}">
+              <a14:hiddenFill xmlns:a14="http://schemas.microsoft.com/office/drawing/2010/main">
+                <a:solidFill>
+                  <a:schemeClr val="accent1"/>
+                </a:solidFill>
+              </a14:hiddenFill>
+            </a:ext>
+            <a:ext uri="{91240B29-F687-4F45-9708-019B960494DF}">
+              <a14:hiddenLine xmlns:a14="http://schemas.microsoft.com/office/drawing/2010/main" w="9525">
+                <a:solidFill>
+                  <a:schemeClr val="tx1"/>
+                </a:solidFill>
+                <a:miter lim="800000"/>
+                <a:headEnd/>
+                <a:tailEnd/>
+              </a14:hiddenLine>
+            </a:ext>
+          </a:extLst>
+        </p:spPr>
+      </p:pic>
+    </p:spTree>
+    <p:extLst>
+      <p:ext uri="{BB962C8B-B14F-4D97-AF65-F5344CB8AC3E}">
+        <p14:creationId xmlns:p14="http://schemas.microsoft.com/office/powerpoint/2010/main" val="2363350655"/>
+      </p:ext>
+    </p:extLst>
+  </p:cSld>
+  <p:clrMapOvr>
+    <a:masterClrMapping/>
+  </p:clrMapOvr>
+</p:sld>
+</file>
+
+<file path=ppt/slides/slide5.xml><?xml version="1.0" encoding="utf-8"?>
+<p:sld xmlns:a="http://schemas.openxmlformats.org/drawingml/2006/main" xmlns:r="http://schemas.openxmlformats.org/officeDocument/2006/relationships" xmlns:p="http://schemas.openxmlformats.org/presentationml/2006/main">
+  <p:cSld>
+    <p:spTree>
+      <p:nvGrpSpPr>
+        <p:cNvPr id="1" name=""/>
+        <p:cNvGrpSpPr/>
+        <p:nvPr/>
+      </p:nvGrpSpPr>
+      <p:grpSpPr>
+        <a:xfrm>
+          <a:off x="0" y="0"/>
+          <a:ext cx="0" cy="0"/>
+          <a:chOff x="0" y="0"/>
+          <a:chExt cx="0" cy="0"/>
+        </a:xfrm>
+      </p:grpSpPr>
+      <p:sp>
+        <p:nvSpPr>
+          <p:cNvPr id="4" name="TextBox 3"/>
+          <p:cNvSpPr txBox="1"/>
+          <p:nvPr/>
+        </p:nvSpPr>
+        <p:spPr>
+          <a:xfrm>
+            <a:off x="-1066800" y="767665"/>
+            <a:ext cx="506870" cy="646331"/>
+          </a:xfrm>
+          <a:prstGeom prst="rect">
+            <a:avLst/>
+          </a:prstGeom>
+          <a:noFill/>
+        </p:spPr>
+        <p:txBody>
+          <a:bodyPr wrap="none" rtlCol="0">
+            <a:spAutoFit/>
+          </a:bodyPr>
+          <a:lstStyle/>
+          <a:p>
+            <a:r>
+              <a:rPr lang="en-US" dirty="0" smtClean="0"/>
+              <a:t>LEE</a:t>
+            </a:r>
+          </a:p>
+          <a:p>
+            <a:endParaRPr lang="en-US" dirty="0"/>
+          </a:p>
+        </p:txBody>
+      </p:sp>
+    </p:spTree>
+    <p:extLst>
+      <p:ext uri="{BB962C8B-B14F-4D97-AF65-F5344CB8AC3E}">
+        <p14:creationId xmlns:p14="http://schemas.microsoft.com/office/powerpoint/2010/main" val="3964222763"/>
+      </p:ext>
+    </p:extLst>
+  </p:cSld>
+  <p:clrMapOvr>
+    <a:masterClrMapping/>
+  </p:clrMapOvr>
 </p:sld>
 </file>
 
@@ -5096,4 +10201,289 @@
   <a:objectDefaults/>
   <a:extraClrSchemeLst/>
 </a:theme>
+</file>
+
+<file path=ppt/theme/theme2.xml><?xml version="1.0" encoding="utf-8"?>
+<a:theme xmlns:a="http://schemas.openxmlformats.org/drawingml/2006/main" name="Office Theme">
+  <a:themeElements>
+    <a:clrScheme name="Office">
+      <a:dk1>
+        <a:sysClr val="windowText" lastClr="000000"/>
+      </a:dk1>
+      <a:lt1>
+        <a:sysClr val="window" lastClr="FFFFFF"/>
+      </a:lt1>
+      <a:dk2>
+        <a:srgbClr val="1F497D"/>
+      </a:dk2>
+      <a:lt2>
+        <a:srgbClr val="EEECE1"/>
+      </a:lt2>
+      <a:accent1>
+        <a:srgbClr val="4F81BD"/>
+      </a:accent1>
+      <a:accent2>
+        <a:srgbClr val="C0504D"/>
+      </a:accent2>
+      <a:accent3>
+        <a:srgbClr val="9BBB59"/>
+      </a:accent3>
+      <a:accent4>
+        <a:srgbClr val="8064A2"/>
+      </a:accent4>
+      <a:accent5>
+        <a:srgbClr val="4BACC6"/>
+      </a:accent5>
+      <a:accent6>
+        <a:srgbClr val="F79646"/>
+      </a:accent6>
+      <a:hlink>
+        <a:srgbClr val="0000FF"/>
+      </a:hlink>
+      <a:folHlink>
+        <a:srgbClr val="800080"/>
+      </a:folHlink>
+    </a:clrScheme>
+    <a:fontScheme name="Office">
+      <a:majorFont>
+        <a:latin typeface="Calibri"/>
+        <a:ea typeface=""/>
+        <a:cs typeface=""/>
+        <a:font script="Jpan" typeface="ＭＳ Ｐゴシック"/>
+        <a:font script="Hang" typeface="맑은 고딕"/>
+        <a:font script="Hans" typeface="宋体"/>
+        <a:font script="Hant" typeface="新細明體"/>
+        <a:font script="Arab" typeface="Times New Roman"/>
+        <a:font script="Hebr" typeface="Times New Roman"/>
+        <a:font script="Thai" typeface="Angsana New"/>
+        <a:font script="Ethi" typeface="Nyala"/>
+        <a:font script="Beng" typeface="Vrinda"/>
+        <a:font script="Gujr" typeface="Shruti"/>
+        <a:font script="Khmr" typeface="MoolBoran"/>
+        <a:font script="Knda" typeface="Tunga"/>
+        <a:font script="Guru" typeface="Raavi"/>
+        <a:font script="Cans" typeface="Euphemia"/>
+        <a:font script="Cher" typeface="Plantagenet Cherokee"/>
+        <a:font script="Yiii" typeface="Microsoft Yi Baiti"/>
+        <a:font script="Tibt" typeface="Microsoft Himalaya"/>
+        <a:font script="Thaa" typeface="MV Boli"/>
+        <a:font script="Deva" typeface="Mangal"/>
+        <a:font script="Telu" typeface="Gautami"/>
+        <a:font script="Taml" typeface="Latha"/>
+        <a:font script="Syrc" typeface="Estrangelo Edessa"/>
+        <a:font script="Orya" typeface="Kalinga"/>
+        <a:font script="Mlym" typeface="Kartika"/>
+        <a:font script="Laoo" typeface="DokChampa"/>
+        <a:font script="Sinh" typeface="Iskoola Pota"/>
+        <a:font script="Mong" typeface="Mongolian Baiti"/>
+        <a:font script="Viet" typeface="Times New Roman"/>
+        <a:font script="Uigh" typeface="Microsoft Uighur"/>
+        <a:font script="Geor" typeface="Sylfaen"/>
+      </a:majorFont>
+      <a:minorFont>
+        <a:latin typeface="Calibri"/>
+        <a:ea typeface=""/>
+        <a:cs typeface=""/>
+        <a:font script="Jpan" typeface="ＭＳ Ｐゴシック"/>
+        <a:font script="Hang" typeface="맑은 고딕"/>
+        <a:font script="Hans" typeface="宋体"/>
+        <a:font script="Hant" typeface="新細明體"/>
+        <a:font script="Arab" typeface="Arial"/>
+        <a:font script="Hebr" typeface="Arial"/>
+        <a:font script="Thai" typeface="Cordia New"/>
+        <a:font script="Ethi" typeface="Nyala"/>
+        <a:font script="Beng" typeface="Vrinda"/>
+        <a:font script="Gujr" typeface="Shruti"/>
+        <a:font script="Khmr" typeface="DaunPenh"/>
+        <a:font script="Knda" typeface="Tunga"/>
+        <a:font script="Guru" typeface="Raavi"/>
+        <a:font script="Cans" typeface="Euphemia"/>
+        <a:font script="Cher" typeface="Plantagenet Cherokee"/>
+        <a:font script="Yiii" typeface="Microsoft Yi Baiti"/>
+        <a:font script="Tibt" typeface="Microsoft Himalaya"/>
+        <a:font script="Thaa" typeface="MV Boli"/>
+        <a:font script="Deva" typeface="Mangal"/>
+        <a:font script="Telu" typeface="Gautami"/>
+        <a:font script="Taml" typeface="Latha"/>
+        <a:font script="Syrc" typeface="Estrangelo Edessa"/>
+        <a:font script="Orya" typeface="Kalinga"/>
+        <a:font script="Mlym" typeface="Kartika"/>
+        <a:font script="Laoo" typeface="DokChampa"/>
+        <a:font script="Sinh" typeface="Iskoola Pota"/>
+        <a:font script="Mong" typeface="Mongolian Baiti"/>
+        <a:font script="Viet" typeface="Arial"/>
+        <a:font script="Uigh" typeface="Microsoft Uighur"/>
+        <a:font script="Geor" typeface="Sylfaen"/>
+      </a:minorFont>
+    </a:fontScheme>
+    <a:fmtScheme name="Office">
+      <a:fillStyleLst>
+        <a:solidFill>
+          <a:schemeClr val="phClr"/>
+        </a:solidFill>
+        <a:gradFill rotWithShape="1">
+          <a:gsLst>
+            <a:gs pos="0">
+              <a:schemeClr val="phClr">
+                <a:tint val="50000"/>
+                <a:satMod val="300000"/>
+              </a:schemeClr>
+            </a:gs>
+            <a:gs pos="35000">
+              <a:schemeClr val="phClr">
+                <a:tint val="37000"/>
+                <a:satMod val="300000"/>
+              </a:schemeClr>
+            </a:gs>
+            <a:gs pos="100000">
+              <a:schemeClr val="phClr">
+                <a:tint val="15000"/>
+                <a:satMod val="350000"/>
+              </a:schemeClr>
+            </a:gs>
+          </a:gsLst>
+          <a:lin ang="16200000" scaled="1"/>
+        </a:gradFill>
+        <a:gradFill rotWithShape="1">
+          <a:gsLst>
+            <a:gs pos="0">
+              <a:schemeClr val="phClr">
+                <a:shade val="51000"/>
+                <a:satMod val="130000"/>
+              </a:schemeClr>
+            </a:gs>
+            <a:gs pos="80000">
+              <a:schemeClr val="phClr">
+                <a:shade val="93000"/>
+                <a:satMod val="130000"/>
+              </a:schemeClr>
+            </a:gs>
+            <a:gs pos="100000">
+              <a:schemeClr val="phClr">
+                <a:shade val="94000"/>
+                <a:satMod val="135000"/>
+              </a:schemeClr>
+            </a:gs>
+          </a:gsLst>
+          <a:lin ang="16200000" scaled="0"/>
+        </a:gradFill>
+      </a:fillStyleLst>
+      <a:lnStyleLst>
+        <a:ln w="9525" cap="flat" cmpd="sng" algn="ctr">
+          <a:solidFill>
+            <a:schemeClr val="phClr">
+              <a:shade val="95000"/>
+              <a:satMod val="105000"/>
+            </a:schemeClr>
+          </a:solidFill>
+          <a:prstDash val="solid"/>
+        </a:ln>
+        <a:ln w="25400" cap="flat" cmpd="sng" algn="ctr">
+          <a:solidFill>
+            <a:schemeClr val="phClr"/>
+          </a:solidFill>
+          <a:prstDash val="solid"/>
+        </a:ln>
+        <a:ln w="38100" cap="flat" cmpd="sng" algn="ctr">
+          <a:solidFill>
+            <a:schemeClr val="phClr"/>
+          </a:solidFill>
+          <a:prstDash val="solid"/>
+        </a:ln>
+      </a:lnStyleLst>
+      <a:effectStyleLst>
+        <a:effectStyle>
+          <a:effectLst>
+            <a:outerShdw blurRad="40000" dist="20000" dir="5400000" rotWithShape="0">
+              <a:srgbClr val="000000">
+                <a:alpha val="38000"/>
+              </a:srgbClr>
+            </a:outerShdw>
+          </a:effectLst>
+        </a:effectStyle>
+        <a:effectStyle>
+          <a:effectLst>
+            <a:outerShdw blurRad="40000" dist="23000" dir="5400000" rotWithShape="0">
+              <a:srgbClr val="000000">
+                <a:alpha val="35000"/>
+              </a:srgbClr>
+            </a:outerShdw>
+          </a:effectLst>
+        </a:effectStyle>
+        <a:effectStyle>
+          <a:effectLst>
+            <a:outerShdw blurRad="40000" dist="23000" dir="5400000" rotWithShape="0">
+              <a:srgbClr val="000000">
+                <a:alpha val="35000"/>
+              </a:srgbClr>
+            </a:outerShdw>
+          </a:effectLst>
+          <a:scene3d>
+            <a:camera prst="orthographicFront">
+              <a:rot lat="0" lon="0" rev="0"/>
+            </a:camera>
+            <a:lightRig rig="threePt" dir="t">
+              <a:rot lat="0" lon="0" rev="1200000"/>
+            </a:lightRig>
+          </a:scene3d>
+          <a:sp3d>
+            <a:bevelT w="63500" h="25400"/>
+          </a:sp3d>
+        </a:effectStyle>
+      </a:effectStyleLst>
+      <a:bgFillStyleLst>
+        <a:solidFill>
+          <a:schemeClr val="phClr"/>
+        </a:solidFill>
+        <a:gradFill rotWithShape="1">
+          <a:gsLst>
+            <a:gs pos="0">
+              <a:schemeClr val="phClr">
+                <a:tint val="40000"/>
+                <a:satMod val="350000"/>
+              </a:schemeClr>
+            </a:gs>
+            <a:gs pos="40000">
+              <a:schemeClr val="phClr">
+                <a:tint val="45000"/>
+                <a:shade val="99000"/>
+                <a:satMod val="350000"/>
+              </a:schemeClr>
+            </a:gs>
+            <a:gs pos="100000">
+              <a:schemeClr val="phClr">
+                <a:shade val="20000"/>
+                <a:satMod val="255000"/>
+              </a:schemeClr>
+            </a:gs>
+          </a:gsLst>
+          <a:path path="circle">
+            <a:fillToRect l="50000" t="-80000" r="50000" b="180000"/>
+          </a:path>
+        </a:gradFill>
+        <a:gradFill rotWithShape="1">
+          <a:gsLst>
+            <a:gs pos="0">
+              <a:schemeClr val="phClr">
+                <a:tint val="80000"/>
+                <a:satMod val="300000"/>
+              </a:schemeClr>
+            </a:gs>
+            <a:gs pos="100000">
+              <a:schemeClr val="phClr">
+                <a:shade val="30000"/>
+                <a:satMod val="200000"/>
+              </a:schemeClr>
+            </a:gs>
+          </a:gsLst>
+          <a:path path="circle">
+            <a:fillToRect l="50000" t="50000" r="50000" b="50000"/>
+          </a:path>
+        </a:gradFill>
+      </a:bgFillStyleLst>
+    </a:fmtScheme>
+  </a:themeElements>
+  <a:objectDefaults/>
+  <a:extraClrSchemeLst/>
+</a:theme>
 </file>
--- a/analysis/Curvature/view_angle_comparison.pptx
+++ b/analysis/Curvature/view_angle_comparison.pptx
@@ -9905,6 +9905,60 @@
           </a:p>
         </p:txBody>
       </p:sp>
+      <p:pic>
+        <p:nvPicPr>
+          <p:cNvPr id="2051" name="Picture 3"/>
+          <p:cNvPicPr>
+            <a:picLocks noChangeAspect="1" noChangeArrowheads="1"/>
+          </p:cNvPicPr>
+          <p:nvPr/>
+        </p:nvPicPr>
+        <p:blipFill>
+          <a:blip r:embed="rId2">
+            <a:extLst>
+              <a:ext uri="{28A0092B-C50C-407E-A947-70E740481C1C}">
+                <a14:useLocalDpi xmlns:a14="http://schemas.microsoft.com/office/drawing/2010/main" val="0"/>
+              </a:ext>
+            </a:extLst>
+          </a:blip>
+          <a:srcRect/>
+          <a:stretch>
+            <a:fillRect/>
+          </a:stretch>
+        </p:blipFill>
+        <p:spPr bwMode="auto">
+          <a:xfrm>
+            <a:off x="1704975" y="1338263"/>
+            <a:ext cx="5734050" cy="4181475"/>
+          </a:xfrm>
+          <a:prstGeom prst="rect">
+            <a:avLst/>
+          </a:prstGeom>
+          <a:noFill/>
+          <a:ln>
+            <a:noFill/>
+          </a:ln>
+          <a:extLst>
+            <a:ext uri="{909E8E84-426E-40DD-AFC4-6F175D3DCCD1}">
+              <a14:hiddenFill xmlns:a14="http://schemas.microsoft.com/office/drawing/2010/main">
+                <a:solidFill>
+                  <a:schemeClr val="accent1"/>
+                </a:solidFill>
+              </a14:hiddenFill>
+            </a:ext>
+            <a:ext uri="{91240B29-F687-4F45-9708-019B960494DF}">
+              <a14:hiddenLine xmlns:a14="http://schemas.microsoft.com/office/drawing/2010/main" w="9525">
+                <a:solidFill>
+                  <a:schemeClr val="tx1"/>
+                </a:solidFill>
+                <a:miter lim="800000"/>
+                <a:headEnd/>
+                <a:tailEnd/>
+              </a14:hiddenLine>
+            </a:ext>
+          </a:extLst>
+        </p:spPr>
+      </p:pic>
     </p:spTree>
     <p:extLst>
       <p:ext uri="{BB962C8B-B14F-4D97-AF65-F5344CB8AC3E}">
